--- a/Slides/IntroductionToNGSAnalysis_DayII_MT.pptx
+++ b/Slides/IntroductionToNGSAnalysis_DayII_MT.pptx
@@ -5,7 +5,7 @@
     <p:sldMasterId id="2147483648" r:id="rId1"/>
   </p:sldMasterIdLst>
   <p:notesMasterIdLst>
-    <p:notesMasterId r:id="rId11"/>
+    <p:notesMasterId r:id="rId15"/>
   </p:notesMasterIdLst>
   <p:sldIdLst>
     <p:sldId id="256" r:id="rId2"/>
@@ -14,9 +14,13 @@
     <p:sldId id="266" r:id="rId5"/>
     <p:sldId id="262" r:id="rId6"/>
     <p:sldId id="263" r:id="rId7"/>
-    <p:sldId id="267" r:id="rId8"/>
-    <p:sldId id="264" r:id="rId9"/>
-    <p:sldId id="265" r:id="rId10"/>
+    <p:sldId id="268" r:id="rId8"/>
+    <p:sldId id="269" r:id="rId9"/>
+    <p:sldId id="271" r:id="rId10"/>
+    <p:sldId id="270" r:id="rId11"/>
+    <p:sldId id="267" r:id="rId12"/>
+    <p:sldId id="264" r:id="rId13"/>
+    <p:sldId id="265" r:id="rId14"/>
   </p:sldIdLst>
   <p:sldSz cx="12192000" cy="6858000"/>
   <p:notesSz cx="6858000" cy="9144000"/>
@@ -442,7 +446,7 @@
           <a:p>
             <a:fld id="{5A7C8C98-4CB3-174D-B081-3039D0753C62}" type="datetimeFigureOut">
               <a:rPr lang="en-US" smtClean="0"/>
-              <a:t>5/16/2022</a:t>
+              <a:t>5/17/2022</a:t>
             </a:fld>
             <a:endParaRPr lang="en-US" dirty="0"/>
           </a:p>
@@ -709,6 +713,90 @@
 </p:notesMaster>
 </file>
 
+<file path=ppt/notesSlides/notesSlide1.xml><?xml version="1.0" encoding="utf-8"?>
+<p:notes xmlns:a="http://schemas.openxmlformats.org/drawingml/2006/main" xmlns:r="http://schemas.openxmlformats.org/officeDocument/2006/relationships" xmlns:p="http://schemas.openxmlformats.org/presentationml/2006/main">
+  <p:cSld>
+    <p:spTree>
+      <p:nvGrpSpPr>
+        <p:cNvPr id="1" name=""/>
+        <p:cNvGrpSpPr/>
+        <p:nvPr/>
+      </p:nvGrpSpPr>
+      <p:grpSpPr>
+        <a:xfrm>
+          <a:off x="0" y="0"/>
+          <a:ext cx="0" cy="0"/>
+          <a:chOff x="0" y="0"/>
+          <a:chExt cx="0" cy="0"/>
+        </a:xfrm>
+      </p:grpSpPr>
+      <p:sp>
+        <p:nvSpPr>
+          <p:cNvPr id="2" name="Slide Image Placeholder 1"/>
+          <p:cNvSpPr>
+            <a:spLocks noGrp="1" noRot="1" noChangeAspect="1"/>
+          </p:cNvSpPr>
+          <p:nvPr>
+            <p:ph type="sldImg"/>
+          </p:nvPr>
+        </p:nvSpPr>
+        <p:spPr/>
+      </p:sp>
+      <p:sp>
+        <p:nvSpPr>
+          <p:cNvPr id="3" name="Notes Placeholder 2"/>
+          <p:cNvSpPr>
+            <a:spLocks noGrp="1"/>
+          </p:cNvSpPr>
+          <p:nvPr>
+            <p:ph type="body" idx="1"/>
+          </p:nvPr>
+        </p:nvSpPr>
+        <p:spPr/>
+        <p:txBody>
+          <a:bodyPr/>
+          <a:lstStyle/>
+          <a:p>
+            <a:endParaRPr lang="en-US" dirty="0"/>
+          </a:p>
+        </p:txBody>
+      </p:sp>
+      <p:sp>
+        <p:nvSpPr>
+          <p:cNvPr id="4" name="Slide Number Placeholder 3"/>
+          <p:cNvSpPr>
+            <a:spLocks noGrp="1"/>
+          </p:cNvSpPr>
+          <p:nvPr>
+            <p:ph type="sldNum" sz="quarter" idx="5"/>
+          </p:nvPr>
+        </p:nvSpPr>
+        <p:spPr/>
+        <p:txBody>
+          <a:bodyPr/>
+          <a:lstStyle/>
+          <a:p>
+            <a:fld id="{ABB30426-E460-0742-AFCA-43EB1DD1B97F}" type="slidenum">
+              <a:rPr lang="en-US" smtClean="0"/>
+              <a:t>6</a:t>
+            </a:fld>
+            <a:endParaRPr lang="en-US" dirty="0"/>
+          </a:p>
+        </p:txBody>
+      </p:sp>
+    </p:spTree>
+    <p:extLst>
+      <p:ext uri="{BB962C8B-B14F-4D97-AF65-F5344CB8AC3E}">
+        <p14:creationId xmlns:p14="http://schemas.microsoft.com/office/powerpoint/2010/main" val="3312536306"/>
+      </p:ext>
+    </p:extLst>
+  </p:cSld>
+  <p:clrMapOvr>
+    <a:masterClrMapping/>
+  </p:clrMapOvr>
+</p:notes>
+</file>
+
 <file path=ppt/slideLayouts/slideLayout1.xml><?xml version="1.0" encoding="utf-8"?>
 <p:sldLayout xmlns:a="http://schemas.openxmlformats.org/drawingml/2006/main" xmlns:r="http://schemas.openxmlformats.org/officeDocument/2006/relationships" xmlns:p="http://schemas.openxmlformats.org/presentationml/2006/main" type="title" preserve="1">
   <p:cSld name="Title Slide">
@@ -931,7 +1019,7 @@
             <a:fld id="{32338A89-9E82-4046-8247-794AEC633712}" type="datetimeFigureOut">
               <a:rPr lang="en-US" smtClean="0"/>
               <a:pPr/>
-              <a:t>5/16/2022</a:t>
+              <a:t>5/17/2022</a:t>
             </a:fld>
             <a:endParaRPr lang="en-US" dirty="0"/>
           </a:p>
@@ -1317,7 +1405,7 @@
           <a:p>
             <a:fld id="{32338A89-9E82-4046-8247-794AEC633712}" type="datetimeFigureOut">
               <a:rPr lang="en-US" smtClean="0"/>
-              <a:t>5/16/2022</a:t>
+              <a:t>5/17/2022</a:t>
             </a:fld>
             <a:endParaRPr lang="en-US" dirty="0"/>
           </a:p>
@@ -1967,7 +2055,7 @@
           <a:p>
             <a:fld id="{32338A89-9E82-4046-8247-794AEC633712}" type="datetimeFigureOut">
               <a:rPr lang="en-US" smtClean="0"/>
-              <a:t>5/16/2022</a:t>
+              <a:t>5/17/2022</a:t>
             </a:fld>
             <a:endParaRPr lang="en-US" dirty="0"/>
           </a:p>
@@ -2541,7 +2629,7 @@
           <a:p>
             <a:fld id="{32338A89-9E82-4046-8247-794AEC633712}" type="datetimeFigureOut">
               <a:rPr lang="en-US" smtClean="0"/>
-              <a:t>5/16/2022</a:t>
+              <a:t>5/17/2022</a:t>
             </a:fld>
             <a:endParaRPr lang="en-US" dirty="0"/>
           </a:p>
@@ -2767,7 +2855,7 @@
           <a:p>
             <a:fld id="{32338A89-9E82-4046-8247-794AEC633712}" type="datetimeFigureOut">
               <a:rPr lang="en-US" smtClean="0"/>
-              <a:t>5/16/2022</a:t>
+              <a:t>5/17/2022</a:t>
             </a:fld>
             <a:endParaRPr lang="en-US" dirty="0"/>
           </a:p>
@@ -3065,7 +3153,7 @@
             <a:fld id="{32338A89-9E82-4046-8247-794AEC633712}" type="datetimeFigureOut">
               <a:rPr lang="en-US" smtClean="0"/>
               <a:pPr/>
-              <a:t>5/16/2022</a:t>
+              <a:t>5/17/2022</a:t>
             </a:fld>
             <a:endParaRPr lang="en-US" dirty="0"/>
           </a:p>
@@ -3457,7 +3545,7 @@
           <a:lstStyle/>
           <a:p>
             <a:r>
-              <a:rPr lang="en-US" dirty="0" smtClean="0">
+              <a:rPr lang="en-US" dirty="0">
                 <a:latin typeface="Times New Roman" panose="02020603050405020304" pitchFamily="18" charset="0"/>
                 <a:cs typeface="Times New Roman" panose="02020603050405020304" pitchFamily="18" charset="0"/>
               </a:rPr>
@@ -3496,35 +3584,35 @@
           <a:lstStyle/>
           <a:p>
             <a:r>
-              <a:rPr lang="en-US" b="1" dirty="0" err="1" smtClean="0">
+              <a:rPr lang="en-US" b="1" dirty="0" err="1">
                 <a:latin typeface="Times New Roman" panose="02020603050405020304" pitchFamily="18" charset="0"/>
                 <a:cs typeface="Times New Roman" panose="02020603050405020304" pitchFamily="18" charset="0"/>
               </a:rPr>
               <a:t>Lyda</a:t>
             </a:r>
             <a:r>
-              <a:rPr lang="en-US" b="1" dirty="0" smtClean="0">
+              <a:rPr lang="en-US" b="1" dirty="0">
                 <a:latin typeface="Times New Roman" panose="02020603050405020304" pitchFamily="18" charset="0"/>
                 <a:cs typeface="Times New Roman" panose="02020603050405020304" pitchFamily="18" charset="0"/>
               </a:rPr>
               <a:t> Hill </a:t>
             </a:r>
             <a:r>
-              <a:rPr lang="en-US" dirty="0" smtClean="0">
+              <a:rPr lang="en-US" dirty="0">
                 <a:latin typeface="Times New Roman" panose="02020603050405020304" pitchFamily="18" charset="0"/>
                 <a:cs typeface="Times New Roman" panose="02020603050405020304" pitchFamily="18" charset="0"/>
               </a:rPr>
               <a:t>department of Bioinformatics 2022 </a:t>
             </a:r>
             <a:r>
-              <a:rPr lang="en-US" dirty="0" err="1" smtClean="0">
+              <a:rPr lang="en-US" dirty="0" err="1">
                 <a:latin typeface="Times New Roman" panose="02020603050405020304" pitchFamily="18" charset="0"/>
                 <a:cs typeface="Times New Roman" panose="02020603050405020304" pitchFamily="18" charset="0"/>
               </a:rPr>
               <a:t>Nanocourse</a:t>
             </a:r>
             <a:r>
-              <a:rPr lang="en-US" dirty="0" smtClean="0">
+              <a:rPr lang="en-US" dirty="0">
                 <a:latin typeface="Times New Roman" panose="02020603050405020304" pitchFamily="18" charset="0"/>
                 <a:cs typeface="Times New Roman" panose="02020603050405020304" pitchFamily="18" charset="0"/>
               </a:rPr>
@@ -3533,67 +3621,42 @@
           </a:p>
           <a:p>
             <a:r>
-              <a:rPr lang="en-US" b="1" dirty="0" smtClean="0">
+              <a:rPr lang="en-US" b="1" dirty="0">
                 <a:latin typeface="Times New Roman" panose="02020603050405020304" pitchFamily="18" charset="0"/>
                 <a:cs typeface="Times New Roman" panose="02020603050405020304" pitchFamily="18" charset="0"/>
               </a:rPr>
               <a:t>Date &amp; Time: </a:t>
             </a:r>
             <a:r>
-              <a:rPr lang="en-US" dirty="0" smtClean="0">
+              <a:rPr lang="en-US" dirty="0">
                 <a:latin typeface="Times New Roman" panose="02020603050405020304" pitchFamily="18" charset="0"/>
                 <a:cs typeface="Times New Roman" panose="02020603050405020304" pitchFamily="18" charset="0"/>
               </a:rPr>
-              <a:t>May </a:t>
-            </a:r>
-            <a:r>
-              <a:rPr lang="en-US" dirty="0" smtClean="0">
-                <a:latin typeface="Times New Roman" panose="02020603050405020304" pitchFamily="18" charset="0"/>
-                <a:cs typeface="Times New Roman" panose="02020603050405020304" pitchFamily="18" charset="0"/>
-              </a:rPr>
-              <a:t>19-20</a:t>
-            </a:r>
-            <a:r>
-              <a:rPr lang="en-US" dirty="0" smtClean="0">
-                <a:latin typeface="Times New Roman" panose="02020603050405020304" pitchFamily="18" charset="0"/>
-                <a:cs typeface="Times New Roman" panose="02020603050405020304" pitchFamily="18" charset="0"/>
-              </a:rPr>
-              <a:t>: 9AM-5PM (NG3.202)</a:t>
-            </a:r>
-          </a:p>
-          <a:p>
-            <a:r>
-              <a:rPr lang="en-US" b="1" dirty="0" smtClean="0">
+              <a:t>May 19-20: 9AM-5PM (NG3.202)</a:t>
+            </a:r>
+          </a:p>
+          <a:p>
+            <a:r>
+              <a:rPr lang="en-US" b="1" dirty="0">
                 <a:latin typeface="Times New Roman" panose="02020603050405020304" pitchFamily="18" charset="0"/>
                 <a:cs typeface="Times New Roman" panose="02020603050405020304" pitchFamily="18" charset="0"/>
               </a:rPr>
               <a:t>Course Instructors: </a:t>
             </a:r>
             <a:r>
-              <a:rPr lang="en-US" dirty="0" smtClean="0">
+              <a:rPr lang="en-US" dirty="0">
                 <a:latin typeface="Times New Roman" panose="02020603050405020304" pitchFamily="18" charset="0"/>
                 <a:cs typeface="Times New Roman" panose="02020603050405020304" pitchFamily="18" charset="0"/>
               </a:rPr>
-              <a:t>Bo Li, Daehwan Kim, Christopher Chaney, &amp; </a:t>
-            </a:r>
-            <a:r>
-              <a:rPr lang="en-US" dirty="0" smtClean="0">
-                <a:latin typeface="Times New Roman" panose="02020603050405020304" pitchFamily="18" charset="0"/>
-                <a:cs typeface="Times New Roman" panose="02020603050405020304" pitchFamily="18" charset="0"/>
-              </a:rPr>
-              <a:t>Micah Thornton</a:t>
-            </a:r>
-            <a:r>
-              <a:rPr lang="en-US" b="1" dirty="0" smtClean="0">
+              <a:t>Bo Li, Daehwan Kim, Christopher Chaney, &amp; Micah Thornton</a:t>
+            </a:r>
+            <a:r>
+              <a:rPr lang="en-US" b="1" dirty="0">
                 <a:latin typeface="Times New Roman" panose="02020603050405020304" pitchFamily="18" charset="0"/>
                 <a:cs typeface="Times New Roman" panose="02020603050405020304" pitchFamily="18" charset="0"/>
               </a:rPr>
               <a:t> </a:t>
             </a:r>
-            <a:endParaRPr lang="en-US" b="1" dirty="0">
-              <a:latin typeface="Times New Roman" panose="02020603050405020304" pitchFamily="18" charset="0"/>
-              <a:cs typeface="Times New Roman" panose="02020603050405020304" pitchFamily="18" charset="0"/>
-            </a:endParaRPr>
           </a:p>
         </p:txBody>
       </p:sp>
@@ -3610,7 +3673,7 @@
 </p:sld>
 </file>
 
-<file path=ppt/slides/slide2.xml><?xml version="1.0" encoding="utf-8"?>
+<file path=ppt/slides/slide10.xml><?xml version="1.0" encoding="utf-8"?>
 <p:sld xmlns:a="http://schemas.openxmlformats.org/drawingml/2006/main" xmlns:r="http://schemas.openxmlformats.org/officeDocument/2006/relationships" xmlns:p="http://schemas.openxmlformats.org/presentationml/2006/main">
   <p:cSld>
     <p:spTree>
@@ -3632,73 +3695,7 @@
           <p:cNvPr id="2" name="Title 1">
             <a:extLst>
               <a:ext uri="{FF2B5EF4-FFF2-40B4-BE49-F238E27FC236}">
-                <a16:creationId xmlns:a16="http://schemas.microsoft.com/office/drawing/2014/main" id="{1B340445-FD60-F345-B8BC-C6D68C6D6867}"/>
-              </a:ext>
-            </a:extLst>
-          </p:cNvPr>
-          <p:cNvSpPr>
-            <a:spLocks noGrp="1"/>
-          </p:cNvSpPr>
-          <p:nvPr>
-            <p:ph type="title"/>
-          </p:nvPr>
-        </p:nvSpPr>
-        <p:spPr>
-          <a:xfrm>
-            <a:off x="1231900" y="1643268"/>
-            <a:ext cx="10671484" cy="872805"/>
-          </a:xfrm>
-        </p:spPr>
-        <p:txBody>
-          <a:bodyPr>
-            <a:normAutofit/>
-          </a:bodyPr>
-          <a:lstStyle/>
-          <a:p>
-            <a:r>
-              <a:rPr lang="en-US" dirty="0" smtClean="0"/>
-              <a:t>Day 2: Section IV (Using IGV, and Genotype Information to Assess Phenotype in Human Genomic Data)</a:t>
-            </a:r>
-            <a:endParaRPr lang="en-US" dirty="0"/>
-          </a:p>
-        </p:txBody>
-      </p:sp>
-    </p:spTree>
-    <p:extLst>
-      <p:ext uri="{BB962C8B-B14F-4D97-AF65-F5344CB8AC3E}">
-        <p14:creationId xmlns:p14="http://schemas.microsoft.com/office/powerpoint/2010/main" val="496125496"/>
-      </p:ext>
-    </p:extLst>
-  </p:cSld>
-  <p:clrMapOvr>
-    <a:masterClrMapping/>
-  </p:clrMapOvr>
-</p:sld>
-</file>
-
-<file path=ppt/slides/slide3.xml><?xml version="1.0" encoding="utf-8"?>
-<p:sld xmlns:a="http://schemas.openxmlformats.org/drawingml/2006/main" xmlns:r="http://schemas.openxmlformats.org/officeDocument/2006/relationships" xmlns:p="http://schemas.openxmlformats.org/presentationml/2006/main">
-  <p:cSld>
-    <p:spTree>
-      <p:nvGrpSpPr>
-        <p:cNvPr id="1" name=""/>
-        <p:cNvGrpSpPr/>
-        <p:nvPr/>
-      </p:nvGrpSpPr>
-      <p:grpSpPr>
-        <a:xfrm>
-          <a:off x="0" y="0"/>
-          <a:ext cx="0" cy="0"/>
-          <a:chOff x="0" y="0"/>
-          <a:chExt cx="0" cy="0"/>
-        </a:xfrm>
-      </p:grpSpPr>
-      <p:sp>
-        <p:nvSpPr>
-          <p:cNvPr id="2" name="Title 1">
-            <a:extLst>
-              <a:ext uri="{FF2B5EF4-FFF2-40B4-BE49-F238E27FC236}">
-                <a16:creationId xmlns:a16="http://schemas.microsoft.com/office/drawing/2014/main" id="{636FB483-8A01-854E-9BBE-55E0C355A79B}"/>
+                <a16:creationId xmlns:a16="http://schemas.microsoft.com/office/drawing/2014/main" id="{9AFB0349-C502-D4D6-F134-8A6B824DDF2A}"/>
               </a:ext>
             </a:extLst>
           </p:cNvPr>
@@ -3709,8 +3706,8 @@
         </p:nvSpPr>
         <p:spPr>
           <a:xfrm>
-            <a:off x="292557" y="202301"/>
-            <a:ext cx="10017369" cy="656493"/>
+            <a:off x="292557" y="29453"/>
+            <a:ext cx="11585311" cy="656493"/>
           </a:xfrm>
           <a:prstGeom prst="rect">
             <a:avLst/>
@@ -3739,201 +3736,19 @@
           </a:lstStyle>
           <a:p>
             <a:r>
-              <a:rPr lang="en-US" dirty="0" smtClean="0">
+              <a:rPr lang="en-US" u="sng" dirty="0">
                 <a:latin typeface="Times New Roman" panose="02020603050405020304" pitchFamily="18" charset="0"/>
                 <a:cs typeface="Times New Roman" panose="02020603050405020304" pitchFamily="18" charset="0"/>
               </a:rPr>
-              <a:t>What you will learn in this Section (2 Parts)</a:t>
-            </a:r>
-            <a:endParaRPr lang="en-US" dirty="0">
-              <a:latin typeface="Times New Roman" panose="02020603050405020304" pitchFamily="18" charset="0"/>
-              <a:cs typeface="Times New Roman" panose="02020603050405020304" pitchFamily="18" charset="0"/>
-            </a:endParaRPr>
-          </a:p>
-        </p:txBody>
-      </p:sp>
-      <p:sp>
-        <p:nvSpPr>
-          <p:cNvPr id="3" name="TextBox 2"/>
-          <p:cNvSpPr txBox="1"/>
-          <p:nvPr/>
-        </p:nvSpPr>
-        <p:spPr>
-          <a:xfrm>
-            <a:off x="292557" y="1100518"/>
-            <a:ext cx="11578459" cy="3416320"/>
-          </a:xfrm>
-          <a:prstGeom prst="rect">
-            <a:avLst/>
-          </a:prstGeom>
-          <a:noFill/>
-        </p:spPr>
-        <p:txBody>
-          <a:bodyPr wrap="square" rtlCol="0">
-            <a:spAutoFit/>
-          </a:bodyPr>
-          <a:lstStyle/>
-          <a:p>
-            <a:pPr marL="285750" indent="-285750">
-              <a:buFont typeface="Arial" panose="020B0604020202020204" pitchFamily="34" charset="0"/>
-              <a:buChar char="•"/>
-            </a:pPr>
-            <a:r>
-              <a:rPr lang="en-US" i="1" dirty="0" smtClean="0">
-                <a:latin typeface="Times New Roman" panose="02020603050405020304" pitchFamily="18" charset="0"/>
-                <a:cs typeface="Times New Roman" panose="02020603050405020304" pitchFamily="18" charset="0"/>
-              </a:rPr>
-              <a:t>What is the Integrative Genomics Viewer (IGV)?</a:t>
-            </a:r>
-          </a:p>
-          <a:p>
-            <a:pPr marL="742950" lvl="1" indent="-285750">
-              <a:buFont typeface="Arial" panose="020B0604020202020204" pitchFamily="34" charset="0"/>
-              <a:buChar char="•"/>
-            </a:pPr>
-            <a:r>
-              <a:rPr lang="en-US" i="1" dirty="0" smtClean="0">
-                <a:latin typeface="Times New Roman" panose="02020603050405020304" pitchFamily="18" charset="0"/>
-                <a:cs typeface="Times New Roman" panose="02020603050405020304" pitchFamily="18" charset="0"/>
-              </a:rPr>
-              <a:t>History &amp; Background Information.</a:t>
-            </a:r>
-          </a:p>
-          <a:p>
-            <a:pPr marL="742950" lvl="1" indent="-285750">
-              <a:buFont typeface="Arial" panose="020B0604020202020204" pitchFamily="34" charset="0"/>
-              <a:buChar char="•"/>
-            </a:pPr>
-            <a:r>
-              <a:rPr lang="en-US" i="1" dirty="0" smtClean="0">
-                <a:latin typeface="Times New Roman" panose="02020603050405020304" pitchFamily="18" charset="0"/>
-                <a:cs typeface="Times New Roman" panose="02020603050405020304" pitchFamily="18" charset="0"/>
-              </a:rPr>
-              <a:t>How to Access the IGV:</a:t>
-            </a:r>
-          </a:p>
-          <a:p>
-            <a:pPr marL="1200150" lvl="2" indent="-285750">
-              <a:buFont typeface="Arial" panose="020B0604020202020204" pitchFamily="34" charset="0"/>
-              <a:buChar char="•"/>
-            </a:pPr>
-            <a:r>
-              <a:rPr lang="en-US" i="1" dirty="0" smtClean="0">
-                <a:latin typeface="Times New Roman" panose="02020603050405020304" pitchFamily="18" charset="0"/>
-                <a:cs typeface="Times New Roman" panose="02020603050405020304" pitchFamily="18" charset="0"/>
-              </a:rPr>
-              <a:t>Local installation of IGV.</a:t>
-            </a:r>
-          </a:p>
-          <a:p>
-            <a:pPr marL="1200150" lvl="2" indent="-285750">
-              <a:buFont typeface="Arial" panose="020B0604020202020204" pitchFamily="34" charset="0"/>
-              <a:buChar char="•"/>
-            </a:pPr>
-            <a:r>
-              <a:rPr lang="en-US" i="1" dirty="0" smtClean="0">
-                <a:latin typeface="Times New Roman" panose="02020603050405020304" pitchFamily="18" charset="0"/>
-                <a:cs typeface="Times New Roman" panose="02020603050405020304" pitchFamily="18" charset="0"/>
-              </a:rPr>
-              <a:t>Accessing IGV using the BioHPC and training accounts (associated with this </a:t>
-            </a:r>
-            <a:r>
-              <a:rPr lang="en-US" i="1" dirty="0" err="1" smtClean="0">
-                <a:latin typeface="Times New Roman" panose="02020603050405020304" pitchFamily="18" charset="0"/>
-                <a:cs typeface="Times New Roman" panose="02020603050405020304" pitchFamily="18" charset="0"/>
-              </a:rPr>
-              <a:t>nanocourse</a:t>
-            </a:r>
-            <a:r>
-              <a:rPr lang="en-US" i="1" dirty="0" smtClean="0">
-                <a:latin typeface="Times New Roman" panose="02020603050405020304" pitchFamily="18" charset="0"/>
-                <a:cs typeface="Times New Roman" panose="02020603050405020304" pitchFamily="18" charset="0"/>
-              </a:rPr>
-              <a:t>). </a:t>
-            </a:r>
-          </a:p>
-          <a:p>
-            <a:pPr marL="742950" lvl="1" indent="-285750">
-              <a:buFont typeface="Arial" panose="020B0604020202020204" pitchFamily="34" charset="0"/>
-              <a:buChar char="•"/>
-            </a:pPr>
-            <a:r>
-              <a:rPr lang="en-US" i="1" dirty="0" smtClean="0">
-                <a:latin typeface="Times New Roman" panose="02020603050405020304" pitchFamily="18" charset="0"/>
-                <a:cs typeface="Times New Roman" panose="02020603050405020304" pitchFamily="18" charset="0"/>
-              </a:rPr>
-              <a:t>How to analyze human and other kinds of sequencing data to determine where variants are. </a:t>
-            </a:r>
-          </a:p>
-          <a:p>
-            <a:pPr marL="285750" indent="-285750">
-              <a:buFont typeface="Arial" panose="020B0604020202020204" pitchFamily="34" charset="0"/>
-              <a:buChar char="•"/>
-            </a:pPr>
-            <a:endParaRPr lang="en-US" i="1" dirty="0">
-              <a:latin typeface="Times New Roman" panose="02020603050405020304" pitchFamily="18" charset="0"/>
-              <a:cs typeface="Times New Roman" panose="02020603050405020304" pitchFamily="18" charset="0"/>
-            </a:endParaRPr>
-          </a:p>
-          <a:p>
-            <a:pPr marL="285750" indent="-285750">
-              <a:buFont typeface="Arial" panose="020B0604020202020204" pitchFamily="34" charset="0"/>
-              <a:buChar char="•"/>
-            </a:pPr>
-            <a:r>
-              <a:rPr lang="en-US" i="1" dirty="0" smtClean="0">
-                <a:latin typeface="Times New Roman" panose="02020603050405020304" pitchFamily="18" charset="0"/>
-                <a:cs typeface="Times New Roman" panose="02020603050405020304" pitchFamily="18" charset="0"/>
-              </a:rPr>
-              <a:t>How to Analyze RNA Sequencing Data using the Hisat2 Alignment tool. </a:t>
-            </a:r>
-          </a:p>
-          <a:p>
-            <a:pPr marL="742950" lvl="1" indent="-285750">
-              <a:buFont typeface="Arial" panose="020B0604020202020204" pitchFamily="34" charset="0"/>
-              <a:buChar char="•"/>
-            </a:pPr>
-            <a:endParaRPr lang="en-US" i="1" dirty="0" smtClean="0">
-              <a:latin typeface="Times New Roman" panose="02020603050405020304" pitchFamily="18" charset="0"/>
-              <a:cs typeface="Times New Roman" panose="02020603050405020304" pitchFamily="18" charset="0"/>
-            </a:endParaRPr>
-          </a:p>
-          <a:p>
-            <a:pPr marL="285750" indent="-285750">
-              <a:buFont typeface="Arial" panose="020B0604020202020204" pitchFamily="34" charset="0"/>
-              <a:buChar char="•"/>
-            </a:pPr>
-            <a:endParaRPr lang="en-US" i="1" dirty="0" smtClean="0">
-              <a:latin typeface="Times New Roman" panose="02020603050405020304" pitchFamily="18" charset="0"/>
-              <a:cs typeface="Times New Roman" panose="02020603050405020304" pitchFamily="18" charset="0"/>
-            </a:endParaRPr>
-          </a:p>
-          <a:p>
-            <a:pPr marL="742950" lvl="1" indent="-285750">
-              <a:buFont typeface="Arial" panose="020B0604020202020204" pitchFamily="34" charset="0"/>
-              <a:buChar char="•"/>
-            </a:pPr>
-            <a:endParaRPr lang="en-US" i="1" dirty="0" smtClean="0">
-              <a:latin typeface="Times New Roman" panose="02020603050405020304" pitchFamily="18" charset="0"/>
-              <a:cs typeface="Times New Roman" panose="02020603050405020304" pitchFamily="18" charset="0"/>
-            </a:endParaRPr>
-          </a:p>
-          <a:p>
-            <a:pPr marL="285750" indent="-285750">
-              <a:buFont typeface="Arial" panose="020B0604020202020204" pitchFamily="34" charset="0"/>
-              <a:buChar char="•"/>
-            </a:pPr>
-            <a:endParaRPr lang="en-US" dirty="0">
-              <a:latin typeface="Times New Roman" panose="02020603050405020304" pitchFamily="18" charset="0"/>
-              <a:cs typeface="Times New Roman" panose="02020603050405020304" pitchFamily="18" charset="0"/>
-            </a:endParaRPr>
+              <a:t>Loading a Sequence Alignment Map File (aligned sequencing reads file)</a:t>
+            </a:r>
           </a:p>
         </p:txBody>
       </p:sp>
     </p:spTree>
     <p:extLst>
       <p:ext uri="{BB962C8B-B14F-4D97-AF65-F5344CB8AC3E}">
-        <p14:creationId xmlns:p14="http://schemas.microsoft.com/office/powerpoint/2010/main" val="3363488225"/>
+        <p14:creationId xmlns:p14="http://schemas.microsoft.com/office/powerpoint/2010/main" val="2376085065"/>
       </p:ext>
     </p:extLst>
   </p:cSld>
@@ -3943,7 +3758,7 @@
 </p:sld>
 </file>
 
-<file path=ppt/slides/slide4.xml><?xml version="1.0" encoding="utf-8"?>
+<file path=ppt/slides/slide11.xml><?xml version="1.0" encoding="utf-8"?>
 <p:sld xmlns:a="http://schemas.openxmlformats.org/drawingml/2006/main" xmlns:r="http://schemas.openxmlformats.org/officeDocument/2006/relationships" xmlns:p="http://schemas.openxmlformats.org/presentationml/2006/main">
   <p:cSld>
     <p:spTree>
@@ -3960,8 +3775,8 @@
           <a:chExt cx="0" cy="0"/>
         </a:xfrm>
       </p:grpSpPr>
-      <mc:AlternateContent xmlns:mc="http://schemas.openxmlformats.org/markup-compatibility/2006">
-        <mc:Choice xmlns:a14="http://schemas.microsoft.com/office/drawing/2010/main" Requires="a14">
+      <mc:AlternateContent xmlns:mc="http://schemas.openxmlformats.org/markup-compatibility/2006" xmlns:a14="http://schemas.microsoft.com/office/drawing/2010/main">
+        <mc:Choice Requires="a14">
           <p:sp>
             <p:nvSpPr>
               <p:cNvPr id="2" name="Title 1">
@@ -4009,7 +3824,743 @@
               <a:p>
                 <a:pPr algn="ctr"/>
                 <a:r>
-                  <a:rPr lang="en-US" dirty="0" smtClean="0">
+                  <a:rPr lang="en-US" dirty="0">
+                    <a:latin typeface="Times New Roman" panose="02020603050405020304" pitchFamily="18" charset="0"/>
+                    <a:cs typeface="Times New Roman" panose="02020603050405020304" pitchFamily="18" charset="0"/>
+                  </a:rPr>
+                  <a:t>Part 2: NGS RNA-</a:t>
+                </a:r>
+                <a:r>
+                  <a:rPr lang="en-US" dirty="0" err="1">
+                    <a:latin typeface="Times New Roman" panose="02020603050405020304" pitchFamily="18" charset="0"/>
+                    <a:cs typeface="Times New Roman" panose="02020603050405020304" pitchFamily="18" charset="0"/>
+                  </a:rPr>
+                  <a:t>Seq</a:t>
+                </a:r>
+                <a:r>
+                  <a:rPr lang="en-US" dirty="0">
+                    <a:latin typeface="Times New Roman" panose="02020603050405020304" pitchFamily="18" charset="0"/>
+                    <a:cs typeface="Times New Roman" panose="02020603050405020304" pitchFamily="18" charset="0"/>
+                  </a:rPr>
+                  <a:t> Data Alignment using Hisat2</a:t>
+                </a:r>
+              </a:p>
+              <a:p>
+                <a:pPr algn="ctr"/>
+                <a:r>
+                  <a:rPr lang="en-US" sz="2400" i="1" dirty="0">
+                    <a:latin typeface="Times New Roman" panose="02020603050405020304" pitchFamily="18" charset="0"/>
+                    <a:cs typeface="Times New Roman" panose="02020603050405020304" pitchFamily="18" charset="0"/>
+                  </a:rPr>
+                  <a:t>Usage, Examples, and Exercises</a:t>
+                </a:r>
+              </a:p>
+              <a:p>
+                <a:pPr algn="ctr"/>
+                <a14:m>
+                  <m:oMath xmlns:m="http://schemas.openxmlformats.org/officeDocument/2006/math">
+                    <m:r>
+                      <a:rPr lang="en-US" sz="1800" b="1" i="1" smtClean="0">
+                        <a:latin typeface="Cambria Math" panose="02040503050406030204" pitchFamily="18" charset="0"/>
+                        <a:cs typeface="Times New Roman" panose="02020603050405020304" pitchFamily="18" charset="0"/>
+                      </a:rPr>
+                      <m:t>(≈</m:t>
+                    </m:r>
+                    <m:r>
+                      <a:rPr lang="en-US" sz="1800" b="1" i="1" smtClean="0">
+                        <a:latin typeface="Cambria Math" panose="02040503050406030204" pitchFamily="18" charset="0"/>
+                        <a:cs typeface="Times New Roman" panose="02020603050405020304" pitchFamily="18" charset="0"/>
+                      </a:rPr>
+                      <m:t>𝟏</m:t>
+                    </m:r>
+                  </m:oMath>
+                </a14:m>
+                <a:r>
+                  <a:rPr lang="en-US" sz="1800" i="1" dirty="0">
+                    <a:latin typeface="Times New Roman" panose="02020603050405020304" pitchFamily="18" charset="0"/>
+                    <a:cs typeface="Times New Roman" panose="02020603050405020304" pitchFamily="18" charset="0"/>
+                  </a:rPr>
+                  <a:t> hours</a:t>
+                </a:r>
+                <a14:m>
+                  <m:oMath xmlns:m="http://schemas.openxmlformats.org/officeDocument/2006/math">
+                    <m:r>
+                      <a:rPr lang="en-US" sz="1800" b="1" i="1" smtClean="0">
+                        <a:latin typeface="Cambria Math" panose="02040503050406030204" pitchFamily="18" charset="0"/>
+                        <a:cs typeface="Times New Roman" panose="02020603050405020304" pitchFamily="18" charset="0"/>
+                      </a:rPr>
+                      <m:t>)</m:t>
+                    </m:r>
+                  </m:oMath>
+                </a14:m>
+                <a:endParaRPr lang="en-US" sz="1800" i="1" dirty="0">
+                  <a:latin typeface="Times New Roman" panose="02020603050405020304" pitchFamily="18" charset="0"/>
+                  <a:cs typeface="Times New Roman" panose="02020603050405020304" pitchFamily="18" charset="0"/>
+                </a:endParaRPr>
+              </a:p>
+            </p:txBody>
+          </p:sp>
+        </mc:Choice>
+        <mc:Fallback xmlns="">
+          <p:sp>
+            <p:nvSpPr>
+              <p:cNvPr id="2" name="Title 1">
+                <a:extLst>
+                  <a:ext uri="{FF2B5EF4-FFF2-40B4-BE49-F238E27FC236}">
+                    <a16:creationId xmlns:a16="http://schemas.microsoft.com/office/drawing/2014/main" id="{636FB483-8A01-854E-9BBE-55E0C355A79B}"/>
+                  </a:ext>
+                </a:extLst>
+              </p:cNvPr>
+              <p:cNvSpPr txBox="1">
+                <a:spLocks noRot="1" noChangeAspect="1" noMove="1" noResize="1" noEditPoints="1" noAdjustHandles="1" noChangeArrowheads="1" noChangeShapeType="1" noTextEdit="1"/>
+              </p:cNvSpPr>
+              <p:nvPr/>
+            </p:nvSpPr>
+            <p:spPr>
+              <a:xfrm>
+                <a:off x="1029730" y="2929464"/>
+                <a:ext cx="10363200" cy="1189456"/>
+              </a:xfrm>
+              <a:prstGeom prst="rect">
+                <a:avLst/>
+              </a:prstGeom>
+              <a:blipFill>
+                <a:blip r:embed="rId2"/>
+                <a:stretch>
+                  <a:fillRect t="-9231"/>
+                </a:stretch>
+              </a:blipFill>
+            </p:spPr>
+            <p:txBody>
+              <a:bodyPr/>
+              <a:lstStyle/>
+              <a:p>
+                <a:r>
+                  <a:rPr lang="en-US">
+                    <a:noFill/>
+                  </a:rPr>
+                  <a:t> </a:t>
+                </a:r>
+              </a:p>
+            </p:txBody>
+          </p:sp>
+        </mc:Fallback>
+      </mc:AlternateContent>
+    </p:spTree>
+    <p:extLst>
+      <p:ext uri="{BB962C8B-B14F-4D97-AF65-F5344CB8AC3E}">
+        <p14:creationId xmlns:p14="http://schemas.microsoft.com/office/powerpoint/2010/main" val="831485370"/>
+      </p:ext>
+    </p:extLst>
+  </p:cSld>
+  <p:clrMapOvr>
+    <a:masterClrMapping/>
+  </p:clrMapOvr>
+</p:sld>
+</file>
+
+<file path=ppt/slides/slide12.xml><?xml version="1.0" encoding="utf-8"?>
+<p:sld xmlns:a="http://schemas.openxmlformats.org/drawingml/2006/main" xmlns:r="http://schemas.openxmlformats.org/officeDocument/2006/relationships" xmlns:p="http://schemas.openxmlformats.org/presentationml/2006/main">
+  <p:cSld>
+    <p:spTree>
+      <p:nvGrpSpPr>
+        <p:cNvPr id="1" name=""/>
+        <p:cNvGrpSpPr/>
+        <p:nvPr/>
+      </p:nvGrpSpPr>
+      <p:grpSpPr>
+        <a:xfrm>
+          <a:off x="0" y="0"/>
+          <a:ext cx="0" cy="0"/>
+          <a:chOff x="0" y="0"/>
+          <a:chExt cx="0" cy="0"/>
+        </a:xfrm>
+      </p:grpSpPr>
+      <p:sp>
+        <p:nvSpPr>
+          <p:cNvPr id="2" name="Title 1">
+            <a:extLst>
+              <a:ext uri="{FF2B5EF4-FFF2-40B4-BE49-F238E27FC236}">
+                <a16:creationId xmlns:a16="http://schemas.microsoft.com/office/drawing/2014/main" id="{636FB483-8A01-854E-9BBE-55E0C355A79B}"/>
+              </a:ext>
+            </a:extLst>
+          </p:cNvPr>
+          <p:cNvSpPr txBox="1">
+            <a:spLocks/>
+          </p:cNvSpPr>
+          <p:nvPr/>
+        </p:nvSpPr>
+        <p:spPr>
+          <a:xfrm>
+            <a:off x="292557" y="283221"/>
+            <a:ext cx="10017369" cy="656493"/>
+          </a:xfrm>
+          <a:prstGeom prst="rect">
+            <a:avLst/>
+          </a:prstGeom>
+        </p:spPr>
+        <p:txBody>
+          <a:bodyPr/>
+          <a:lstStyle>
+            <a:lvl1pPr algn="l" defTabSz="914400" rtl="0" eaLnBrk="1" latinLnBrk="0" hangingPunct="1">
+              <a:lnSpc>
+                <a:spcPct val="90000"/>
+              </a:lnSpc>
+              <a:spcBef>
+                <a:spcPct val="0"/>
+              </a:spcBef>
+              <a:buNone/>
+              <a:defRPr sz="2800" b="1" kern="1200">
+                <a:solidFill>
+                  <a:schemeClr val="tx1"/>
+                </a:solidFill>
+                <a:latin typeface="Helvetica" pitchFamily="2" charset="0"/>
+                <a:ea typeface="+mj-ea"/>
+                <a:cs typeface="+mj-cs"/>
+              </a:defRPr>
+            </a:lvl1pPr>
+          </a:lstStyle>
+          <a:p>
+            <a:r>
+              <a:rPr lang="en-US" dirty="0">
+                <a:latin typeface="Times New Roman" panose="02020603050405020304" pitchFamily="18" charset="0"/>
+                <a:cs typeface="Times New Roman" panose="02020603050405020304" pitchFamily="18" charset="0"/>
+              </a:rPr>
+              <a:t>References for Further Information and Practice </a:t>
+            </a:r>
+          </a:p>
+        </p:txBody>
+      </p:sp>
+    </p:spTree>
+    <p:extLst>
+      <p:ext uri="{BB962C8B-B14F-4D97-AF65-F5344CB8AC3E}">
+        <p14:creationId xmlns:p14="http://schemas.microsoft.com/office/powerpoint/2010/main" val="3930027404"/>
+      </p:ext>
+    </p:extLst>
+  </p:cSld>
+  <p:clrMapOvr>
+    <a:masterClrMapping/>
+  </p:clrMapOvr>
+</p:sld>
+</file>
+
+<file path=ppt/slides/slide13.xml><?xml version="1.0" encoding="utf-8"?>
+<p:sld xmlns:a="http://schemas.openxmlformats.org/drawingml/2006/main" xmlns:r="http://schemas.openxmlformats.org/officeDocument/2006/relationships" xmlns:p="http://schemas.openxmlformats.org/presentationml/2006/main">
+  <p:cSld>
+    <p:spTree>
+      <p:nvGrpSpPr>
+        <p:cNvPr id="1" name=""/>
+        <p:cNvGrpSpPr/>
+        <p:nvPr/>
+      </p:nvGrpSpPr>
+      <p:grpSpPr>
+        <a:xfrm>
+          <a:off x="0" y="0"/>
+          <a:ext cx="0" cy="0"/>
+          <a:chOff x="0" y="0"/>
+          <a:chExt cx="0" cy="0"/>
+        </a:xfrm>
+      </p:grpSpPr>
+      <p:sp>
+        <p:nvSpPr>
+          <p:cNvPr id="2" name="Title 1">
+            <a:extLst>
+              <a:ext uri="{FF2B5EF4-FFF2-40B4-BE49-F238E27FC236}">
+                <a16:creationId xmlns:a16="http://schemas.microsoft.com/office/drawing/2014/main" id="{636FB483-8A01-854E-9BBE-55E0C355A79B}"/>
+              </a:ext>
+            </a:extLst>
+          </p:cNvPr>
+          <p:cNvSpPr txBox="1">
+            <a:spLocks/>
+          </p:cNvSpPr>
+          <p:nvPr/>
+        </p:nvSpPr>
+        <p:spPr>
+          <a:xfrm>
+            <a:off x="1692481" y="2743200"/>
+            <a:ext cx="8487300" cy="1254266"/>
+          </a:xfrm>
+          <a:prstGeom prst="rect">
+            <a:avLst/>
+          </a:prstGeom>
+        </p:spPr>
+        <p:txBody>
+          <a:bodyPr/>
+          <a:lstStyle>
+            <a:lvl1pPr algn="l" defTabSz="914400" rtl="0" eaLnBrk="1" latinLnBrk="0" hangingPunct="1">
+              <a:lnSpc>
+                <a:spcPct val="90000"/>
+              </a:lnSpc>
+              <a:spcBef>
+                <a:spcPct val="0"/>
+              </a:spcBef>
+              <a:buNone/>
+              <a:defRPr sz="2800" b="1" kern="1200">
+                <a:solidFill>
+                  <a:schemeClr val="tx1"/>
+                </a:solidFill>
+                <a:latin typeface="Helvetica" pitchFamily="2" charset="0"/>
+                <a:ea typeface="+mj-ea"/>
+                <a:cs typeface="+mj-cs"/>
+              </a:defRPr>
+            </a:lvl1pPr>
+          </a:lstStyle>
+          <a:p>
+            <a:pPr algn="ctr"/>
+            <a:r>
+              <a:rPr lang="en-US" dirty="0">
+                <a:latin typeface="Times New Roman" panose="02020603050405020304" pitchFamily="18" charset="0"/>
+                <a:cs typeface="Times New Roman" panose="02020603050405020304" pitchFamily="18" charset="0"/>
+              </a:rPr>
+              <a:t>Thank you for your attention &amp; Interest!</a:t>
+            </a:r>
+          </a:p>
+          <a:p>
+            <a:pPr algn="ctr"/>
+            <a:r>
+              <a:rPr lang="en-US" dirty="0">
+                <a:latin typeface="Times New Roman" panose="02020603050405020304" pitchFamily="18" charset="0"/>
+                <a:cs typeface="Times New Roman" panose="02020603050405020304" pitchFamily="18" charset="0"/>
+              </a:rPr>
+              <a:t>Please </a:t>
+            </a:r>
+            <a:r>
+              <a:rPr lang="en-US" u="sng" dirty="0">
+                <a:latin typeface="Times New Roman" panose="02020603050405020304" pitchFamily="18" charset="0"/>
+                <a:cs typeface="Times New Roman" panose="02020603050405020304" pitchFamily="18" charset="0"/>
+              </a:rPr>
+              <a:t>do not</a:t>
+            </a:r>
+            <a:r>
+              <a:rPr lang="en-US" dirty="0">
+                <a:latin typeface="Times New Roman" panose="02020603050405020304" pitchFamily="18" charset="0"/>
+                <a:cs typeface="Times New Roman" panose="02020603050405020304" pitchFamily="18" charset="0"/>
+              </a:rPr>
+              <a:t> forget to complete the course survey! </a:t>
+            </a:r>
+            <a:r>
+              <a:rPr lang="en-US" dirty="0">
+                <a:latin typeface="Times New Roman" panose="02020603050405020304" pitchFamily="18" charset="0"/>
+                <a:cs typeface="Times New Roman" panose="02020603050405020304" pitchFamily="18" charset="0"/>
+                <a:sym typeface="Wingdings" panose="05000000000000000000" pitchFamily="2" charset="2"/>
+              </a:rPr>
+              <a:t>.</a:t>
+            </a:r>
+            <a:endParaRPr lang="en-US" u="sng" dirty="0">
+              <a:latin typeface="Times New Roman" panose="02020603050405020304" pitchFamily="18" charset="0"/>
+              <a:cs typeface="Times New Roman" panose="02020603050405020304" pitchFamily="18" charset="0"/>
+            </a:endParaRPr>
+          </a:p>
+        </p:txBody>
+      </p:sp>
+    </p:spTree>
+    <p:extLst>
+      <p:ext uri="{BB962C8B-B14F-4D97-AF65-F5344CB8AC3E}">
+        <p14:creationId xmlns:p14="http://schemas.microsoft.com/office/powerpoint/2010/main" val="541936775"/>
+      </p:ext>
+    </p:extLst>
+  </p:cSld>
+  <p:clrMapOvr>
+    <a:masterClrMapping/>
+  </p:clrMapOvr>
+</p:sld>
+</file>
+
+<file path=ppt/slides/slide2.xml><?xml version="1.0" encoding="utf-8"?>
+<p:sld xmlns:a="http://schemas.openxmlformats.org/drawingml/2006/main" xmlns:r="http://schemas.openxmlformats.org/officeDocument/2006/relationships" xmlns:p="http://schemas.openxmlformats.org/presentationml/2006/main">
+  <p:cSld>
+    <p:spTree>
+      <p:nvGrpSpPr>
+        <p:cNvPr id="1" name=""/>
+        <p:cNvGrpSpPr/>
+        <p:nvPr/>
+      </p:nvGrpSpPr>
+      <p:grpSpPr>
+        <a:xfrm>
+          <a:off x="0" y="0"/>
+          <a:ext cx="0" cy="0"/>
+          <a:chOff x="0" y="0"/>
+          <a:chExt cx="0" cy="0"/>
+        </a:xfrm>
+      </p:grpSpPr>
+      <p:sp>
+        <p:nvSpPr>
+          <p:cNvPr id="2" name="Title 1">
+            <a:extLst>
+              <a:ext uri="{FF2B5EF4-FFF2-40B4-BE49-F238E27FC236}">
+                <a16:creationId xmlns:a16="http://schemas.microsoft.com/office/drawing/2014/main" id="{1B340445-FD60-F345-B8BC-C6D68C6D6867}"/>
+              </a:ext>
+            </a:extLst>
+          </p:cNvPr>
+          <p:cNvSpPr>
+            <a:spLocks noGrp="1"/>
+          </p:cNvSpPr>
+          <p:nvPr>
+            <p:ph type="title"/>
+          </p:nvPr>
+        </p:nvSpPr>
+        <p:spPr>
+          <a:xfrm>
+            <a:off x="1231900" y="1643268"/>
+            <a:ext cx="10671484" cy="872805"/>
+          </a:xfrm>
+        </p:spPr>
+        <p:txBody>
+          <a:bodyPr>
+            <a:normAutofit/>
+          </a:bodyPr>
+          <a:lstStyle/>
+          <a:p>
+            <a:r>
+              <a:rPr lang="en-US" dirty="0"/>
+              <a:t>Day 2: Section IV (Using IGV, and Genotype Information to Assess Phenotype in Human Genomic Data)</a:t>
+            </a:r>
+          </a:p>
+        </p:txBody>
+      </p:sp>
+    </p:spTree>
+    <p:extLst>
+      <p:ext uri="{BB962C8B-B14F-4D97-AF65-F5344CB8AC3E}">
+        <p14:creationId xmlns:p14="http://schemas.microsoft.com/office/powerpoint/2010/main" val="496125496"/>
+      </p:ext>
+    </p:extLst>
+  </p:cSld>
+  <p:clrMapOvr>
+    <a:masterClrMapping/>
+  </p:clrMapOvr>
+</p:sld>
+</file>
+
+<file path=ppt/slides/slide3.xml><?xml version="1.0" encoding="utf-8"?>
+<p:sld xmlns:a="http://schemas.openxmlformats.org/drawingml/2006/main" xmlns:r="http://schemas.openxmlformats.org/officeDocument/2006/relationships" xmlns:p="http://schemas.openxmlformats.org/presentationml/2006/main">
+  <p:cSld>
+    <p:spTree>
+      <p:nvGrpSpPr>
+        <p:cNvPr id="1" name=""/>
+        <p:cNvGrpSpPr/>
+        <p:nvPr/>
+      </p:nvGrpSpPr>
+      <p:grpSpPr>
+        <a:xfrm>
+          <a:off x="0" y="0"/>
+          <a:ext cx="0" cy="0"/>
+          <a:chOff x="0" y="0"/>
+          <a:chExt cx="0" cy="0"/>
+        </a:xfrm>
+      </p:grpSpPr>
+      <p:sp>
+        <p:nvSpPr>
+          <p:cNvPr id="2" name="Title 1">
+            <a:extLst>
+              <a:ext uri="{FF2B5EF4-FFF2-40B4-BE49-F238E27FC236}">
+                <a16:creationId xmlns:a16="http://schemas.microsoft.com/office/drawing/2014/main" id="{636FB483-8A01-854E-9BBE-55E0C355A79B}"/>
+              </a:ext>
+            </a:extLst>
+          </p:cNvPr>
+          <p:cNvSpPr txBox="1">
+            <a:spLocks/>
+          </p:cNvSpPr>
+          <p:nvPr/>
+        </p:nvSpPr>
+        <p:spPr>
+          <a:xfrm>
+            <a:off x="292557" y="202301"/>
+            <a:ext cx="10017369" cy="656493"/>
+          </a:xfrm>
+          <a:prstGeom prst="rect">
+            <a:avLst/>
+          </a:prstGeom>
+        </p:spPr>
+        <p:txBody>
+          <a:bodyPr/>
+          <a:lstStyle>
+            <a:lvl1pPr algn="l" defTabSz="914400" rtl="0" eaLnBrk="1" latinLnBrk="0" hangingPunct="1">
+              <a:lnSpc>
+                <a:spcPct val="90000"/>
+              </a:lnSpc>
+              <a:spcBef>
+                <a:spcPct val="0"/>
+              </a:spcBef>
+              <a:buNone/>
+              <a:defRPr sz="2800" b="1" kern="1200">
+                <a:solidFill>
+                  <a:schemeClr val="tx1"/>
+                </a:solidFill>
+                <a:latin typeface="Helvetica" pitchFamily="2" charset="0"/>
+                <a:ea typeface="+mj-ea"/>
+                <a:cs typeface="+mj-cs"/>
+              </a:defRPr>
+            </a:lvl1pPr>
+          </a:lstStyle>
+          <a:p>
+            <a:r>
+              <a:rPr lang="en-US" dirty="0">
+                <a:latin typeface="Times New Roman" panose="02020603050405020304" pitchFamily="18" charset="0"/>
+                <a:cs typeface="Times New Roman" panose="02020603050405020304" pitchFamily="18" charset="0"/>
+              </a:rPr>
+              <a:t>What you will learn in this Section (2 Parts)</a:t>
+            </a:r>
+          </a:p>
+        </p:txBody>
+      </p:sp>
+      <p:sp>
+        <p:nvSpPr>
+          <p:cNvPr id="3" name="TextBox 2"/>
+          <p:cNvSpPr txBox="1"/>
+          <p:nvPr/>
+        </p:nvSpPr>
+        <p:spPr>
+          <a:xfrm>
+            <a:off x="292557" y="1100518"/>
+            <a:ext cx="11578459" cy="3416320"/>
+          </a:xfrm>
+          <a:prstGeom prst="rect">
+            <a:avLst/>
+          </a:prstGeom>
+          <a:noFill/>
+        </p:spPr>
+        <p:txBody>
+          <a:bodyPr wrap="square" rtlCol="0">
+            <a:spAutoFit/>
+          </a:bodyPr>
+          <a:lstStyle/>
+          <a:p>
+            <a:pPr marL="285750" indent="-285750">
+              <a:buFont typeface="Arial" panose="020B0604020202020204" pitchFamily="34" charset="0"/>
+              <a:buChar char="•"/>
+            </a:pPr>
+            <a:r>
+              <a:rPr lang="en-US" i="1" dirty="0">
+                <a:latin typeface="Times New Roman" panose="02020603050405020304" pitchFamily="18" charset="0"/>
+                <a:cs typeface="Times New Roman" panose="02020603050405020304" pitchFamily="18" charset="0"/>
+              </a:rPr>
+              <a:t>What is the Integrative Genomics Viewer (IGV)?</a:t>
+            </a:r>
+          </a:p>
+          <a:p>
+            <a:pPr marL="742950" lvl="1" indent="-285750">
+              <a:buFont typeface="Arial" panose="020B0604020202020204" pitchFamily="34" charset="0"/>
+              <a:buChar char="•"/>
+            </a:pPr>
+            <a:r>
+              <a:rPr lang="en-US" i="1" dirty="0">
+                <a:latin typeface="Times New Roman" panose="02020603050405020304" pitchFamily="18" charset="0"/>
+                <a:cs typeface="Times New Roman" panose="02020603050405020304" pitchFamily="18" charset="0"/>
+              </a:rPr>
+              <a:t>History &amp; Background Information.</a:t>
+            </a:r>
+          </a:p>
+          <a:p>
+            <a:pPr marL="742950" lvl="1" indent="-285750">
+              <a:buFont typeface="Arial" panose="020B0604020202020204" pitchFamily="34" charset="0"/>
+              <a:buChar char="•"/>
+            </a:pPr>
+            <a:r>
+              <a:rPr lang="en-US" i="1" dirty="0">
+                <a:latin typeface="Times New Roman" panose="02020603050405020304" pitchFamily="18" charset="0"/>
+                <a:cs typeface="Times New Roman" panose="02020603050405020304" pitchFamily="18" charset="0"/>
+              </a:rPr>
+              <a:t>How to Access the IGV:</a:t>
+            </a:r>
+          </a:p>
+          <a:p>
+            <a:pPr marL="1200150" lvl="2" indent="-285750">
+              <a:buFont typeface="Arial" panose="020B0604020202020204" pitchFamily="34" charset="0"/>
+              <a:buChar char="•"/>
+            </a:pPr>
+            <a:r>
+              <a:rPr lang="en-US" i="1" dirty="0">
+                <a:latin typeface="Times New Roman" panose="02020603050405020304" pitchFamily="18" charset="0"/>
+                <a:cs typeface="Times New Roman" panose="02020603050405020304" pitchFamily="18" charset="0"/>
+              </a:rPr>
+              <a:t>Local installation of IGV.</a:t>
+            </a:r>
+          </a:p>
+          <a:p>
+            <a:pPr marL="1200150" lvl="2" indent="-285750">
+              <a:buFont typeface="Arial" panose="020B0604020202020204" pitchFamily="34" charset="0"/>
+              <a:buChar char="•"/>
+            </a:pPr>
+            <a:r>
+              <a:rPr lang="en-US" i="1" dirty="0">
+                <a:latin typeface="Times New Roman" panose="02020603050405020304" pitchFamily="18" charset="0"/>
+                <a:cs typeface="Times New Roman" panose="02020603050405020304" pitchFamily="18" charset="0"/>
+              </a:rPr>
+              <a:t>Accessing IGV using the BioHPC and training accounts (associated with this </a:t>
+            </a:r>
+            <a:r>
+              <a:rPr lang="en-US" i="1" dirty="0" err="1">
+                <a:latin typeface="Times New Roman" panose="02020603050405020304" pitchFamily="18" charset="0"/>
+                <a:cs typeface="Times New Roman" panose="02020603050405020304" pitchFamily="18" charset="0"/>
+              </a:rPr>
+              <a:t>nanocourse</a:t>
+            </a:r>
+            <a:r>
+              <a:rPr lang="en-US" i="1" dirty="0">
+                <a:latin typeface="Times New Roman" panose="02020603050405020304" pitchFamily="18" charset="0"/>
+                <a:cs typeface="Times New Roman" panose="02020603050405020304" pitchFamily="18" charset="0"/>
+              </a:rPr>
+              <a:t>). </a:t>
+            </a:r>
+          </a:p>
+          <a:p>
+            <a:pPr marL="742950" lvl="1" indent="-285750">
+              <a:buFont typeface="Arial" panose="020B0604020202020204" pitchFamily="34" charset="0"/>
+              <a:buChar char="•"/>
+            </a:pPr>
+            <a:r>
+              <a:rPr lang="en-US" i="1" dirty="0">
+                <a:latin typeface="Times New Roman" panose="02020603050405020304" pitchFamily="18" charset="0"/>
+                <a:cs typeface="Times New Roman" panose="02020603050405020304" pitchFamily="18" charset="0"/>
+              </a:rPr>
+              <a:t>How to analyze human and other kinds of sequencing data to determine where variants are. </a:t>
+            </a:r>
+          </a:p>
+          <a:p>
+            <a:pPr marL="285750" indent="-285750">
+              <a:buFont typeface="Arial" panose="020B0604020202020204" pitchFamily="34" charset="0"/>
+              <a:buChar char="•"/>
+            </a:pPr>
+            <a:endParaRPr lang="en-US" i="1" dirty="0">
+              <a:latin typeface="Times New Roman" panose="02020603050405020304" pitchFamily="18" charset="0"/>
+              <a:cs typeface="Times New Roman" panose="02020603050405020304" pitchFamily="18" charset="0"/>
+            </a:endParaRPr>
+          </a:p>
+          <a:p>
+            <a:pPr marL="285750" indent="-285750">
+              <a:buFont typeface="Arial" panose="020B0604020202020204" pitchFamily="34" charset="0"/>
+              <a:buChar char="•"/>
+            </a:pPr>
+            <a:r>
+              <a:rPr lang="en-US" i="1" dirty="0">
+                <a:latin typeface="Times New Roman" panose="02020603050405020304" pitchFamily="18" charset="0"/>
+                <a:cs typeface="Times New Roman" panose="02020603050405020304" pitchFamily="18" charset="0"/>
+              </a:rPr>
+              <a:t>How to Analyze RNA Sequencing Data using the Hisat2 Alignment tool. </a:t>
+            </a:r>
+          </a:p>
+          <a:p>
+            <a:pPr marL="742950" lvl="1" indent="-285750">
+              <a:buFont typeface="Arial" panose="020B0604020202020204" pitchFamily="34" charset="0"/>
+              <a:buChar char="•"/>
+            </a:pPr>
+            <a:endParaRPr lang="en-US" i="1" dirty="0">
+              <a:latin typeface="Times New Roman" panose="02020603050405020304" pitchFamily="18" charset="0"/>
+              <a:cs typeface="Times New Roman" panose="02020603050405020304" pitchFamily="18" charset="0"/>
+            </a:endParaRPr>
+          </a:p>
+          <a:p>
+            <a:pPr marL="285750" indent="-285750">
+              <a:buFont typeface="Arial" panose="020B0604020202020204" pitchFamily="34" charset="0"/>
+              <a:buChar char="•"/>
+            </a:pPr>
+            <a:endParaRPr lang="en-US" i="1" dirty="0">
+              <a:latin typeface="Times New Roman" panose="02020603050405020304" pitchFamily="18" charset="0"/>
+              <a:cs typeface="Times New Roman" panose="02020603050405020304" pitchFamily="18" charset="0"/>
+            </a:endParaRPr>
+          </a:p>
+          <a:p>
+            <a:pPr marL="742950" lvl="1" indent="-285750">
+              <a:buFont typeface="Arial" panose="020B0604020202020204" pitchFamily="34" charset="0"/>
+              <a:buChar char="•"/>
+            </a:pPr>
+            <a:endParaRPr lang="en-US" i="1" dirty="0">
+              <a:latin typeface="Times New Roman" panose="02020603050405020304" pitchFamily="18" charset="0"/>
+              <a:cs typeface="Times New Roman" panose="02020603050405020304" pitchFamily="18" charset="0"/>
+            </a:endParaRPr>
+          </a:p>
+          <a:p>
+            <a:pPr marL="285750" indent="-285750">
+              <a:buFont typeface="Arial" panose="020B0604020202020204" pitchFamily="34" charset="0"/>
+              <a:buChar char="•"/>
+            </a:pPr>
+            <a:endParaRPr lang="en-US" dirty="0">
+              <a:latin typeface="Times New Roman" panose="02020603050405020304" pitchFamily="18" charset="0"/>
+              <a:cs typeface="Times New Roman" panose="02020603050405020304" pitchFamily="18" charset="0"/>
+            </a:endParaRPr>
+          </a:p>
+        </p:txBody>
+      </p:sp>
+    </p:spTree>
+    <p:extLst>
+      <p:ext uri="{BB962C8B-B14F-4D97-AF65-F5344CB8AC3E}">
+        <p14:creationId xmlns:p14="http://schemas.microsoft.com/office/powerpoint/2010/main" val="3363488225"/>
+      </p:ext>
+    </p:extLst>
+  </p:cSld>
+  <p:clrMapOvr>
+    <a:masterClrMapping/>
+  </p:clrMapOvr>
+</p:sld>
+</file>
+
+<file path=ppt/slides/slide4.xml><?xml version="1.0" encoding="utf-8"?>
+<p:sld xmlns:a="http://schemas.openxmlformats.org/drawingml/2006/main" xmlns:r="http://schemas.openxmlformats.org/officeDocument/2006/relationships" xmlns:p="http://schemas.openxmlformats.org/presentationml/2006/main">
+  <p:cSld>
+    <p:spTree>
+      <p:nvGrpSpPr>
+        <p:cNvPr id="1" name=""/>
+        <p:cNvGrpSpPr/>
+        <p:nvPr/>
+      </p:nvGrpSpPr>
+      <p:grpSpPr>
+        <a:xfrm>
+          <a:off x="0" y="0"/>
+          <a:ext cx="0" cy="0"/>
+          <a:chOff x="0" y="0"/>
+          <a:chExt cx="0" cy="0"/>
+        </a:xfrm>
+      </p:grpSpPr>
+      <mc:AlternateContent xmlns:mc="http://schemas.openxmlformats.org/markup-compatibility/2006" xmlns:a14="http://schemas.microsoft.com/office/drawing/2010/main">
+        <mc:Choice Requires="a14">
+          <p:sp>
+            <p:nvSpPr>
+              <p:cNvPr id="2" name="Title 1">
+                <a:extLst>
+                  <a:ext uri="{FF2B5EF4-FFF2-40B4-BE49-F238E27FC236}">
+                    <a16:creationId xmlns:a16="http://schemas.microsoft.com/office/drawing/2014/main" id="{636FB483-8A01-854E-9BBE-55E0C355A79B}"/>
+                  </a:ext>
+                </a:extLst>
+              </p:cNvPr>
+              <p:cNvSpPr txBox="1">
+                <a:spLocks/>
+              </p:cNvSpPr>
+              <p:nvPr/>
+            </p:nvSpPr>
+            <p:spPr>
+              <a:xfrm>
+                <a:off x="1029730" y="2929464"/>
+                <a:ext cx="10363200" cy="1189456"/>
+              </a:xfrm>
+              <a:prstGeom prst="rect">
+                <a:avLst/>
+              </a:prstGeom>
+            </p:spPr>
+            <p:txBody>
+              <a:bodyPr/>
+              <a:lstStyle>
+                <a:lvl1pPr algn="l" defTabSz="914400" rtl="0" eaLnBrk="1" latinLnBrk="0" hangingPunct="1">
+                  <a:lnSpc>
+                    <a:spcPct val="90000"/>
+                  </a:lnSpc>
+                  <a:spcBef>
+                    <a:spcPct val="0"/>
+                  </a:spcBef>
+                  <a:buNone/>
+                  <a:defRPr sz="2800" b="1" kern="1200">
+                    <a:solidFill>
+                      <a:schemeClr val="tx1"/>
+                    </a:solidFill>
+                    <a:latin typeface="Helvetica" pitchFamily="2" charset="0"/>
+                    <a:ea typeface="+mj-ea"/>
+                    <a:cs typeface="+mj-cs"/>
+                  </a:defRPr>
+                </a:lvl1pPr>
+              </a:lstStyle>
+              <a:p>
+                <a:pPr algn="ctr"/>
+                <a:r>
+                  <a:rPr lang="en-US" dirty="0">
                     <a:latin typeface="Times New Roman" panose="02020603050405020304" pitchFamily="18" charset="0"/>
                     <a:cs typeface="Times New Roman" panose="02020603050405020304" pitchFamily="18" charset="0"/>
                   </a:rPr>
@@ -4019,7 +4570,7 @@
               <a:p>
                 <a:pPr algn="ctr"/>
                 <a:r>
-                  <a:rPr lang="en-US" sz="2400" i="1" dirty="0" smtClean="0">
+                  <a:rPr lang="en-US" sz="2400" i="1" dirty="0">
                     <a:latin typeface="Times New Roman" panose="02020603050405020304" pitchFamily="18" charset="0"/>
                     <a:cs typeface="Times New Roman" panose="02020603050405020304" pitchFamily="18" charset="0"/>
                   </a:rPr>
@@ -4047,7 +4598,7 @@
                   </m:oMath>
                 </a14:m>
                 <a:r>
-                  <a:rPr lang="en-US" sz="1800" i="1" dirty="0" smtClean="0">
+                  <a:rPr lang="en-US" sz="1800" i="1" dirty="0">
                     <a:latin typeface="Times New Roman" panose="02020603050405020304" pitchFamily="18" charset="0"/>
                     <a:cs typeface="Times New Roman" panose="02020603050405020304" pitchFamily="18" charset="0"/>
                   </a:rPr>
@@ -4072,7 +4623,7 @@
             </p:txBody>
           </p:sp>
         </mc:Choice>
-        <mc:Fallback>
+        <mc:Fallback xmlns="">
           <p:sp>
             <p:nvSpPr>
               <p:cNvPr id="2" name="Title 1">
@@ -4217,16 +4768,12 @@
           </a:lstStyle>
           <a:p>
             <a:r>
-              <a:rPr lang="en-US" u="sng" dirty="0" smtClean="0">
+              <a:rPr lang="en-US" u="sng" dirty="0">
                 <a:latin typeface="Times New Roman" panose="02020603050405020304" pitchFamily="18" charset="0"/>
                 <a:cs typeface="Times New Roman" panose="02020603050405020304" pitchFamily="18" charset="0"/>
               </a:rPr>
               <a:t>The Broad Institute Integrative Genomics Viewer</a:t>
             </a:r>
-            <a:endParaRPr lang="en-US" u="sng" dirty="0">
-              <a:latin typeface="Times New Roman" panose="02020603050405020304" pitchFamily="18" charset="0"/>
-              <a:cs typeface="Times New Roman" panose="02020603050405020304" pitchFamily="18" charset="0"/>
-            </a:endParaRPr>
           </a:p>
         </p:txBody>
       </p:sp>
@@ -4239,7 +4786,7 @@
         <p:spPr>
           <a:xfrm>
             <a:off x="138807" y="842610"/>
-            <a:ext cx="7726651" cy="6432530"/>
+            <a:ext cx="7726651" cy="6155531"/>
           </a:xfrm>
           <a:prstGeom prst="rect">
             <a:avLst/>
@@ -4257,21 +4804,21 @@
               <a:buChar char="•"/>
             </a:pPr>
             <a:r>
-              <a:rPr lang="en-US" sz="1600" i="1" dirty="0" smtClean="0">
+              <a:rPr lang="en-US" sz="1600" i="1" dirty="0">
                 <a:latin typeface="Times New Roman" panose="02020603050405020304" pitchFamily="18" charset="0"/>
                 <a:cs typeface="Times New Roman" panose="02020603050405020304" pitchFamily="18" charset="0"/>
               </a:rPr>
               <a:t>Developed and Maintained by the </a:t>
             </a:r>
             <a:r>
-              <a:rPr lang="en-US" sz="1600" b="1" i="1" dirty="0" smtClean="0">
+              <a:rPr lang="en-US" sz="1600" b="1" i="1" dirty="0">
                 <a:latin typeface="Times New Roman" panose="02020603050405020304" pitchFamily="18" charset="0"/>
                 <a:cs typeface="Times New Roman" panose="02020603050405020304" pitchFamily="18" charset="0"/>
               </a:rPr>
               <a:t>Broad Institute</a:t>
             </a:r>
             <a:r>
-              <a:rPr lang="en-US" sz="1600" i="1" dirty="0" smtClean="0">
+              <a:rPr lang="en-US" sz="1600" i="1" dirty="0">
                 <a:latin typeface="Times New Roman" panose="02020603050405020304" pitchFamily="18" charset="0"/>
                 <a:cs typeface="Times New Roman" panose="02020603050405020304" pitchFamily="18" charset="0"/>
               </a:rPr>
@@ -4284,21 +4831,21 @@
               <a:buChar char="•"/>
             </a:pPr>
             <a:r>
-              <a:rPr lang="en-US" sz="1600" i="1" dirty="0" smtClean="0">
+              <a:rPr lang="en-US" sz="1600" i="1" dirty="0">
                 <a:latin typeface="Times New Roman" panose="02020603050405020304" pitchFamily="18" charset="0"/>
                 <a:cs typeface="Times New Roman" panose="02020603050405020304" pitchFamily="18" charset="0"/>
               </a:rPr>
               <a:t>A </a:t>
             </a:r>
             <a:r>
-              <a:rPr lang="en-US" sz="1600" b="1" i="1" dirty="0" smtClean="0">
+              <a:rPr lang="en-US" sz="1600" b="1" i="1" dirty="0">
                 <a:latin typeface="Times New Roman" panose="02020603050405020304" pitchFamily="18" charset="0"/>
                 <a:cs typeface="Times New Roman" panose="02020603050405020304" pitchFamily="18" charset="0"/>
               </a:rPr>
               <a:t>Joint Institute of Harvard and MIT</a:t>
             </a:r>
             <a:r>
-              <a:rPr lang="en-US" sz="1600" i="1" dirty="0" smtClean="0">
+              <a:rPr lang="en-US" sz="1600" i="1" dirty="0">
                 <a:latin typeface="Times New Roman" panose="02020603050405020304" pitchFamily="18" charset="0"/>
                 <a:cs typeface="Times New Roman" panose="02020603050405020304" pitchFamily="18" charset="0"/>
               </a:rPr>
@@ -4311,47 +4858,25 @@
               <a:buChar char="•"/>
             </a:pPr>
             <a:r>
-              <a:rPr lang="en-US" sz="1600" i="1" dirty="0" smtClean="0">
+              <a:rPr lang="en-US" sz="1600" i="1" dirty="0">
                 <a:latin typeface="Times New Roman" panose="02020603050405020304" pitchFamily="18" charset="0"/>
                 <a:cs typeface="Times New Roman" panose="02020603050405020304" pitchFamily="18" charset="0"/>
               </a:rPr>
               <a:t>Founded in </a:t>
             </a:r>
             <a:r>
-              <a:rPr lang="en-US" sz="1600" b="1" i="1" dirty="0" smtClean="0">
+              <a:rPr lang="en-US" sz="1600" b="1" i="1" dirty="0">
                 <a:latin typeface="Times New Roman" panose="02020603050405020304" pitchFamily="18" charset="0"/>
                 <a:cs typeface="Times New Roman" panose="02020603050405020304" pitchFamily="18" charset="0"/>
               </a:rPr>
               <a:t>2004</a:t>
             </a:r>
             <a:r>
-              <a:rPr lang="en-US" sz="1600" i="1" dirty="0" smtClean="0">
-                <a:latin typeface="Times New Roman" panose="02020603050405020304" pitchFamily="18" charset="0"/>
-                <a:cs typeface="Times New Roman" panose="02020603050405020304" pitchFamily="18" charset="0"/>
-              </a:rPr>
-              <a:t> (from organizational remnants of the Human Genome Project) for the </a:t>
-            </a:r>
-            <a:r>
               <a:rPr lang="en-US" sz="1600" i="1" dirty="0">
                 <a:latin typeface="Times New Roman" panose="02020603050405020304" pitchFamily="18" charset="0"/>
                 <a:cs typeface="Times New Roman" panose="02020603050405020304" pitchFamily="18" charset="0"/>
               </a:rPr>
-              <a:t>purposes of [</a:t>
-            </a:r>
-            <a:r>
-              <a:rPr lang="en-US" sz="1600" i="1" dirty="0" smtClean="0">
-                <a:latin typeface="Times New Roman" panose="02020603050405020304" pitchFamily="18" charset="0"/>
-                <a:cs typeface="Times New Roman" panose="02020603050405020304" pitchFamily="18" charset="0"/>
-              </a:rPr>
-              <a:t>from </a:t>
-            </a:r>
-            <a:r>
-              <a:rPr lang="en-US" sz="1600" i="1" dirty="0" smtClean="0">
-                <a:latin typeface="Times New Roman" panose="02020603050405020304" pitchFamily="18" charset="0"/>
-                <a:cs typeface="Times New Roman" panose="02020603050405020304" pitchFamily="18" charset="0"/>
-                <a:hlinkClick r:id="rId3"/>
-              </a:rPr>
-              <a:t>https</a:t>
+              <a:t> (from organizational remnants of the Human Genome Project) for the purposes of [from </a:t>
             </a:r>
             <a:r>
               <a:rPr lang="en-US" sz="1600" i="1" dirty="0">
@@ -4359,18 +4884,10 @@
                 <a:cs typeface="Times New Roman" panose="02020603050405020304" pitchFamily="18" charset="0"/>
                 <a:hlinkClick r:id="rId3"/>
               </a:rPr>
-              <a:t>://</a:t>
-            </a:r>
-            <a:r>
-              <a:rPr lang="en-US" sz="1600" i="1" dirty="0" smtClean="0">
-                <a:latin typeface="Times New Roman" panose="02020603050405020304" pitchFamily="18" charset="0"/>
-                <a:cs typeface="Times New Roman" panose="02020603050405020304" pitchFamily="18" charset="0"/>
-                <a:hlinkClick r:id="rId3"/>
-              </a:rPr>
-              <a:t>www.broadinstitute.org/about-us</a:t>
-            </a:r>
-            <a:r>
-              <a:rPr lang="en-US" sz="1600" i="1" dirty="0" smtClean="0">
+              <a:t>https://www.broadinstitute.org/about-us</a:t>
+            </a:r>
+            <a:r>
+              <a:rPr lang="en-US" sz="1600" i="1" dirty="0">
                 <a:latin typeface="Times New Roman" panose="02020603050405020304" pitchFamily="18" charset="0"/>
                 <a:cs typeface="Times New Roman" panose="02020603050405020304" pitchFamily="18" charset="0"/>
               </a:rPr>
@@ -4383,7 +4900,7 @@
               <a:buChar char="•"/>
             </a:pPr>
             <a:r>
-              <a:rPr lang="en-US" sz="1600" i="1" dirty="0" smtClean="0">
+              <a:rPr lang="en-US" sz="1600" i="1" dirty="0">
                 <a:latin typeface="Times New Roman" panose="02020603050405020304" pitchFamily="18" charset="0"/>
                 <a:cs typeface="Times New Roman" panose="02020603050405020304" pitchFamily="18" charset="0"/>
               </a:rPr>
@@ -4396,7 +4913,7 @@
               <a:buChar char="•"/>
             </a:pPr>
             <a:r>
-              <a:rPr lang="en-US" sz="1600" i="1" dirty="0" smtClean="0">
+              <a:rPr lang="en-US" sz="1600" i="1" dirty="0">
                 <a:latin typeface="Times New Roman" panose="02020603050405020304" pitchFamily="18" charset="0"/>
                 <a:cs typeface="Times New Roman" panose="02020603050405020304" pitchFamily="18" charset="0"/>
               </a:rPr>
@@ -4409,7 +4926,7 @@
               <a:buChar char="•"/>
             </a:pPr>
             <a:r>
-              <a:rPr lang="en-US" sz="1600" i="1" dirty="0" smtClean="0">
+              <a:rPr lang="en-US" sz="1600" i="1" dirty="0">
                 <a:latin typeface="Times New Roman" panose="02020603050405020304" pitchFamily="18" charset="0"/>
                 <a:cs typeface="Times New Roman" panose="02020603050405020304" pitchFamily="18" charset="0"/>
               </a:rPr>
@@ -4422,7 +4939,7 @@
               <a:buChar char="•"/>
             </a:pPr>
             <a:r>
-              <a:rPr lang="en-US" sz="1600" i="1" dirty="0" smtClean="0">
+              <a:rPr lang="en-US" sz="1600" i="1" dirty="0">
                 <a:latin typeface="Times New Roman" panose="02020603050405020304" pitchFamily="18" charset="0"/>
                 <a:cs typeface="Times New Roman" panose="02020603050405020304" pitchFamily="18" charset="0"/>
               </a:rPr>
@@ -4435,7 +4952,7 @@
               <a:buChar char="•"/>
             </a:pPr>
             <a:r>
-              <a:rPr lang="en-US" sz="1600" i="1" dirty="0" smtClean="0">
+              <a:rPr lang="en-US" sz="1600" i="1" dirty="0">
                 <a:latin typeface="Times New Roman" panose="02020603050405020304" pitchFamily="18" charset="0"/>
                 <a:cs typeface="Times New Roman" panose="02020603050405020304" pitchFamily="18" charset="0"/>
               </a:rPr>
@@ -4448,7 +4965,7 @@
               <a:buChar char="•"/>
             </a:pPr>
             <a:r>
-              <a:rPr lang="en-US" sz="1600" i="1" dirty="0" smtClean="0">
+              <a:rPr lang="en-US" sz="1600" i="1" dirty="0">
                 <a:latin typeface="Times New Roman" panose="02020603050405020304" pitchFamily="18" charset="0"/>
                 <a:cs typeface="Times New Roman" panose="02020603050405020304" pitchFamily="18" charset="0"/>
               </a:rPr>
@@ -4457,7 +4974,7 @@
           </a:p>
           <a:p>
             <a:pPr lvl="2"/>
-            <a:endParaRPr lang="en-US" sz="1600" i="1" dirty="0" smtClean="0">
+            <a:endParaRPr lang="en-US" sz="1600" i="1" dirty="0">
               <a:latin typeface="Times New Roman" panose="02020603050405020304" pitchFamily="18" charset="0"/>
               <a:cs typeface="Times New Roman" panose="02020603050405020304" pitchFamily="18" charset="0"/>
             </a:endParaRPr>
@@ -4468,14 +4985,14 @@
               <a:buChar char="•"/>
             </a:pPr>
             <a:r>
-              <a:rPr lang="en-US" sz="1600" b="1" i="1" dirty="0" smtClean="0">
+              <a:rPr lang="en-US" sz="1600" b="1" i="1" dirty="0">
                 <a:latin typeface="Times New Roman" panose="02020603050405020304" pitchFamily="18" charset="0"/>
                 <a:cs typeface="Times New Roman" panose="02020603050405020304" pitchFamily="18" charset="0"/>
               </a:rPr>
               <a:t>Integrative Genomics Viewer (IGV) </a:t>
             </a:r>
             <a:r>
-              <a:rPr lang="en-US" sz="1600" i="1" dirty="0" smtClean="0">
+              <a:rPr lang="en-US" sz="1600" i="1" dirty="0">
                 <a:latin typeface="Times New Roman" panose="02020603050405020304" pitchFamily="18" charset="0"/>
                 <a:cs typeface="Times New Roman" panose="02020603050405020304" pitchFamily="18" charset="0"/>
               </a:rPr>
@@ -4488,7 +5005,7 @@
               <a:buChar char="•"/>
             </a:pPr>
             <a:r>
-              <a:rPr lang="en-US" sz="1600" i="1" dirty="0" smtClean="0">
+              <a:rPr lang="en-US" sz="1600" i="1" dirty="0">
                 <a:latin typeface="Times New Roman" panose="02020603050405020304" pitchFamily="18" charset="0"/>
                 <a:cs typeface="Times New Roman" panose="02020603050405020304" pitchFamily="18" charset="0"/>
               </a:rPr>
@@ -4501,7 +5018,7 @@
               <a:buChar char="•"/>
             </a:pPr>
             <a:r>
-              <a:rPr lang="en-US" sz="1600" i="1" dirty="0" smtClean="0">
+              <a:rPr lang="en-US" sz="1600" i="1" dirty="0">
                 <a:latin typeface="Times New Roman" panose="02020603050405020304" pitchFamily="18" charset="0"/>
                 <a:cs typeface="Times New Roman" panose="02020603050405020304" pitchFamily="18" charset="0"/>
               </a:rPr>
@@ -4514,7 +5031,7 @@
               <a:buChar char="•"/>
             </a:pPr>
             <a:r>
-              <a:rPr lang="en-US" sz="1600" i="1" dirty="0" smtClean="0">
+              <a:rPr lang="en-US" sz="1600" i="1" dirty="0">
                 <a:latin typeface="Times New Roman" panose="02020603050405020304" pitchFamily="18" charset="0"/>
                 <a:cs typeface="Times New Roman" panose="02020603050405020304" pitchFamily="18" charset="0"/>
               </a:rPr>
@@ -4527,7 +5044,7 @@
               <a:buChar char="•"/>
             </a:pPr>
             <a:r>
-              <a:rPr lang="en-US" sz="1600" i="1" dirty="0" smtClean="0">
+              <a:rPr lang="en-US" sz="1600" i="1" dirty="0">
                 <a:latin typeface="Times New Roman" panose="02020603050405020304" pitchFamily="18" charset="0"/>
                 <a:cs typeface="Times New Roman" panose="02020603050405020304" pitchFamily="18" charset="0"/>
               </a:rPr>
@@ -4540,7 +5057,7 @@
               <a:buChar char="•"/>
             </a:pPr>
             <a:r>
-              <a:rPr lang="en-US" sz="1600" i="1" dirty="0" smtClean="0">
+              <a:rPr lang="en-US" sz="1600" i="1" dirty="0">
                 <a:latin typeface="Times New Roman" panose="02020603050405020304" pitchFamily="18" charset="0"/>
                 <a:cs typeface="Times New Roman" panose="02020603050405020304" pitchFamily="18" charset="0"/>
               </a:rPr>
@@ -4553,7 +5070,7 @@
               <a:buChar char="•"/>
             </a:pPr>
             <a:r>
-              <a:rPr lang="en-US" sz="1600" i="1" dirty="0" smtClean="0">
+              <a:rPr lang="en-US" sz="1600" i="1" dirty="0">
                 <a:latin typeface="Times New Roman" panose="02020603050405020304" pitchFamily="18" charset="0"/>
                 <a:cs typeface="Times New Roman" panose="02020603050405020304" pitchFamily="18" charset="0"/>
               </a:rPr>
@@ -4565,17 +5082,44 @@
               <a:buFont typeface="Arial" panose="020B0604020202020204" pitchFamily="34" charset="0"/>
               <a:buChar char="•"/>
             </a:pPr>
-            <a:endParaRPr lang="en-US" i="1" dirty="0" smtClean="0">
-              <a:latin typeface="Times New Roman" panose="02020603050405020304" pitchFamily="18" charset="0"/>
-              <a:cs typeface="Times New Roman" panose="02020603050405020304" pitchFamily="18" charset="0"/>
-            </a:endParaRPr>
+            <a:r>
+              <a:rPr lang="en-US" i="1" dirty="0">
+                <a:latin typeface="Times New Roman" panose="02020603050405020304" pitchFamily="18" charset="0"/>
+                <a:cs typeface="Times New Roman" panose="02020603050405020304" pitchFamily="18" charset="0"/>
+              </a:rPr>
+              <a:t>Written in Java, hence allowing use of platform independent </a:t>
+            </a:r>
+            <a:r>
+              <a:rPr lang="en-US" i="1" dirty="0" err="1">
+                <a:latin typeface="Times New Roman" panose="02020603050405020304" pitchFamily="18" charset="0"/>
+                <a:cs typeface="Times New Roman" panose="02020603050405020304" pitchFamily="18" charset="0"/>
+              </a:rPr>
+              <a:t>jvm</a:t>
+            </a:r>
+            <a:r>
+              <a:rPr lang="en-US" i="1" dirty="0">
+                <a:latin typeface="Times New Roman" panose="02020603050405020304" pitchFamily="18" charset="0"/>
+                <a:cs typeface="Times New Roman" panose="02020603050405020304" pitchFamily="18" charset="0"/>
+              </a:rPr>
+              <a:t>.</a:t>
+            </a:r>
           </a:p>
           <a:p>
             <a:pPr marL="742950" lvl="1" indent="-285750">
               <a:buFont typeface="Arial" panose="020B0604020202020204" pitchFamily="34" charset="0"/>
               <a:buChar char="•"/>
             </a:pPr>
-            <a:endParaRPr lang="en-US" i="1" dirty="0" smtClean="0">
+            <a:endParaRPr lang="en-US" i="1" dirty="0">
+              <a:latin typeface="Times New Roman" panose="02020603050405020304" pitchFamily="18" charset="0"/>
+              <a:cs typeface="Times New Roman" panose="02020603050405020304" pitchFamily="18" charset="0"/>
+            </a:endParaRPr>
+          </a:p>
+          <a:p>
+            <a:pPr marL="285750" indent="-285750">
+              <a:buFont typeface="Arial" panose="020B0604020202020204" pitchFamily="34" charset="0"/>
+              <a:buChar char="•"/>
+            </a:pPr>
+            <a:endParaRPr lang="en-US" i="1" dirty="0">
               <a:latin typeface="Times New Roman" panose="02020603050405020304" pitchFamily="18" charset="0"/>
               <a:cs typeface="Times New Roman" panose="02020603050405020304" pitchFamily="18" charset="0"/>
             </a:endParaRPr>
@@ -4585,27 +5129,7 @@
               <a:buFont typeface="Arial" panose="020B0604020202020204" pitchFamily="34" charset="0"/>
               <a:buChar char="•"/>
             </a:pPr>
-            <a:endParaRPr lang="en-US" i="1" dirty="0" smtClean="0">
-              <a:latin typeface="Times New Roman" panose="02020603050405020304" pitchFamily="18" charset="0"/>
-              <a:cs typeface="Times New Roman" panose="02020603050405020304" pitchFamily="18" charset="0"/>
-            </a:endParaRPr>
-          </a:p>
-          <a:p>
-            <a:pPr marL="285750" indent="-285750">
-              <a:buFont typeface="Arial" panose="020B0604020202020204" pitchFamily="34" charset="0"/>
-              <a:buChar char="•"/>
-            </a:pPr>
-            <a:endParaRPr lang="en-US" i="1" dirty="0" smtClean="0">
-              <a:latin typeface="Times New Roman" panose="02020603050405020304" pitchFamily="18" charset="0"/>
-              <a:cs typeface="Times New Roman" panose="02020603050405020304" pitchFamily="18" charset="0"/>
-            </a:endParaRPr>
-          </a:p>
-          <a:p>
-            <a:pPr marL="742950" lvl="1" indent="-285750">
-              <a:buFont typeface="Arial" panose="020B0604020202020204" pitchFamily="34" charset="0"/>
-              <a:buChar char="•"/>
-            </a:pPr>
-            <a:endParaRPr lang="en-US" i="1" dirty="0" smtClean="0">
+            <a:endParaRPr lang="en-US" i="1" dirty="0">
               <a:latin typeface="Times New Roman" panose="02020603050405020304" pitchFamily="18" charset="0"/>
               <a:cs typeface="Times New Roman" panose="02020603050405020304" pitchFamily="18" charset="0"/>
             </a:endParaRPr>
@@ -4638,7 +5162,7 @@
         </p:blipFill>
         <p:spPr>
           <a:xfrm>
-            <a:off x="292558" y="5989517"/>
+            <a:off x="8995762" y="1937401"/>
             <a:ext cx="2124075" cy="657225"/>
           </a:xfrm>
           <a:prstGeom prst="rect">
@@ -4662,7 +5186,7 @@
         </p:blipFill>
         <p:spPr>
           <a:xfrm>
-            <a:off x="7928994" y="2528915"/>
+            <a:off x="8034191" y="2726098"/>
             <a:ext cx="4047218" cy="2485659"/>
           </a:xfrm>
           <a:prstGeom prst="rect">
@@ -4678,7 +5202,7 @@
         </p:nvSpPr>
         <p:spPr>
           <a:xfrm>
-            <a:off x="8229598" y="5014574"/>
+            <a:off x="8071974" y="5189970"/>
             <a:ext cx="3746614" cy="646331"/>
           </a:xfrm>
           <a:prstGeom prst="rect">
@@ -4692,12 +5216,8 @@
           <a:lstStyle/>
           <a:p>
             <a:r>
-              <a:rPr lang="en-US" sz="1200" dirty="0" smtClean="0"/>
-              <a:t>From Robinson</a:t>
-            </a:r>
-            <a:r>
               <a:rPr lang="en-US" sz="1200" dirty="0"/>
-              <a:t>, J., </a:t>
+              <a:t>From Robinson, J., </a:t>
             </a:r>
             <a:r>
               <a:rPr lang="en-US" sz="1200" dirty="0" err="1"/>
@@ -4822,16 +5342,1000 @@
           </a:lstStyle>
           <a:p>
             <a:r>
-              <a:rPr lang="en-US" u="sng" dirty="0" smtClean="0">
+              <a:rPr lang="en-US" u="sng" dirty="0">
                 <a:latin typeface="Times New Roman" panose="02020603050405020304" pitchFamily="18" charset="0"/>
                 <a:cs typeface="Times New Roman" panose="02020603050405020304" pitchFamily="18" charset="0"/>
               </a:rPr>
               <a:t>Locally Installing the IGV</a:t>
             </a:r>
-            <a:endParaRPr lang="en-US" u="sng" dirty="0">
+          </a:p>
+        </p:txBody>
+      </p:sp>
+      <p:sp>
+        <p:nvSpPr>
+          <p:cNvPr id="3" name="TextBox 2">
+            <a:extLst>
+              <a:ext uri="{FF2B5EF4-FFF2-40B4-BE49-F238E27FC236}">
+                <a16:creationId xmlns:a16="http://schemas.microsoft.com/office/drawing/2014/main" id="{B3B159A8-03A5-78B6-0839-3F80B9FB0894}"/>
+              </a:ext>
+            </a:extLst>
+          </p:cNvPr>
+          <p:cNvSpPr txBox="1"/>
+          <p:nvPr/>
+        </p:nvSpPr>
+        <p:spPr>
+          <a:xfrm>
+            <a:off x="64571" y="935082"/>
+            <a:ext cx="5082408" cy="2492990"/>
+          </a:xfrm>
+          <a:prstGeom prst="rect">
+            <a:avLst/>
+          </a:prstGeom>
+          <a:noFill/>
+        </p:spPr>
+        <p:txBody>
+          <a:bodyPr wrap="square" rtlCol="0">
+            <a:spAutoFit/>
+          </a:bodyPr>
+          <a:lstStyle/>
+          <a:p>
+            <a:pPr marL="285750" indent="-285750">
+              <a:buFont typeface="Arial" panose="020B0604020202020204" pitchFamily="34" charset="0"/>
+              <a:buChar char="•"/>
+            </a:pPr>
+            <a:r>
+              <a:rPr lang="en-US" sz="1600" i="1" dirty="0">
+                <a:latin typeface="Times New Roman" panose="02020603050405020304" pitchFamily="18" charset="0"/>
+                <a:cs typeface="Times New Roman" panose="02020603050405020304" pitchFamily="18" charset="0"/>
+              </a:rPr>
+              <a:t>IGV is freely available for download and use, and since it was written using java, versions exist for all major operating systems (on which the JVM can run):</a:t>
+            </a:r>
+          </a:p>
+          <a:p>
+            <a:pPr marL="742950" lvl="1" indent="-285750">
+              <a:buFont typeface="Arial" panose="020B0604020202020204" pitchFamily="34" charset="0"/>
+              <a:buChar char="•"/>
+            </a:pPr>
+            <a:endParaRPr lang="en-US" i="1" dirty="0">
               <a:latin typeface="Times New Roman" panose="02020603050405020304" pitchFamily="18" charset="0"/>
               <a:cs typeface="Times New Roman" panose="02020603050405020304" pitchFamily="18" charset="0"/>
             </a:endParaRPr>
+          </a:p>
+          <a:p>
+            <a:pPr marL="742950" lvl="1" indent="-285750">
+              <a:buFont typeface="Arial" panose="020B0604020202020204" pitchFamily="34" charset="0"/>
+              <a:buChar char="•"/>
+            </a:pPr>
+            <a:endParaRPr lang="en-US" i="1" dirty="0">
+              <a:latin typeface="Times New Roman" panose="02020603050405020304" pitchFamily="18" charset="0"/>
+              <a:cs typeface="Times New Roman" panose="02020603050405020304" pitchFamily="18" charset="0"/>
+            </a:endParaRPr>
+          </a:p>
+          <a:p>
+            <a:pPr marL="742950" lvl="1" indent="-285750">
+              <a:buFont typeface="Arial" panose="020B0604020202020204" pitchFamily="34" charset="0"/>
+              <a:buChar char="•"/>
+            </a:pPr>
+            <a:endParaRPr lang="en-US" i="1" dirty="0">
+              <a:latin typeface="Times New Roman" panose="02020603050405020304" pitchFamily="18" charset="0"/>
+              <a:cs typeface="Times New Roman" panose="02020603050405020304" pitchFamily="18" charset="0"/>
+            </a:endParaRPr>
+          </a:p>
+          <a:p>
+            <a:pPr marL="285750" indent="-285750">
+              <a:buFont typeface="Arial" panose="020B0604020202020204" pitchFamily="34" charset="0"/>
+              <a:buChar char="•"/>
+            </a:pPr>
+            <a:endParaRPr lang="en-US" i="1" dirty="0">
+              <a:latin typeface="Times New Roman" panose="02020603050405020304" pitchFamily="18" charset="0"/>
+              <a:cs typeface="Times New Roman" panose="02020603050405020304" pitchFamily="18" charset="0"/>
+            </a:endParaRPr>
+          </a:p>
+          <a:p>
+            <a:pPr marL="742950" lvl="1" indent="-285750">
+              <a:buFont typeface="Arial" panose="020B0604020202020204" pitchFamily="34" charset="0"/>
+              <a:buChar char="•"/>
+            </a:pPr>
+            <a:endParaRPr lang="en-US" i="1" dirty="0">
+              <a:latin typeface="Times New Roman" panose="02020603050405020304" pitchFamily="18" charset="0"/>
+              <a:cs typeface="Times New Roman" panose="02020603050405020304" pitchFamily="18" charset="0"/>
+            </a:endParaRPr>
+          </a:p>
+          <a:p>
+            <a:pPr marL="285750" indent="-285750">
+              <a:buFont typeface="Arial" panose="020B0604020202020204" pitchFamily="34" charset="0"/>
+              <a:buChar char="•"/>
+            </a:pPr>
+            <a:endParaRPr lang="en-US" dirty="0">
+              <a:latin typeface="Times New Roman" panose="02020603050405020304" pitchFamily="18" charset="0"/>
+              <a:cs typeface="Times New Roman" panose="02020603050405020304" pitchFamily="18" charset="0"/>
+            </a:endParaRPr>
+          </a:p>
+        </p:txBody>
+      </p:sp>
+      <p:pic>
+        <p:nvPicPr>
+          <p:cNvPr id="5" name="Picture 4">
+            <a:extLst>
+              <a:ext uri="{FF2B5EF4-FFF2-40B4-BE49-F238E27FC236}">
+                <a16:creationId xmlns:a16="http://schemas.microsoft.com/office/drawing/2014/main" id="{72AE6B5D-01F3-159F-643F-5EB270F5D647}"/>
+              </a:ext>
+            </a:extLst>
+          </p:cNvPr>
+          <p:cNvPicPr>
+            <a:picLocks noChangeAspect="1"/>
+          </p:cNvPicPr>
+          <p:nvPr/>
+        </p:nvPicPr>
+        <p:blipFill>
+          <a:blip r:embed="rId3"/>
+          <a:stretch>
+            <a:fillRect/>
+          </a:stretch>
+        </p:blipFill>
+        <p:spPr>
+          <a:xfrm>
+            <a:off x="7045022" y="401216"/>
+            <a:ext cx="4972807" cy="4385388"/>
+          </a:xfrm>
+          <a:prstGeom prst="rect">
+            <a:avLst/>
+          </a:prstGeom>
+        </p:spPr>
+      </p:pic>
+      <p:sp>
+        <p:nvSpPr>
+          <p:cNvPr id="6" name="Rectangle 5">
+            <a:extLst>
+              <a:ext uri="{FF2B5EF4-FFF2-40B4-BE49-F238E27FC236}">
+                <a16:creationId xmlns:a16="http://schemas.microsoft.com/office/drawing/2014/main" id="{DC96974E-0AC3-A026-D7EE-8EB83F2D6117}"/>
+              </a:ext>
+            </a:extLst>
+          </p:cNvPr>
+          <p:cNvSpPr/>
+          <p:nvPr/>
+        </p:nvSpPr>
+        <p:spPr>
+          <a:xfrm>
+            <a:off x="8358188" y="2740818"/>
+            <a:ext cx="821532" cy="287649"/>
+          </a:xfrm>
+          <a:prstGeom prst="rect">
+            <a:avLst/>
+          </a:prstGeom>
+          <a:noFill/>
+          <a:ln>
+            <a:solidFill>
+              <a:schemeClr val="accent5"/>
+            </a:solidFill>
+          </a:ln>
+        </p:spPr>
+        <p:style>
+          <a:lnRef idx="2">
+            <a:schemeClr val="accent1">
+              <a:shade val="50000"/>
+            </a:schemeClr>
+          </a:lnRef>
+          <a:fillRef idx="1">
+            <a:schemeClr val="accent1"/>
+          </a:fillRef>
+          <a:effectRef idx="0">
+            <a:schemeClr val="accent1"/>
+          </a:effectRef>
+          <a:fontRef idx="minor">
+            <a:schemeClr val="lt1"/>
+          </a:fontRef>
+        </p:style>
+        <p:txBody>
+          <a:bodyPr rtlCol="0" anchor="ctr"/>
+          <a:lstStyle/>
+          <a:p>
+            <a:pPr algn="ctr"/>
+            <a:endParaRPr lang="en-US"/>
+          </a:p>
+        </p:txBody>
+      </p:sp>
+      <p:sp>
+        <p:nvSpPr>
+          <p:cNvPr id="8" name="Rectangle 7">
+            <a:extLst>
+              <a:ext uri="{FF2B5EF4-FFF2-40B4-BE49-F238E27FC236}">
+                <a16:creationId xmlns:a16="http://schemas.microsoft.com/office/drawing/2014/main" id="{91ABF566-3D52-B37A-59B9-2F52C8EFA7C9}"/>
+              </a:ext>
+            </a:extLst>
+          </p:cNvPr>
+          <p:cNvSpPr/>
+          <p:nvPr/>
+        </p:nvSpPr>
+        <p:spPr>
+          <a:xfrm>
+            <a:off x="8358190" y="3074192"/>
+            <a:ext cx="821532" cy="287649"/>
+          </a:xfrm>
+          <a:prstGeom prst="rect">
+            <a:avLst/>
+          </a:prstGeom>
+          <a:noFill/>
+          <a:ln>
+            <a:solidFill>
+              <a:srgbClr val="002060"/>
+            </a:solidFill>
+          </a:ln>
+        </p:spPr>
+        <p:style>
+          <a:lnRef idx="2">
+            <a:schemeClr val="accent1">
+              <a:shade val="50000"/>
+            </a:schemeClr>
+          </a:lnRef>
+          <a:fillRef idx="1">
+            <a:schemeClr val="accent1"/>
+          </a:fillRef>
+          <a:effectRef idx="0">
+            <a:schemeClr val="accent1"/>
+          </a:effectRef>
+          <a:fontRef idx="minor">
+            <a:schemeClr val="lt1"/>
+          </a:fontRef>
+        </p:style>
+        <p:txBody>
+          <a:bodyPr rtlCol="0" anchor="ctr"/>
+          <a:lstStyle/>
+          <a:p>
+            <a:pPr algn="ctr"/>
+            <a:endParaRPr lang="en-US"/>
+          </a:p>
+        </p:txBody>
+      </p:sp>
+      <p:sp>
+        <p:nvSpPr>
+          <p:cNvPr id="9" name="Rectangle 8">
+            <a:extLst>
+              <a:ext uri="{FF2B5EF4-FFF2-40B4-BE49-F238E27FC236}">
+                <a16:creationId xmlns:a16="http://schemas.microsoft.com/office/drawing/2014/main" id="{9E9663F5-BFE7-1BCF-9D3F-CAA1D7521A75}"/>
+              </a:ext>
+            </a:extLst>
+          </p:cNvPr>
+          <p:cNvSpPr/>
+          <p:nvPr/>
+        </p:nvSpPr>
+        <p:spPr>
+          <a:xfrm>
+            <a:off x="8355803" y="2405059"/>
+            <a:ext cx="821532" cy="287649"/>
+          </a:xfrm>
+          <a:prstGeom prst="rect">
+            <a:avLst/>
+          </a:prstGeom>
+          <a:noFill/>
+          <a:ln>
+            <a:solidFill>
+              <a:schemeClr val="accent4"/>
+            </a:solidFill>
+          </a:ln>
+        </p:spPr>
+        <p:style>
+          <a:lnRef idx="2">
+            <a:schemeClr val="accent1">
+              <a:shade val="50000"/>
+            </a:schemeClr>
+          </a:lnRef>
+          <a:fillRef idx="1">
+            <a:schemeClr val="accent1"/>
+          </a:fillRef>
+          <a:effectRef idx="0">
+            <a:schemeClr val="accent1"/>
+          </a:effectRef>
+          <a:fontRef idx="minor">
+            <a:schemeClr val="lt1"/>
+          </a:fontRef>
+        </p:style>
+        <p:txBody>
+          <a:bodyPr rtlCol="0" anchor="ctr"/>
+          <a:lstStyle/>
+          <a:p>
+            <a:pPr algn="ctr"/>
+            <a:endParaRPr lang="en-US">
+              <a:solidFill>
+                <a:schemeClr val="accent4"/>
+              </a:solidFill>
+            </a:endParaRPr>
+          </a:p>
+        </p:txBody>
+      </p:sp>
+      <p:sp>
+        <p:nvSpPr>
+          <p:cNvPr id="10" name="Rectangle 9">
+            <a:extLst>
+              <a:ext uri="{FF2B5EF4-FFF2-40B4-BE49-F238E27FC236}">
+                <a16:creationId xmlns:a16="http://schemas.microsoft.com/office/drawing/2014/main" id="{C214CCD1-7ED0-E2F3-358D-2682BDB857E0}"/>
+              </a:ext>
+            </a:extLst>
+          </p:cNvPr>
+          <p:cNvSpPr/>
+          <p:nvPr/>
+        </p:nvSpPr>
+        <p:spPr>
+          <a:xfrm>
+            <a:off x="1172000" y="1835195"/>
+            <a:ext cx="1390261" cy="391886"/>
+          </a:xfrm>
+          <a:prstGeom prst="rect">
+            <a:avLst/>
+          </a:prstGeom>
+        </p:spPr>
+        <p:style>
+          <a:lnRef idx="2">
+            <a:schemeClr val="accent4">
+              <a:shade val="50000"/>
+            </a:schemeClr>
+          </a:lnRef>
+          <a:fillRef idx="1">
+            <a:schemeClr val="accent4"/>
+          </a:fillRef>
+          <a:effectRef idx="0">
+            <a:schemeClr val="accent4"/>
+          </a:effectRef>
+          <a:fontRef idx="minor">
+            <a:schemeClr val="lt1"/>
+          </a:fontRef>
+        </p:style>
+        <p:txBody>
+          <a:bodyPr rtlCol="0" anchor="ctr"/>
+          <a:lstStyle/>
+          <a:p>
+            <a:pPr algn="ctr"/>
+            <a:r>
+              <a:rPr lang="en-US" dirty="0"/>
+              <a:t>Mac OS</a:t>
+            </a:r>
+          </a:p>
+        </p:txBody>
+      </p:sp>
+      <p:sp>
+        <p:nvSpPr>
+          <p:cNvPr id="11" name="Rectangle 10">
+            <a:extLst>
+              <a:ext uri="{FF2B5EF4-FFF2-40B4-BE49-F238E27FC236}">
+                <a16:creationId xmlns:a16="http://schemas.microsoft.com/office/drawing/2014/main" id="{C0A9FBA4-EAC5-F75F-D5CF-0BB2A8396A71}"/>
+              </a:ext>
+            </a:extLst>
+          </p:cNvPr>
+          <p:cNvSpPr/>
+          <p:nvPr/>
+        </p:nvSpPr>
+        <p:spPr>
+          <a:xfrm>
+            <a:off x="1172001" y="2348932"/>
+            <a:ext cx="1390261" cy="391886"/>
+          </a:xfrm>
+          <a:prstGeom prst="rect">
+            <a:avLst/>
+          </a:prstGeom>
+        </p:spPr>
+        <p:style>
+          <a:lnRef idx="2">
+            <a:schemeClr val="accent5">
+              <a:shade val="50000"/>
+            </a:schemeClr>
+          </a:lnRef>
+          <a:fillRef idx="1">
+            <a:schemeClr val="accent5"/>
+          </a:fillRef>
+          <a:effectRef idx="0">
+            <a:schemeClr val="accent5"/>
+          </a:effectRef>
+          <a:fontRef idx="minor">
+            <a:schemeClr val="lt1"/>
+          </a:fontRef>
+        </p:style>
+        <p:txBody>
+          <a:bodyPr rtlCol="0" anchor="ctr"/>
+          <a:lstStyle/>
+          <a:p>
+            <a:pPr algn="ctr"/>
+            <a:r>
+              <a:rPr lang="en-US" dirty="0"/>
+              <a:t>Windows </a:t>
+            </a:r>
+          </a:p>
+        </p:txBody>
+      </p:sp>
+      <p:sp>
+        <p:nvSpPr>
+          <p:cNvPr id="12" name="Rectangle 11">
+            <a:extLst>
+              <a:ext uri="{FF2B5EF4-FFF2-40B4-BE49-F238E27FC236}">
+                <a16:creationId xmlns:a16="http://schemas.microsoft.com/office/drawing/2014/main" id="{09165DB8-CB5F-02B2-C383-696ECB96AFAD}"/>
+              </a:ext>
+            </a:extLst>
+          </p:cNvPr>
+          <p:cNvSpPr/>
+          <p:nvPr/>
+        </p:nvSpPr>
+        <p:spPr>
+          <a:xfrm>
+            <a:off x="1172001" y="2862669"/>
+            <a:ext cx="1390261" cy="391886"/>
+          </a:xfrm>
+          <a:prstGeom prst="rect">
+            <a:avLst/>
+          </a:prstGeom>
+        </p:spPr>
+        <p:style>
+          <a:lnRef idx="2">
+            <a:schemeClr val="accent1">
+              <a:shade val="50000"/>
+            </a:schemeClr>
+          </a:lnRef>
+          <a:fillRef idx="1">
+            <a:schemeClr val="accent1"/>
+          </a:fillRef>
+          <a:effectRef idx="0">
+            <a:schemeClr val="accent1"/>
+          </a:effectRef>
+          <a:fontRef idx="minor">
+            <a:schemeClr val="lt1"/>
+          </a:fontRef>
+        </p:style>
+        <p:txBody>
+          <a:bodyPr rtlCol="0" anchor="ctr"/>
+          <a:lstStyle/>
+          <a:p>
+            <a:pPr algn="ctr"/>
+            <a:r>
+              <a:rPr lang="en-US" dirty="0"/>
+              <a:t>Linux</a:t>
+            </a:r>
+          </a:p>
+        </p:txBody>
+      </p:sp>
+      <p:cxnSp>
+        <p:nvCxnSpPr>
+          <p:cNvPr id="14" name="Connector: Elbow 13">
+            <a:extLst>
+              <a:ext uri="{FF2B5EF4-FFF2-40B4-BE49-F238E27FC236}">
+                <a16:creationId xmlns:a16="http://schemas.microsoft.com/office/drawing/2014/main" id="{7AAEF023-F427-26AE-703F-8DCFBA7AAB5E}"/>
+              </a:ext>
+            </a:extLst>
+          </p:cNvPr>
+          <p:cNvCxnSpPr>
+            <a:stCxn id="10" idx="3"/>
+            <a:endCxn id="9" idx="1"/>
+          </p:cNvCxnSpPr>
+          <p:nvPr/>
+        </p:nvCxnSpPr>
+        <p:spPr>
+          <a:xfrm>
+            <a:off x="2562261" y="2031138"/>
+            <a:ext cx="5793542" cy="517746"/>
+          </a:xfrm>
+          <a:prstGeom prst="bentConnector3">
+            <a:avLst>
+              <a:gd name="adj1" fmla="val 54993"/>
+            </a:avLst>
+          </a:prstGeom>
+          <a:ln>
+            <a:headEnd type="triangle"/>
+            <a:tailEnd type="triangle"/>
+          </a:ln>
+        </p:spPr>
+        <p:style>
+          <a:lnRef idx="1">
+            <a:schemeClr val="accent4"/>
+          </a:lnRef>
+          <a:fillRef idx="0">
+            <a:schemeClr val="accent4"/>
+          </a:fillRef>
+          <a:effectRef idx="0">
+            <a:schemeClr val="accent4"/>
+          </a:effectRef>
+          <a:fontRef idx="minor">
+            <a:schemeClr val="tx1"/>
+          </a:fontRef>
+        </p:style>
+      </p:cxnSp>
+      <p:cxnSp>
+        <p:nvCxnSpPr>
+          <p:cNvPr id="19" name="Connector: Elbow 18">
+            <a:extLst>
+              <a:ext uri="{FF2B5EF4-FFF2-40B4-BE49-F238E27FC236}">
+                <a16:creationId xmlns:a16="http://schemas.microsoft.com/office/drawing/2014/main" id="{8EB77AB7-89B5-CF85-B043-7C473639A86E}"/>
+              </a:ext>
+            </a:extLst>
+          </p:cNvPr>
+          <p:cNvCxnSpPr>
+            <a:stCxn id="12" idx="3"/>
+            <a:endCxn id="8" idx="1"/>
+          </p:cNvCxnSpPr>
+          <p:nvPr/>
+        </p:nvCxnSpPr>
+        <p:spPr>
+          <a:xfrm>
+            <a:off x="2562262" y="3058612"/>
+            <a:ext cx="5795928" cy="159405"/>
+          </a:xfrm>
+          <a:prstGeom prst="bentConnector3">
+            <a:avLst>
+              <a:gd name="adj1" fmla="val 50000"/>
+            </a:avLst>
+          </a:prstGeom>
+          <a:ln>
+            <a:headEnd type="triangle"/>
+            <a:tailEnd type="triangle"/>
+          </a:ln>
+        </p:spPr>
+        <p:style>
+          <a:lnRef idx="1">
+            <a:schemeClr val="accent1"/>
+          </a:lnRef>
+          <a:fillRef idx="0">
+            <a:schemeClr val="accent1"/>
+          </a:fillRef>
+          <a:effectRef idx="0">
+            <a:schemeClr val="accent1"/>
+          </a:effectRef>
+          <a:fontRef idx="minor">
+            <a:schemeClr val="tx1"/>
+          </a:fontRef>
+        </p:style>
+      </p:cxnSp>
+      <p:cxnSp>
+        <p:nvCxnSpPr>
+          <p:cNvPr id="23" name="Connector: Elbow 22">
+            <a:extLst>
+              <a:ext uri="{FF2B5EF4-FFF2-40B4-BE49-F238E27FC236}">
+                <a16:creationId xmlns:a16="http://schemas.microsoft.com/office/drawing/2014/main" id="{48DA4825-D190-8E16-7B09-A04FB049540A}"/>
+              </a:ext>
+            </a:extLst>
+          </p:cNvPr>
+          <p:cNvCxnSpPr>
+            <a:stCxn id="11" idx="3"/>
+            <a:endCxn id="6" idx="1"/>
+          </p:cNvCxnSpPr>
+          <p:nvPr/>
+        </p:nvCxnSpPr>
+        <p:spPr>
+          <a:xfrm>
+            <a:off x="2562262" y="2544875"/>
+            <a:ext cx="5795926" cy="339768"/>
+          </a:xfrm>
+          <a:prstGeom prst="bentConnector3">
+            <a:avLst>
+              <a:gd name="adj1" fmla="val 51288"/>
+            </a:avLst>
+          </a:prstGeom>
+          <a:ln>
+            <a:headEnd type="triangle"/>
+            <a:tailEnd type="triangle"/>
+          </a:ln>
+        </p:spPr>
+        <p:style>
+          <a:lnRef idx="1">
+            <a:schemeClr val="accent5"/>
+          </a:lnRef>
+          <a:fillRef idx="0">
+            <a:schemeClr val="accent5"/>
+          </a:fillRef>
+          <a:effectRef idx="0">
+            <a:schemeClr val="accent5"/>
+          </a:effectRef>
+          <a:fontRef idx="minor">
+            <a:schemeClr val="tx1"/>
+          </a:fontRef>
+        </p:style>
+      </p:cxnSp>
+      <p:cxnSp>
+        <p:nvCxnSpPr>
+          <p:cNvPr id="36" name="Straight Connector 35">
+            <a:extLst>
+              <a:ext uri="{FF2B5EF4-FFF2-40B4-BE49-F238E27FC236}">
+                <a16:creationId xmlns:a16="http://schemas.microsoft.com/office/drawing/2014/main" id="{1F91F7AA-758A-30AA-9E71-B85E9B1DA2DD}"/>
+              </a:ext>
+            </a:extLst>
+          </p:cNvPr>
+          <p:cNvCxnSpPr>
+            <a:cxnSpLocks/>
+          </p:cNvCxnSpPr>
+          <p:nvPr/>
+        </p:nvCxnSpPr>
+        <p:spPr>
+          <a:xfrm>
+            <a:off x="157877" y="3428072"/>
+            <a:ext cx="6802016" cy="0"/>
+          </a:xfrm>
+          <a:prstGeom prst="line">
+            <a:avLst/>
+          </a:prstGeom>
+        </p:spPr>
+        <p:style>
+          <a:lnRef idx="1">
+            <a:schemeClr val="dk1"/>
+          </a:lnRef>
+          <a:fillRef idx="0">
+            <a:schemeClr val="dk1"/>
+          </a:fillRef>
+          <a:effectRef idx="0">
+            <a:schemeClr val="dk1"/>
+          </a:effectRef>
+          <a:fontRef idx="minor">
+            <a:schemeClr val="tx1"/>
+          </a:fontRef>
+        </p:style>
+      </p:cxnSp>
+      <p:pic>
+        <p:nvPicPr>
+          <p:cNvPr id="39" name="Picture 38">
+            <a:extLst>
+              <a:ext uri="{FF2B5EF4-FFF2-40B4-BE49-F238E27FC236}">
+                <a16:creationId xmlns:a16="http://schemas.microsoft.com/office/drawing/2014/main" id="{CA67C60B-66DE-EAF6-C07C-C28FFD99C2E6}"/>
+              </a:ext>
+            </a:extLst>
+          </p:cNvPr>
+          <p:cNvPicPr>
+            <a:picLocks noChangeAspect="1"/>
+          </p:cNvPicPr>
+          <p:nvPr/>
+        </p:nvPicPr>
+        <p:blipFill>
+          <a:blip r:embed="rId4"/>
+          <a:stretch>
+            <a:fillRect/>
+          </a:stretch>
+        </p:blipFill>
+        <p:spPr>
+          <a:xfrm>
+            <a:off x="329852" y="3642395"/>
+            <a:ext cx="2838490" cy="1754201"/>
+          </a:xfrm>
+          <a:prstGeom prst="rect">
+            <a:avLst/>
+          </a:prstGeom>
+        </p:spPr>
+      </p:pic>
+      <p:sp>
+        <p:nvSpPr>
+          <p:cNvPr id="40" name="TextBox 39">
+            <a:extLst>
+              <a:ext uri="{FF2B5EF4-FFF2-40B4-BE49-F238E27FC236}">
+                <a16:creationId xmlns:a16="http://schemas.microsoft.com/office/drawing/2014/main" id="{EB935512-7431-3F04-684E-E3B4FEEB826D}"/>
+              </a:ext>
+            </a:extLst>
+          </p:cNvPr>
+          <p:cNvSpPr txBox="1"/>
+          <p:nvPr/>
+        </p:nvSpPr>
+        <p:spPr>
+          <a:xfrm>
+            <a:off x="206337" y="5531277"/>
+            <a:ext cx="3085519" cy="923330"/>
+          </a:xfrm>
+          <a:prstGeom prst="rect">
+            <a:avLst/>
+          </a:prstGeom>
+        </p:spPr>
+        <p:style>
+          <a:lnRef idx="2">
+            <a:schemeClr val="accent4"/>
+          </a:lnRef>
+          <a:fillRef idx="1">
+            <a:schemeClr val="lt1"/>
+          </a:fillRef>
+          <a:effectRef idx="0">
+            <a:schemeClr val="accent4"/>
+          </a:effectRef>
+          <a:fontRef idx="minor">
+            <a:schemeClr val="dk1"/>
+          </a:fontRef>
+        </p:style>
+        <p:txBody>
+          <a:bodyPr wrap="square" rtlCol="0">
+            <a:spAutoFit/>
+          </a:bodyPr>
+          <a:lstStyle/>
+          <a:p>
+            <a:pPr marL="285750" indent="-285750">
+              <a:buFont typeface="Arial" panose="020B0604020202020204" pitchFamily="34" charset="0"/>
+              <a:buChar char="•"/>
+            </a:pPr>
+            <a:r>
+              <a:rPr lang="en-US" dirty="0">
+                <a:latin typeface="Times New Roman" panose="02020603050405020304" pitchFamily="18" charset="0"/>
+                <a:cs typeface="Times New Roman" panose="02020603050405020304" pitchFamily="18" charset="0"/>
+              </a:rPr>
+              <a:t>Note: Must agree to The MIT License to install and use IGV.</a:t>
+            </a:r>
+          </a:p>
+        </p:txBody>
+      </p:sp>
+      <p:pic>
+        <p:nvPicPr>
+          <p:cNvPr id="42" name="Picture 41">
+            <a:extLst>
+              <a:ext uri="{FF2B5EF4-FFF2-40B4-BE49-F238E27FC236}">
+                <a16:creationId xmlns:a16="http://schemas.microsoft.com/office/drawing/2014/main" id="{79236CFB-370C-A063-B04B-5CC55CBF687A}"/>
+              </a:ext>
+            </a:extLst>
+          </p:cNvPr>
+          <p:cNvPicPr>
+            <a:picLocks noChangeAspect="1"/>
+          </p:cNvPicPr>
+          <p:nvPr/>
+        </p:nvPicPr>
+        <p:blipFill>
+          <a:blip r:embed="rId5"/>
+          <a:stretch>
+            <a:fillRect/>
+          </a:stretch>
+        </p:blipFill>
+        <p:spPr>
+          <a:xfrm>
+            <a:off x="4867060" y="3860116"/>
+            <a:ext cx="1919888" cy="1318758"/>
+          </a:xfrm>
+          <a:prstGeom prst="rect">
+            <a:avLst/>
+          </a:prstGeom>
+        </p:spPr>
+      </p:pic>
+      <p:sp>
+        <p:nvSpPr>
+          <p:cNvPr id="43" name="Oval 42">
+            <a:extLst>
+              <a:ext uri="{FF2B5EF4-FFF2-40B4-BE49-F238E27FC236}">
+                <a16:creationId xmlns:a16="http://schemas.microsoft.com/office/drawing/2014/main" id="{2554A586-4367-3052-06FD-D5E186BCF229}"/>
+              </a:ext>
+            </a:extLst>
+          </p:cNvPr>
+          <p:cNvSpPr/>
+          <p:nvPr/>
+        </p:nvSpPr>
+        <p:spPr>
+          <a:xfrm>
+            <a:off x="408743" y="4918399"/>
+            <a:ext cx="86221" cy="79841"/>
+          </a:xfrm>
+          <a:prstGeom prst="ellipse">
+            <a:avLst/>
+          </a:prstGeom>
+        </p:spPr>
+        <p:style>
+          <a:lnRef idx="2">
+            <a:schemeClr val="accent4">
+              <a:shade val="50000"/>
+            </a:schemeClr>
+          </a:lnRef>
+          <a:fillRef idx="1">
+            <a:schemeClr val="accent4"/>
+          </a:fillRef>
+          <a:effectRef idx="0">
+            <a:schemeClr val="accent4"/>
+          </a:effectRef>
+          <a:fontRef idx="minor">
+            <a:schemeClr val="lt1"/>
+          </a:fontRef>
+        </p:style>
+        <p:txBody>
+          <a:bodyPr rtlCol="0" anchor="ctr"/>
+          <a:lstStyle/>
+          <a:p>
+            <a:pPr algn="ctr"/>
+            <a:endParaRPr lang="en-US"/>
+          </a:p>
+        </p:txBody>
+      </p:sp>
+      <p:cxnSp>
+        <p:nvCxnSpPr>
+          <p:cNvPr id="45" name="Connector: Elbow 44">
+            <a:extLst>
+              <a:ext uri="{FF2B5EF4-FFF2-40B4-BE49-F238E27FC236}">
+                <a16:creationId xmlns:a16="http://schemas.microsoft.com/office/drawing/2014/main" id="{B4B643CF-4187-9EDF-D910-0CD2AC627B87}"/>
+              </a:ext>
+            </a:extLst>
+          </p:cNvPr>
+          <p:cNvCxnSpPr>
+            <a:cxnSpLocks/>
+            <a:stCxn id="43" idx="2"/>
+            <a:endCxn id="40" idx="1"/>
+          </p:cNvCxnSpPr>
+          <p:nvPr/>
+        </p:nvCxnSpPr>
+        <p:spPr>
+          <a:xfrm rot="10800000" flipV="1">
+            <a:off x="206337" y="4958320"/>
+            <a:ext cx="202406" cy="1034622"/>
+          </a:xfrm>
+          <a:prstGeom prst="bentConnector3">
+            <a:avLst>
+              <a:gd name="adj1" fmla="val 162745"/>
+            </a:avLst>
+          </a:prstGeom>
+          <a:ln>
+            <a:headEnd type="triangle"/>
+            <a:tailEnd type="triangle"/>
+          </a:ln>
+        </p:spPr>
+        <p:style>
+          <a:lnRef idx="1">
+            <a:schemeClr val="accent4"/>
+          </a:lnRef>
+          <a:fillRef idx="0">
+            <a:schemeClr val="accent4"/>
+          </a:fillRef>
+          <a:effectRef idx="0">
+            <a:schemeClr val="accent4"/>
+          </a:effectRef>
+          <a:fontRef idx="minor">
+            <a:schemeClr val="tx1"/>
+          </a:fontRef>
+        </p:style>
+      </p:cxnSp>
+      <p:cxnSp>
+        <p:nvCxnSpPr>
+          <p:cNvPr id="48" name="Connector: Elbow 47">
+            <a:extLst>
+              <a:ext uri="{FF2B5EF4-FFF2-40B4-BE49-F238E27FC236}">
+                <a16:creationId xmlns:a16="http://schemas.microsoft.com/office/drawing/2014/main" id="{D36C6F6E-9212-BCC6-625D-ABB136AD010D}"/>
+              </a:ext>
+            </a:extLst>
+          </p:cNvPr>
+          <p:cNvCxnSpPr>
+            <a:stCxn id="39" idx="3"/>
+            <a:endCxn id="42" idx="1"/>
+          </p:cNvCxnSpPr>
+          <p:nvPr/>
+        </p:nvCxnSpPr>
+        <p:spPr>
+          <a:xfrm flipV="1">
+            <a:off x="3168342" y="4519495"/>
+            <a:ext cx="1698718" cy="1"/>
+          </a:xfrm>
+          <a:prstGeom prst="bentConnector3">
+            <a:avLst/>
+          </a:prstGeom>
+          <a:ln>
+            <a:tailEnd type="triangle"/>
+          </a:ln>
+        </p:spPr>
+        <p:style>
+          <a:lnRef idx="1">
+            <a:schemeClr val="accent1"/>
+          </a:lnRef>
+          <a:fillRef idx="0">
+            <a:schemeClr val="accent1"/>
+          </a:fillRef>
+          <a:effectRef idx="0">
+            <a:schemeClr val="accent1"/>
+          </a:effectRef>
+          <a:fontRef idx="minor">
+            <a:schemeClr val="tx1"/>
+          </a:fontRef>
+        </p:style>
+      </p:cxnSp>
+      <p:sp>
+        <p:nvSpPr>
+          <p:cNvPr id="51" name="Rectangle 50">
+            <a:extLst>
+              <a:ext uri="{FF2B5EF4-FFF2-40B4-BE49-F238E27FC236}">
+                <a16:creationId xmlns:a16="http://schemas.microsoft.com/office/drawing/2014/main" id="{9CBB5423-8FDB-927D-5B32-203EF68200A4}"/>
+              </a:ext>
+            </a:extLst>
+          </p:cNvPr>
+          <p:cNvSpPr/>
+          <p:nvPr/>
+        </p:nvSpPr>
+        <p:spPr>
+          <a:xfrm>
+            <a:off x="6410131" y="4998240"/>
+            <a:ext cx="376817" cy="180634"/>
+          </a:xfrm>
+          <a:prstGeom prst="rect">
+            <a:avLst/>
+          </a:prstGeom>
+          <a:noFill/>
+          <a:ln>
+            <a:solidFill>
+              <a:schemeClr val="accent4">
+                <a:lumMod val="60000"/>
+                <a:lumOff val="40000"/>
+              </a:schemeClr>
+            </a:solidFill>
+          </a:ln>
+        </p:spPr>
+        <p:style>
+          <a:lnRef idx="2">
+            <a:schemeClr val="accent1">
+              <a:shade val="50000"/>
+            </a:schemeClr>
+          </a:lnRef>
+          <a:fillRef idx="1">
+            <a:schemeClr val="accent1"/>
+          </a:fillRef>
+          <a:effectRef idx="0">
+            <a:schemeClr val="accent1"/>
+          </a:effectRef>
+          <a:fontRef idx="minor">
+            <a:schemeClr val="lt1"/>
+          </a:fontRef>
+        </p:style>
+        <p:txBody>
+          <a:bodyPr rtlCol="0" anchor="ctr"/>
+          <a:lstStyle/>
+          <a:p>
+            <a:pPr algn="ctr"/>
+            <a:endParaRPr lang="en-US"/>
+          </a:p>
+        </p:txBody>
+      </p:sp>
+      <p:sp>
+        <p:nvSpPr>
+          <p:cNvPr id="52" name="TextBox 51">
+            <a:extLst>
+              <a:ext uri="{FF2B5EF4-FFF2-40B4-BE49-F238E27FC236}">
+                <a16:creationId xmlns:a16="http://schemas.microsoft.com/office/drawing/2014/main" id="{15445A4F-01A7-92D4-57A5-AD85D8918433}"/>
+              </a:ext>
+            </a:extLst>
+          </p:cNvPr>
+          <p:cNvSpPr txBox="1"/>
+          <p:nvPr/>
+        </p:nvSpPr>
+        <p:spPr>
+          <a:xfrm>
+            <a:off x="4139699" y="5226438"/>
+            <a:ext cx="5795927" cy="1754326"/>
+          </a:xfrm>
+          <a:prstGeom prst="rect">
+            <a:avLst/>
+          </a:prstGeom>
+          <a:noFill/>
+        </p:spPr>
+        <p:txBody>
+          <a:bodyPr wrap="square" rtlCol="0">
+            <a:spAutoFit/>
+          </a:bodyPr>
+          <a:lstStyle/>
+          <a:p>
+            <a:pPr marL="285750" indent="-285750">
+              <a:buFont typeface="Arial" panose="020B0604020202020204" pitchFamily="34" charset="0"/>
+              <a:buChar char="•"/>
+            </a:pPr>
+            <a:r>
+              <a:rPr lang="en-US" dirty="0"/>
+              <a:t>Very non-restrictive license.</a:t>
+            </a:r>
+          </a:p>
+          <a:p>
+            <a:pPr marL="285750" indent="-285750">
+              <a:buFont typeface="Arial" panose="020B0604020202020204" pitchFamily="34" charset="0"/>
+              <a:buChar char="•"/>
+            </a:pPr>
+            <a:r>
+              <a:rPr lang="en-US" dirty="0"/>
+              <a:t>May do many things, as long as copy of original license included.</a:t>
+            </a:r>
+          </a:p>
+          <a:p>
+            <a:endParaRPr lang="en-US" dirty="0"/>
+          </a:p>
+          <a:p>
+            <a:pPr marL="285750" indent="-285750">
+              <a:buFont typeface="Arial" panose="020B0604020202020204" pitchFamily="34" charset="0"/>
+              <a:buChar char="•"/>
+            </a:pPr>
+            <a:r>
+              <a:rPr lang="en-US" dirty="0"/>
+              <a:t>More info: </a:t>
+            </a:r>
+            <a:r>
+              <a:rPr lang="en-US" dirty="0">
+                <a:hlinkClick r:id="rId6"/>
+              </a:rPr>
+              <a:t>https://choosealicense.com/licenses/mit/</a:t>
+            </a:r>
+            <a:endParaRPr lang="en-US" dirty="0"/>
+          </a:p>
+          <a:p>
+            <a:endParaRPr lang="en-US" dirty="0"/>
           </a:p>
         </p:txBody>
       </p:sp>
@@ -4865,181 +6369,426 @@
           <a:chExt cx="0" cy="0"/>
         </a:xfrm>
       </p:grpSpPr>
-      <mc:AlternateContent xmlns:mc="http://schemas.openxmlformats.org/markup-compatibility/2006">
-        <mc:Choice xmlns:a14="http://schemas.microsoft.com/office/drawing/2010/main" Requires="a14">
-          <p:sp>
-            <p:nvSpPr>
-              <p:cNvPr id="2" name="Title 1">
-                <a:extLst>
-                  <a:ext uri="{FF2B5EF4-FFF2-40B4-BE49-F238E27FC236}">
-                    <a16:creationId xmlns:a16="http://schemas.microsoft.com/office/drawing/2014/main" id="{636FB483-8A01-854E-9BBE-55E0C355A79B}"/>
-                  </a:ext>
-                </a:extLst>
-              </p:cNvPr>
-              <p:cNvSpPr txBox="1">
-                <a:spLocks/>
-              </p:cNvSpPr>
-              <p:nvPr/>
-            </p:nvSpPr>
-            <p:spPr>
-              <a:xfrm>
-                <a:off x="1029730" y="2929464"/>
-                <a:ext cx="10363200" cy="1189456"/>
-              </a:xfrm>
-              <a:prstGeom prst="rect">
-                <a:avLst/>
-              </a:prstGeom>
-            </p:spPr>
-            <p:txBody>
-              <a:bodyPr/>
-              <a:lstStyle>
-                <a:lvl1pPr algn="l" defTabSz="914400" rtl="0" eaLnBrk="1" latinLnBrk="0" hangingPunct="1">
-                  <a:lnSpc>
-                    <a:spcPct val="90000"/>
-                  </a:lnSpc>
-                  <a:spcBef>
-                    <a:spcPct val="0"/>
-                  </a:spcBef>
-                  <a:buNone/>
-                  <a:defRPr sz="2800" b="1" kern="1200">
-                    <a:solidFill>
-                      <a:schemeClr val="tx1"/>
-                    </a:solidFill>
-                    <a:latin typeface="Helvetica" pitchFamily="2" charset="0"/>
-                    <a:ea typeface="+mj-ea"/>
-                    <a:cs typeface="+mj-cs"/>
-                  </a:defRPr>
-                </a:lvl1pPr>
-              </a:lstStyle>
-              <a:p>
-                <a:pPr algn="ctr"/>
-                <a:r>
-                  <a:rPr lang="en-US" dirty="0" smtClean="0">
-                    <a:latin typeface="Times New Roman" panose="02020603050405020304" pitchFamily="18" charset="0"/>
-                    <a:cs typeface="Times New Roman" panose="02020603050405020304" pitchFamily="18" charset="0"/>
-                  </a:rPr>
-                  <a:t>Part 2: NGS RNA-</a:t>
-                </a:r>
-                <a:r>
-                  <a:rPr lang="en-US" dirty="0" err="1" smtClean="0">
-                    <a:latin typeface="Times New Roman" panose="02020603050405020304" pitchFamily="18" charset="0"/>
-                    <a:cs typeface="Times New Roman" panose="02020603050405020304" pitchFamily="18" charset="0"/>
-                  </a:rPr>
-                  <a:t>Seq</a:t>
-                </a:r>
-                <a:r>
-                  <a:rPr lang="en-US" dirty="0" smtClean="0">
-                    <a:latin typeface="Times New Roman" panose="02020603050405020304" pitchFamily="18" charset="0"/>
-                    <a:cs typeface="Times New Roman" panose="02020603050405020304" pitchFamily="18" charset="0"/>
-                  </a:rPr>
-                  <a:t> Data Alignment using Hisat2</a:t>
-                </a:r>
-              </a:p>
-              <a:p>
-                <a:pPr algn="ctr"/>
-                <a:r>
-                  <a:rPr lang="en-US" sz="2400" i="1" dirty="0" smtClean="0">
-                    <a:latin typeface="Times New Roman" panose="02020603050405020304" pitchFamily="18" charset="0"/>
-                    <a:cs typeface="Times New Roman" panose="02020603050405020304" pitchFamily="18" charset="0"/>
-                  </a:rPr>
-                  <a:t>Usage, Examples, and Exercises</a:t>
-                </a:r>
-              </a:p>
-              <a:p>
-                <a:pPr algn="ctr"/>
-                <a14:m>
-                  <m:oMath xmlns:m="http://schemas.openxmlformats.org/officeDocument/2006/math">
-                    <m:r>
-                      <a:rPr lang="en-US" sz="1800" b="1" i="1" smtClean="0">
-                        <a:latin typeface="Cambria Math" panose="02040503050406030204" pitchFamily="18" charset="0"/>
-                        <a:cs typeface="Times New Roman" panose="02020603050405020304" pitchFamily="18" charset="0"/>
-                      </a:rPr>
-                      <m:t>(≈</m:t>
-                    </m:r>
-                    <m:r>
-                      <a:rPr lang="en-US" sz="1800" b="1" i="1" smtClean="0">
-                        <a:latin typeface="Cambria Math" panose="02040503050406030204" pitchFamily="18" charset="0"/>
-                        <a:cs typeface="Times New Roman" panose="02020603050405020304" pitchFamily="18" charset="0"/>
-                      </a:rPr>
-                      <m:t>𝟏</m:t>
-                    </m:r>
-                  </m:oMath>
-                </a14:m>
-                <a:r>
-                  <a:rPr lang="en-US" sz="1800" i="1" dirty="0" smtClean="0">
-                    <a:latin typeface="Times New Roman" panose="02020603050405020304" pitchFamily="18" charset="0"/>
-                    <a:cs typeface="Times New Roman" panose="02020603050405020304" pitchFamily="18" charset="0"/>
-                  </a:rPr>
-                  <a:t> hours</a:t>
-                </a:r>
-                <a14:m>
-                  <m:oMath xmlns:m="http://schemas.openxmlformats.org/officeDocument/2006/math">
-                    <m:r>
-                      <a:rPr lang="en-US" sz="1800" b="1" i="1" smtClean="0">
-                        <a:latin typeface="Cambria Math" panose="02040503050406030204" pitchFamily="18" charset="0"/>
-                        <a:cs typeface="Times New Roman" panose="02020603050405020304" pitchFamily="18" charset="0"/>
-                      </a:rPr>
-                      <m:t>)</m:t>
-                    </m:r>
-                  </m:oMath>
-                </a14:m>
-                <a:endParaRPr lang="en-US" sz="1800" i="1" dirty="0">
-                  <a:latin typeface="Times New Roman" panose="02020603050405020304" pitchFamily="18" charset="0"/>
-                  <a:cs typeface="Times New Roman" panose="02020603050405020304" pitchFamily="18" charset="0"/>
-                </a:endParaRPr>
-              </a:p>
-            </p:txBody>
-          </p:sp>
-        </mc:Choice>
-        <mc:Fallback>
-          <p:sp>
-            <p:nvSpPr>
-              <p:cNvPr id="2" name="Title 1">
-                <a:extLst>
-                  <a:ext uri="{FF2B5EF4-FFF2-40B4-BE49-F238E27FC236}">
-                    <a16:creationId xmlns:a16="http://schemas.microsoft.com/office/drawing/2014/main" id="{636FB483-8A01-854E-9BBE-55E0C355A79B}"/>
-                  </a:ext>
-                </a:extLst>
-              </p:cNvPr>
-              <p:cNvSpPr txBox="1">
-                <a:spLocks noRot="1" noChangeAspect="1" noMove="1" noResize="1" noEditPoints="1" noAdjustHandles="1" noChangeArrowheads="1" noChangeShapeType="1" noTextEdit="1"/>
-              </p:cNvSpPr>
-              <p:nvPr/>
-            </p:nvSpPr>
-            <p:spPr>
-              <a:xfrm>
-                <a:off x="1029730" y="2929464"/>
-                <a:ext cx="10363200" cy="1189456"/>
-              </a:xfrm>
-              <a:prstGeom prst="rect">
-                <a:avLst/>
-              </a:prstGeom>
-              <a:blipFill>
-                <a:blip r:embed="rId2"/>
-                <a:stretch>
-                  <a:fillRect t="-9231"/>
-                </a:stretch>
-              </a:blipFill>
-            </p:spPr>
-            <p:txBody>
-              <a:bodyPr/>
-              <a:lstStyle/>
-              <a:p>
-                <a:r>
-                  <a:rPr lang="en-US">
-                    <a:noFill/>
-                  </a:rPr>
-                  <a:t> </a:t>
-                </a:r>
-              </a:p>
-            </p:txBody>
-          </p:sp>
-        </mc:Fallback>
-      </mc:AlternateContent>
+      <p:pic>
+        <p:nvPicPr>
+          <p:cNvPr id="3" name="Picture 2">
+            <a:extLst>
+              <a:ext uri="{FF2B5EF4-FFF2-40B4-BE49-F238E27FC236}">
+                <a16:creationId xmlns:a16="http://schemas.microsoft.com/office/drawing/2014/main" id="{BB22A12C-5D09-37A3-C818-7127E162019E}"/>
+              </a:ext>
+            </a:extLst>
+          </p:cNvPr>
+          <p:cNvPicPr>
+            <a:picLocks noChangeAspect="1"/>
+          </p:cNvPicPr>
+          <p:nvPr/>
+        </p:nvPicPr>
+        <p:blipFill>
+          <a:blip r:embed="rId2"/>
+          <a:stretch>
+            <a:fillRect/>
+          </a:stretch>
+        </p:blipFill>
+        <p:spPr>
+          <a:xfrm>
+            <a:off x="8600266" y="4111917"/>
+            <a:ext cx="3324255" cy="996594"/>
+          </a:xfrm>
+          <a:prstGeom prst="rect">
+            <a:avLst/>
+          </a:prstGeom>
+        </p:spPr>
+      </p:pic>
+      <p:sp>
+        <p:nvSpPr>
+          <p:cNvPr id="4" name="Title 1">
+            <a:extLst>
+              <a:ext uri="{FF2B5EF4-FFF2-40B4-BE49-F238E27FC236}">
+                <a16:creationId xmlns:a16="http://schemas.microsoft.com/office/drawing/2014/main" id="{784859C9-A95E-7C18-D154-93A7A6C50E9A}"/>
+              </a:ext>
+            </a:extLst>
+          </p:cNvPr>
+          <p:cNvSpPr txBox="1">
+            <a:spLocks/>
+          </p:cNvSpPr>
+          <p:nvPr/>
+        </p:nvSpPr>
+        <p:spPr>
+          <a:xfrm>
+            <a:off x="292558" y="161923"/>
+            <a:ext cx="7694282" cy="656493"/>
+          </a:xfrm>
+          <a:prstGeom prst="rect">
+            <a:avLst/>
+          </a:prstGeom>
+        </p:spPr>
+        <p:txBody>
+          <a:bodyPr/>
+          <a:lstStyle>
+            <a:lvl1pPr algn="l" defTabSz="914400" rtl="0" eaLnBrk="1" latinLnBrk="0" hangingPunct="1">
+              <a:lnSpc>
+                <a:spcPct val="90000"/>
+              </a:lnSpc>
+              <a:spcBef>
+                <a:spcPct val="0"/>
+              </a:spcBef>
+              <a:buNone/>
+              <a:defRPr sz="2800" b="1" kern="1200">
+                <a:solidFill>
+                  <a:schemeClr val="tx1"/>
+                </a:solidFill>
+                <a:latin typeface="Helvetica" pitchFamily="2" charset="0"/>
+                <a:ea typeface="+mj-ea"/>
+                <a:cs typeface="+mj-cs"/>
+              </a:defRPr>
+            </a:lvl1pPr>
+          </a:lstStyle>
+          <a:p>
+            <a:r>
+              <a:rPr lang="en-US" u="sng" dirty="0">
+                <a:latin typeface="Times New Roman" panose="02020603050405020304" pitchFamily="18" charset="0"/>
+                <a:cs typeface="Times New Roman" panose="02020603050405020304" pitchFamily="18" charset="0"/>
+              </a:rPr>
+              <a:t>Installing new reference genomes in IGV</a:t>
+            </a:r>
+          </a:p>
+        </p:txBody>
+      </p:sp>
+      <p:sp>
+        <p:nvSpPr>
+          <p:cNvPr id="5" name="TextBox 4">
+            <a:extLst>
+              <a:ext uri="{FF2B5EF4-FFF2-40B4-BE49-F238E27FC236}">
+                <a16:creationId xmlns:a16="http://schemas.microsoft.com/office/drawing/2014/main" id="{80A797C0-2C43-6168-10D2-4875436AD0DF}"/>
+              </a:ext>
+            </a:extLst>
+          </p:cNvPr>
+          <p:cNvSpPr txBox="1"/>
+          <p:nvPr/>
+        </p:nvSpPr>
+        <p:spPr>
+          <a:xfrm>
+            <a:off x="718457" y="746449"/>
+            <a:ext cx="7343192" cy="4524315"/>
+          </a:xfrm>
+          <a:prstGeom prst="rect">
+            <a:avLst/>
+          </a:prstGeom>
+          <a:noFill/>
+        </p:spPr>
+        <p:txBody>
+          <a:bodyPr wrap="square" rtlCol="0">
+            <a:spAutoFit/>
+          </a:bodyPr>
+          <a:lstStyle/>
+          <a:p>
+            <a:pPr marL="285750" indent="-285750">
+              <a:buFont typeface="Arial" panose="020B0604020202020204" pitchFamily="34" charset="0"/>
+              <a:buChar char="•"/>
+            </a:pPr>
+            <a:r>
+              <a:rPr lang="en-US" dirty="0"/>
+              <a:t>Recall that reference genomes are very large files which contain FASTA format versions of the consensus of many samples of the same organism.</a:t>
+            </a:r>
+          </a:p>
+          <a:p>
+            <a:pPr marL="742950" lvl="1" indent="-285750">
+              <a:buFont typeface="Arial" panose="020B0604020202020204" pitchFamily="34" charset="0"/>
+              <a:buChar char="•"/>
+            </a:pPr>
+            <a:r>
+              <a:rPr lang="en-US" dirty="0"/>
+              <a:t>The most commonly used version of the human reference genome is called GRCh38, which was the </a:t>
+            </a:r>
+            <a:r>
+              <a:rPr lang="en-US" dirty="0" err="1"/>
+              <a:t>co-ordinated</a:t>
+            </a:r>
+            <a:r>
+              <a:rPr lang="en-US" dirty="0"/>
+              <a:t> result (by the Genome Reference Consortium) of many different studies including</a:t>
+            </a:r>
+          </a:p>
+          <a:p>
+            <a:pPr marL="1200150" lvl="2" indent="-285750">
+              <a:buFont typeface="Arial" panose="020B0604020202020204" pitchFamily="34" charset="0"/>
+              <a:buChar char="•"/>
+            </a:pPr>
+            <a:r>
+              <a:rPr lang="en-US" dirty="0"/>
+              <a:t>1000 Genomes Project</a:t>
+            </a:r>
+          </a:p>
+          <a:p>
+            <a:pPr marL="1200150" lvl="2" indent="-285750">
+              <a:buFont typeface="Arial" panose="020B0604020202020204" pitchFamily="34" charset="0"/>
+              <a:buChar char="•"/>
+            </a:pPr>
+            <a:endParaRPr lang="en-US" dirty="0"/>
+          </a:p>
+          <a:p>
+            <a:pPr marL="742950" lvl="1" indent="-285750">
+              <a:buFont typeface="Arial" panose="020B0604020202020204" pitchFamily="34" charset="0"/>
+              <a:buChar char="•"/>
+            </a:pPr>
+            <a:r>
+              <a:rPr lang="en-US" dirty="0"/>
+              <a:t>GRCh38 was released in December of 2013.</a:t>
+            </a:r>
+          </a:p>
+          <a:p>
+            <a:pPr marL="1200150" lvl="2" indent="-285750">
+              <a:buFont typeface="Arial" panose="020B0604020202020204" pitchFamily="34" charset="0"/>
+              <a:buChar char="•"/>
+            </a:pPr>
+            <a:r>
+              <a:rPr lang="en-US" dirty="0"/>
+              <a:t>Most recent </a:t>
+            </a:r>
+            <a:r>
+              <a:rPr lang="en-US" i="1" dirty="0"/>
+              <a:t>version </a:t>
+            </a:r>
+            <a:r>
+              <a:rPr lang="en-US" dirty="0"/>
+              <a:t>February 2022</a:t>
+            </a:r>
+          </a:p>
+          <a:p>
+            <a:pPr marL="1657350" lvl="3" indent="-285750">
+              <a:buFont typeface="Arial" panose="020B0604020202020204" pitchFamily="34" charset="0"/>
+              <a:buChar char="•"/>
+            </a:pPr>
+            <a:r>
+              <a:rPr lang="en-US" i="1" dirty="0"/>
+              <a:t>Gapless except chromosome Y.</a:t>
+            </a:r>
+            <a:endParaRPr lang="en-US" dirty="0"/>
+          </a:p>
+          <a:p>
+            <a:pPr marL="742950" lvl="1" indent="-285750">
+              <a:buFont typeface="Arial" panose="020B0604020202020204" pitchFamily="34" charset="0"/>
+              <a:buChar char="•"/>
+            </a:pPr>
+            <a:endParaRPr lang="en-US" i="1" dirty="0"/>
+          </a:p>
+          <a:p>
+            <a:pPr marL="742950" lvl="1" indent="-285750">
+              <a:buFont typeface="Arial" panose="020B0604020202020204" pitchFamily="34" charset="0"/>
+              <a:buChar char="•"/>
+            </a:pPr>
+            <a:r>
+              <a:rPr lang="en-US" dirty="0"/>
+              <a:t>Many different references available for download!</a:t>
+            </a:r>
+          </a:p>
+          <a:p>
+            <a:pPr lvl="1"/>
+            <a:endParaRPr lang="en-US" dirty="0"/>
+          </a:p>
+          <a:p>
+            <a:pPr marL="742950" lvl="1" indent="-285750">
+              <a:buFont typeface="Arial" panose="020B0604020202020204" pitchFamily="34" charset="0"/>
+              <a:buChar char="•"/>
+            </a:pPr>
+            <a:r>
+              <a:rPr lang="en-US" dirty="0"/>
+              <a:t>Can also install directly from downloaded or </a:t>
+            </a:r>
+          </a:p>
+          <a:p>
+            <a:pPr lvl="1"/>
+            <a:r>
+              <a:rPr lang="en-US" dirty="0"/>
+              <a:t>Manually assembled FASTA reference file.</a:t>
+            </a:r>
+          </a:p>
+          <a:p>
+            <a:pPr marL="1200150" lvl="2" indent="-285750">
+              <a:buFont typeface="Arial" panose="020B0604020202020204" pitchFamily="34" charset="0"/>
+              <a:buChar char="•"/>
+            </a:pPr>
+            <a:endParaRPr lang="en-US" dirty="0"/>
+          </a:p>
+        </p:txBody>
+      </p:sp>
+      <p:pic>
+        <p:nvPicPr>
+          <p:cNvPr id="9" name="Picture 8">
+            <a:extLst>
+              <a:ext uri="{FF2B5EF4-FFF2-40B4-BE49-F238E27FC236}">
+                <a16:creationId xmlns:a16="http://schemas.microsoft.com/office/drawing/2014/main" id="{EF18EE5B-46A3-D0F2-28C8-8C19C3D36365}"/>
+              </a:ext>
+            </a:extLst>
+          </p:cNvPr>
+          <p:cNvPicPr>
+            <a:picLocks noChangeAspect="1"/>
+          </p:cNvPicPr>
+          <p:nvPr/>
+        </p:nvPicPr>
+        <p:blipFill>
+          <a:blip r:embed="rId3"/>
+          <a:stretch>
+            <a:fillRect/>
+          </a:stretch>
+        </p:blipFill>
+        <p:spPr>
+          <a:xfrm>
+            <a:off x="8230384" y="623534"/>
+            <a:ext cx="3544848" cy="2277154"/>
+          </a:xfrm>
+          <a:prstGeom prst="rect">
+            <a:avLst/>
+          </a:prstGeom>
+        </p:spPr>
+      </p:pic>
+      <p:pic>
+        <p:nvPicPr>
+          <p:cNvPr id="11" name="Picture 10">
+            <a:extLst>
+              <a:ext uri="{FF2B5EF4-FFF2-40B4-BE49-F238E27FC236}">
+                <a16:creationId xmlns:a16="http://schemas.microsoft.com/office/drawing/2014/main" id="{E204503C-271C-DBA5-4E10-F65700B0BA7C}"/>
+              </a:ext>
+            </a:extLst>
+          </p:cNvPr>
+          <p:cNvPicPr>
+            <a:picLocks noChangeAspect="1"/>
+          </p:cNvPicPr>
+          <p:nvPr/>
+        </p:nvPicPr>
+        <p:blipFill>
+          <a:blip r:embed="rId4"/>
+          <a:stretch>
+            <a:fillRect/>
+          </a:stretch>
+        </p:blipFill>
+        <p:spPr>
+          <a:xfrm>
+            <a:off x="6203079" y="3379587"/>
+            <a:ext cx="2027305" cy="3058638"/>
+          </a:xfrm>
+          <a:prstGeom prst="rect">
+            <a:avLst/>
+          </a:prstGeom>
+        </p:spPr>
+      </p:pic>
+      <p:cxnSp>
+        <p:nvCxnSpPr>
+          <p:cNvPr id="13" name="Connector: Elbow 12">
+            <a:extLst>
+              <a:ext uri="{FF2B5EF4-FFF2-40B4-BE49-F238E27FC236}">
+                <a16:creationId xmlns:a16="http://schemas.microsoft.com/office/drawing/2014/main" id="{47FF0EB7-B507-20EB-E202-AF5878769F6D}"/>
+              </a:ext>
+            </a:extLst>
+          </p:cNvPr>
+          <p:cNvCxnSpPr>
+            <a:cxnSpLocks/>
+            <a:stCxn id="9" idx="2"/>
+          </p:cNvCxnSpPr>
+          <p:nvPr/>
+        </p:nvCxnSpPr>
+        <p:spPr>
+          <a:xfrm rot="5400000">
+            <a:off x="8588284" y="2542788"/>
+            <a:ext cx="1056625" cy="1772424"/>
+          </a:xfrm>
+          <a:prstGeom prst="bentConnector2">
+            <a:avLst/>
+          </a:prstGeom>
+          <a:ln>
+            <a:tailEnd type="triangle"/>
+          </a:ln>
+        </p:spPr>
+        <p:style>
+          <a:lnRef idx="1">
+            <a:schemeClr val="dk1"/>
+          </a:lnRef>
+          <a:fillRef idx="0">
+            <a:schemeClr val="dk1"/>
+          </a:fillRef>
+          <a:effectRef idx="0">
+            <a:schemeClr val="dk1"/>
+          </a:effectRef>
+          <a:fontRef idx="minor">
+            <a:schemeClr val="tx1"/>
+          </a:fontRef>
+        </p:style>
+      </p:cxnSp>
+      <p:cxnSp>
+        <p:nvCxnSpPr>
+          <p:cNvPr id="15" name="Connector: Elbow 14">
+            <a:extLst>
+              <a:ext uri="{FF2B5EF4-FFF2-40B4-BE49-F238E27FC236}">
+                <a16:creationId xmlns:a16="http://schemas.microsoft.com/office/drawing/2014/main" id="{CB2A6586-189C-FA51-F8C7-51B796E36368}"/>
+              </a:ext>
+            </a:extLst>
+          </p:cNvPr>
+          <p:cNvCxnSpPr>
+            <a:stCxn id="11" idx="3"/>
+            <a:endCxn id="3" idx="1"/>
+          </p:cNvCxnSpPr>
+          <p:nvPr/>
+        </p:nvCxnSpPr>
+        <p:spPr>
+          <a:xfrm flipV="1">
+            <a:off x="8230384" y="4610214"/>
+            <a:ext cx="369882" cy="298692"/>
+          </a:xfrm>
+          <a:prstGeom prst="bentConnector3">
+            <a:avLst/>
+          </a:prstGeom>
+          <a:ln>
+            <a:tailEnd type="triangle"/>
+          </a:ln>
+        </p:spPr>
+        <p:style>
+          <a:lnRef idx="1">
+            <a:schemeClr val="dk1"/>
+          </a:lnRef>
+          <a:fillRef idx="0">
+            <a:schemeClr val="dk1"/>
+          </a:fillRef>
+          <a:effectRef idx="0">
+            <a:schemeClr val="dk1"/>
+          </a:effectRef>
+          <a:fontRef idx="minor">
+            <a:schemeClr val="tx1"/>
+          </a:fontRef>
+        </p:style>
+      </p:cxnSp>
+      <p:pic>
+        <p:nvPicPr>
+          <p:cNvPr id="21" name="Picture 20">
+            <a:extLst>
+              <a:ext uri="{FF2B5EF4-FFF2-40B4-BE49-F238E27FC236}">
+                <a16:creationId xmlns:a16="http://schemas.microsoft.com/office/drawing/2014/main" id="{FE2C5FDC-A959-5902-02CD-16EE54126878}"/>
+              </a:ext>
+            </a:extLst>
+          </p:cNvPr>
+          <p:cNvPicPr>
+            <a:picLocks noChangeAspect="1"/>
+          </p:cNvPicPr>
+          <p:nvPr/>
+        </p:nvPicPr>
+        <p:blipFill rotWithShape="1">
+          <a:blip r:embed="rId5"/>
+          <a:srcRect l="2" r="77575" b="73878"/>
+          <a:stretch/>
+        </p:blipFill>
+        <p:spPr>
+          <a:xfrm>
+            <a:off x="1697128" y="4911296"/>
+            <a:ext cx="2862001" cy="1875441"/>
+          </a:xfrm>
+          <a:prstGeom prst="rect">
+            <a:avLst/>
+          </a:prstGeom>
+        </p:spPr>
+      </p:pic>
     </p:spTree>
     <p:extLst>
       <p:ext uri="{BB962C8B-B14F-4D97-AF65-F5344CB8AC3E}">
-        <p14:creationId xmlns:p14="http://schemas.microsoft.com/office/powerpoint/2010/main" val="831485370"/>
+        <p14:creationId xmlns:p14="http://schemas.microsoft.com/office/powerpoint/2010/main" val="964079248"/>
       </p:ext>
     </p:extLst>
   </p:cSld>
@@ -5071,7 +6820,7 @@
           <p:cNvPr id="2" name="Title 1">
             <a:extLst>
               <a:ext uri="{FF2B5EF4-FFF2-40B4-BE49-F238E27FC236}">
-                <a16:creationId xmlns:a16="http://schemas.microsoft.com/office/drawing/2014/main" id="{636FB483-8A01-854E-9BBE-55E0C355A79B}"/>
+                <a16:creationId xmlns:a16="http://schemas.microsoft.com/office/drawing/2014/main" id="{36B55410-3190-E71A-F240-86638FCDB899}"/>
               </a:ext>
             </a:extLst>
           </p:cNvPr>
@@ -5082,8 +6831,8 @@
         </p:nvSpPr>
         <p:spPr>
           <a:xfrm>
-            <a:off x="292557" y="283221"/>
-            <a:ext cx="10017369" cy="656493"/>
+            <a:off x="292557" y="29453"/>
+            <a:ext cx="11585311" cy="656493"/>
           </a:xfrm>
           <a:prstGeom prst="rect">
             <a:avLst/>
@@ -5112,15 +6861,957 @@
           </a:lstStyle>
           <a:p>
             <a:r>
-              <a:rPr lang="en-US" dirty="0" smtClean="0">
+              <a:rPr lang="en-US" u="sng" dirty="0">
                 <a:latin typeface="Times New Roman" panose="02020603050405020304" pitchFamily="18" charset="0"/>
                 <a:cs typeface="Times New Roman" panose="02020603050405020304" pitchFamily="18" charset="0"/>
               </a:rPr>
-              <a:t>References for Further Information and Practice </a:t>
-            </a:r>
-            <a:endParaRPr lang="en-US" dirty="0">
-              <a:latin typeface="Times New Roman" panose="02020603050405020304" pitchFamily="18" charset="0"/>
-              <a:cs typeface="Times New Roman" panose="02020603050405020304" pitchFamily="18" charset="0"/>
+              <a:t>Loading a Sequence Alignment Map File (aligned sequencing reads file)</a:t>
+            </a:r>
+          </a:p>
+        </p:txBody>
+      </p:sp>
+      <p:sp>
+        <p:nvSpPr>
+          <p:cNvPr id="4" name="TextBox 3">
+            <a:extLst>
+              <a:ext uri="{FF2B5EF4-FFF2-40B4-BE49-F238E27FC236}">
+                <a16:creationId xmlns:a16="http://schemas.microsoft.com/office/drawing/2014/main" id="{790DF33A-E431-C3DC-8182-A50F81830530}"/>
+              </a:ext>
+            </a:extLst>
+          </p:cNvPr>
+          <p:cNvSpPr txBox="1"/>
+          <p:nvPr/>
+        </p:nvSpPr>
+        <p:spPr>
+          <a:xfrm>
+            <a:off x="9067428" y="4371405"/>
+            <a:ext cx="2993943" cy="1384995"/>
+          </a:xfrm>
+          <a:prstGeom prst="rect">
+            <a:avLst/>
+          </a:prstGeom>
+          <a:noFill/>
+        </p:spPr>
+        <p:txBody>
+          <a:bodyPr wrap="square">
+            <a:spAutoFit/>
+          </a:bodyPr>
+          <a:lstStyle/>
+          <a:p>
+            <a:r>
+              <a:rPr lang="en-US" sz="1200" dirty="0">
+                <a:solidFill>
+                  <a:schemeClr val="bg1">
+                    <a:lumMod val="10000"/>
+                  </a:schemeClr>
+                </a:solidFill>
+              </a:rPr>
+              <a:t>Format Specification Images all defined in SAM format document, images from document available below, with more detail:</a:t>
+            </a:r>
+            <a:endParaRPr lang="en-US" sz="1200" dirty="0">
+              <a:solidFill>
+                <a:schemeClr val="bg1">
+                  <a:lumMod val="10000"/>
+                </a:schemeClr>
+              </a:solidFill>
+              <a:hlinkClick r:id="rId2">
+                <a:extLst>
+                  <a:ext uri="{A12FA001-AC4F-418D-AE19-62706E023703}">
+                    <ahyp:hlinkClr xmlns:ahyp="http://schemas.microsoft.com/office/drawing/2018/hyperlinkcolor" val="tx"/>
+                  </a:ext>
+                </a:extLst>
+              </a:hlinkClick>
+            </a:endParaRPr>
+          </a:p>
+          <a:p>
+            <a:endParaRPr lang="en-US" sz="1200" dirty="0">
+              <a:solidFill>
+                <a:srgbClr val="02A3D2"/>
+              </a:solidFill>
+              <a:hlinkClick r:id="rId2">
+                <a:extLst>
+                  <a:ext uri="{A12FA001-AC4F-418D-AE19-62706E023703}">
+                    <ahyp:hlinkClr xmlns:ahyp="http://schemas.microsoft.com/office/drawing/2018/hyperlinkcolor" val="tx"/>
+                  </a:ext>
+                </a:extLst>
+              </a:hlinkClick>
+            </a:endParaRPr>
+          </a:p>
+          <a:p>
+            <a:r>
+              <a:rPr lang="en-US" sz="1200" dirty="0">
+                <a:solidFill>
+                  <a:srgbClr val="02A3D2"/>
+                </a:solidFill>
+                <a:hlinkClick r:id="rId2">
+                  <a:extLst>
+                    <a:ext uri="{A12FA001-AC4F-418D-AE19-62706E023703}">
+                      <ahyp:hlinkClr xmlns:ahyp="http://schemas.microsoft.com/office/drawing/2018/hyperlinkcolor" val="tx"/>
+                    </a:ext>
+                  </a:extLst>
+                </a:hlinkClick>
+              </a:rPr>
+              <a:t>https://samtools.github.io/hts-specs/SAMv1.pdf</a:t>
+            </a:r>
+            <a:endParaRPr lang="en-US" sz="1200" dirty="0"/>
+          </a:p>
+          <a:p>
+            <a:r>
+              <a:rPr lang="en-US" sz="1200" dirty="0"/>
+              <a:t>(SAM Specification)</a:t>
+            </a:r>
+          </a:p>
+        </p:txBody>
+      </p:sp>
+      <p:pic>
+        <p:nvPicPr>
+          <p:cNvPr id="6" name="Picture 5">
+            <a:extLst>
+              <a:ext uri="{FF2B5EF4-FFF2-40B4-BE49-F238E27FC236}">
+                <a16:creationId xmlns:a16="http://schemas.microsoft.com/office/drawing/2014/main" id="{40C7163C-6CA3-0DBB-4A3F-B558FC593E48}"/>
+              </a:ext>
+            </a:extLst>
+          </p:cNvPr>
+          <p:cNvPicPr>
+            <a:picLocks noChangeAspect="1"/>
+          </p:cNvPicPr>
+          <p:nvPr/>
+        </p:nvPicPr>
+        <p:blipFill>
+          <a:blip r:embed="rId3"/>
+          <a:stretch>
+            <a:fillRect/>
+          </a:stretch>
+        </p:blipFill>
+        <p:spPr>
+          <a:xfrm>
+            <a:off x="8534387" y="3133220"/>
+            <a:ext cx="3617735" cy="1168431"/>
+          </a:xfrm>
+          <a:prstGeom prst="rect">
+            <a:avLst/>
+          </a:prstGeom>
+          <a:ln>
+            <a:solidFill>
+              <a:schemeClr val="bg1">
+                <a:lumMod val="10000"/>
+              </a:schemeClr>
+            </a:solidFill>
+          </a:ln>
+        </p:spPr>
+      </p:pic>
+      <p:pic>
+        <p:nvPicPr>
+          <p:cNvPr id="8" name="Picture 7">
+            <a:extLst>
+              <a:ext uri="{FF2B5EF4-FFF2-40B4-BE49-F238E27FC236}">
+                <a16:creationId xmlns:a16="http://schemas.microsoft.com/office/drawing/2014/main" id="{FB619C78-B617-10ED-E5D5-20AC36EB822E}"/>
+              </a:ext>
+            </a:extLst>
+          </p:cNvPr>
+          <p:cNvPicPr>
+            <a:picLocks noChangeAspect="1"/>
+          </p:cNvPicPr>
+          <p:nvPr/>
+        </p:nvPicPr>
+        <p:blipFill>
+          <a:blip r:embed="rId4"/>
+          <a:stretch>
+            <a:fillRect/>
+          </a:stretch>
+        </p:blipFill>
+        <p:spPr>
+          <a:xfrm>
+            <a:off x="110949" y="2565039"/>
+            <a:ext cx="4754415" cy="1403627"/>
+          </a:xfrm>
+          <a:prstGeom prst="rect">
+            <a:avLst/>
+          </a:prstGeom>
+        </p:spPr>
+      </p:pic>
+      <p:pic>
+        <p:nvPicPr>
+          <p:cNvPr id="10" name="Picture 9">
+            <a:extLst>
+              <a:ext uri="{FF2B5EF4-FFF2-40B4-BE49-F238E27FC236}">
+                <a16:creationId xmlns:a16="http://schemas.microsoft.com/office/drawing/2014/main" id="{371798EC-1AAC-15C0-F5B3-A4932F63D11D}"/>
+              </a:ext>
+            </a:extLst>
+          </p:cNvPr>
+          <p:cNvPicPr>
+            <a:picLocks noChangeAspect="1"/>
+          </p:cNvPicPr>
+          <p:nvPr/>
+        </p:nvPicPr>
+        <p:blipFill>
+          <a:blip r:embed="rId5"/>
+          <a:stretch>
+            <a:fillRect/>
+          </a:stretch>
+        </p:blipFill>
+        <p:spPr>
+          <a:xfrm>
+            <a:off x="6850554" y="1320003"/>
+            <a:ext cx="4570115" cy="1168430"/>
+          </a:xfrm>
+          <a:prstGeom prst="rect">
+            <a:avLst/>
+          </a:prstGeom>
+          <a:ln>
+            <a:solidFill>
+              <a:schemeClr val="accent4"/>
+            </a:solidFill>
+          </a:ln>
+        </p:spPr>
+      </p:pic>
+      <p:sp>
+        <p:nvSpPr>
+          <p:cNvPr id="11" name="TextBox 10">
+            <a:extLst>
+              <a:ext uri="{FF2B5EF4-FFF2-40B4-BE49-F238E27FC236}">
+                <a16:creationId xmlns:a16="http://schemas.microsoft.com/office/drawing/2014/main" id="{521F4BE9-3EF3-BE6E-1118-2545B1687336}"/>
+              </a:ext>
+            </a:extLst>
+          </p:cNvPr>
+          <p:cNvSpPr txBox="1"/>
+          <p:nvPr/>
+        </p:nvSpPr>
+        <p:spPr>
+          <a:xfrm>
+            <a:off x="111967" y="2158579"/>
+            <a:ext cx="5682343" cy="369332"/>
+          </a:xfrm>
+          <a:prstGeom prst="rect">
+            <a:avLst/>
+          </a:prstGeom>
+          <a:noFill/>
+        </p:spPr>
+        <p:txBody>
+          <a:bodyPr wrap="square" rtlCol="0">
+            <a:spAutoFit/>
+          </a:bodyPr>
+          <a:lstStyle/>
+          <a:p>
+            <a:r>
+              <a:rPr lang="en-US" dirty="0"/>
+              <a:t>Example Queries and Reference (input reads to aligner)</a:t>
+            </a:r>
+          </a:p>
+        </p:txBody>
+      </p:sp>
+      <p:sp>
+        <p:nvSpPr>
+          <p:cNvPr id="12" name="TextBox 11">
+            <a:extLst>
+              <a:ext uri="{FF2B5EF4-FFF2-40B4-BE49-F238E27FC236}">
+                <a16:creationId xmlns:a16="http://schemas.microsoft.com/office/drawing/2014/main" id="{5C500AE2-CFC2-84AB-CA1B-6BA1B2598592}"/>
+              </a:ext>
+            </a:extLst>
+          </p:cNvPr>
+          <p:cNvSpPr txBox="1"/>
+          <p:nvPr/>
+        </p:nvSpPr>
+        <p:spPr>
+          <a:xfrm>
+            <a:off x="7376112" y="884543"/>
+            <a:ext cx="3518998" cy="369332"/>
+          </a:xfrm>
+          <a:prstGeom prst="rect">
+            <a:avLst/>
+          </a:prstGeom>
+          <a:noFill/>
+        </p:spPr>
+        <p:txBody>
+          <a:bodyPr wrap="square" rtlCol="0">
+            <a:spAutoFit/>
+          </a:bodyPr>
+          <a:lstStyle/>
+          <a:p>
+            <a:r>
+              <a:rPr lang="en-US" dirty="0"/>
+              <a:t>Example SAM output (input to </a:t>
+            </a:r>
+            <a:r>
+              <a:rPr lang="en-US" dirty="0" err="1"/>
+              <a:t>igv</a:t>
+            </a:r>
+            <a:r>
+              <a:rPr lang="en-US" dirty="0"/>
+              <a:t>)</a:t>
+            </a:r>
+          </a:p>
+        </p:txBody>
+      </p:sp>
+      <p:cxnSp>
+        <p:nvCxnSpPr>
+          <p:cNvPr id="14" name="Connector: Elbow 13">
+            <a:extLst>
+              <a:ext uri="{FF2B5EF4-FFF2-40B4-BE49-F238E27FC236}">
+                <a16:creationId xmlns:a16="http://schemas.microsoft.com/office/drawing/2014/main" id="{DBA1FA96-9650-CFE1-9436-B6D03EECABF3}"/>
+              </a:ext>
+            </a:extLst>
+          </p:cNvPr>
+          <p:cNvCxnSpPr>
+            <a:cxnSpLocks/>
+            <a:stCxn id="8" idx="3"/>
+            <a:endCxn id="10" idx="1"/>
+          </p:cNvCxnSpPr>
+          <p:nvPr/>
+        </p:nvCxnSpPr>
+        <p:spPr>
+          <a:xfrm flipV="1">
+            <a:off x="4865364" y="1904218"/>
+            <a:ext cx="1985190" cy="1362635"/>
+          </a:xfrm>
+          <a:prstGeom prst="bentConnector3">
+            <a:avLst>
+              <a:gd name="adj1" fmla="val 32140"/>
+            </a:avLst>
+          </a:prstGeom>
+          <a:ln>
+            <a:solidFill>
+              <a:schemeClr val="accent4"/>
+            </a:solidFill>
+            <a:tailEnd type="triangle"/>
+          </a:ln>
+        </p:spPr>
+        <p:style>
+          <a:lnRef idx="1">
+            <a:schemeClr val="dk1"/>
+          </a:lnRef>
+          <a:fillRef idx="0">
+            <a:schemeClr val="dk1"/>
+          </a:fillRef>
+          <a:effectRef idx="0">
+            <a:schemeClr val="dk1"/>
+          </a:effectRef>
+          <a:fontRef idx="minor">
+            <a:schemeClr val="tx1"/>
+          </a:fontRef>
+        </p:style>
+      </p:cxnSp>
+      <p:sp>
+        <p:nvSpPr>
+          <p:cNvPr id="15" name="TextBox 14">
+            <a:extLst>
+              <a:ext uri="{FF2B5EF4-FFF2-40B4-BE49-F238E27FC236}">
+                <a16:creationId xmlns:a16="http://schemas.microsoft.com/office/drawing/2014/main" id="{8564211A-AC3E-E364-12B1-29CA856A5E77}"/>
+              </a:ext>
+            </a:extLst>
+          </p:cNvPr>
+          <p:cNvSpPr txBox="1"/>
+          <p:nvPr/>
+        </p:nvSpPr>
+        <p:spPr>
+          <a:xfrm>
+            <a:off x="5485809" y="1933762"/>
+            <a:ext cx="1824135" cy="1169551"/>
+          </a:xfrm>
+          <a:prstGeom prst="rect">
+            <a:avLst/>
+          </a:prstGeom>
+          <a:noFill/>
+        </p:spPr>
+        <p:txBody>
+          <a:bodyPr wrap="square" rtlCol="0">
+            <a:spAutoFit/>
+          </a:bodyPr>
+          <a:lstStyle/>
+          <a:p>
+            <a:r>
+              <a:rPr lang="en-US" sz="1400" dirty="0">
+                <a:solidFill>
+                  <a:schemeClr val="accent4"/>
+                </a:solidFill>
+              </a:rPr>
+              <a:t>Alignment tool: </a:t>
+            </a:r>
+          </a:p>
+          <a:p>
+            <a:pPr marL="285750" indent="-285750">
+              <a:buFont typeface="Arial" panose="020B0604020202020204" pitchFamily="34" charset="0"/>
+              <a:buChar char="•"/>
+            </a:pPr>
+            <a:r>
+              <a:rPr lang="en-US" sz="1400" dirty="0">
+                <a:solidFill>
+                  <a:schemeClr val="accent4"/>
+                </a:solidFill>
+              </a:rPr>
+              <a:t>HISAT2</a:t>
+            </a:r>
+          </a:p>
+          <a:p>
+            <a:pPr marL="285750" indent="-285750">
+              <a:buFont typeface="Arial" panose="020B0604020202020204" pitchFamily="34" charset="0"/>
+              <a:buChar char="•"/>
+            </a:pPr>
+            <a:r>
+              <a:rPr lang="en-US" sz="1400" dirty="0">
+                <a:solidFill>
+                  <a:schemeClr val="accent4"/>
+                </a:solidFill>
+              </a:rPr>
+              <a:t>Bowtie</a:t>
+            </a:r>
+          </a:p>
+          <a:p>
+            <a:pPr marL="285750" indent="-285750">
+              <a:buFont typeface="Arial" panose="020B0604020202020204" pitchFamily="34" charset="0"/>
+              <a:buChar char="•"/>
+            </a:pPr>
+            <a:r>
+              <a:rPr lang="en-US" sz="1400" dirty="0">
+                <a:solidFill>
+                  <a:schemeClr val="accent4"/>
+                </a:solidFill>
+              </a:rPr>
+              <a:t>BWT</a:t>
+            </a:r>
+          </a:p>
+          <a:p>
+            <a:pPr marL="285750" indent="-285750">
+              <a:buFont typeface="Arial" panose="020B0604020202020204" pitchFamily="34" charset="0"/>
+              <a:buChar char="•"/>
+            </a:pPr>
+            <a:r>
+              <a:rPr lang="en-US" sz="1400" dirty="0">
+                <a:solidFill>
+                  <a:schemeClr val="accent4"/>
+                </a:solidFill>
+              </a:rPr>
+              <a:t>STAR</a:t>
+            </a:r>
+          </a:p>
+        </p:txBody>
+      </p:sp>
+      <p:sp>
+        <p:nvSpPr>
+          <p:cNvPr id="16" name="TextBox 15">
+            <a:extLst>
+              <a:ext uri="{FF2B5EF4-FFF2-40B4-BE49-F238E27FC236}">
+                <a16:creationId xmlns:a16="http://schemas.microsoft.com/office/drawing/2014/main" id="{CF3EC2AC-C3AB-0ECE-DFC0-A00748C47DA8}"/>
+              </a:ext>
+            </a:extLst>
+          </p:cNvPr>
+          <p:cNvSpPr txBox="1"/>
+          <p:nvPr/>
+        </p:nvSpPr>
+        <p:spPr>
+          <a:xfrm>
+            <a:off x="10720009" y="2808535"/>
+            <a:ext cx="1513868" cy="369332"/>
+          </a:xfrm>
+          <a:prstGeom prst="rect">
+            <a:avLst/>
+          </a:prstGeom>
+          <a:noFill/>
+        </p:spPr>
+        <p:txBody>
+          <a:bodyPr wrap="square" rtlCol="0">
+            <a:spAutoFit/>
+          </a:bodyPr>
+          <a:lstStyle/>
+          <a:p>
+            <a:r>
+              <a:rPr lang="en-US" dirty="0"/>
+              <a:t>Fields of SAM</a:t>
+            </a:r>
+          </a:p>
+        </p:txBody>
+      </p:sp>
+      <p:pic>
+        <p:nvPicPr>
+          <p:cNvPr id="18" name="Picture 17">
+            <a:extLst>
+              <a:ext uri="{FF2B5EF4-FFF2-40B4-BE49-F238E27FC236}">
+                <a16:creationId xmlns:a16="http://schemas.microsoft.com/office/drawing/2014/main" id="{EC2581C0-543E-686B-C792-C71D8D0B17E6}"/>
+              </a:ext>
+            </a:extLst>
+          </p:cNvPr>
+          <p:cNvPicPr>
+            <a:picLocks noChangeAspect="1"/>
+          </p:cNvPicPr>
+          <p:nvPr/>
+        </p:nvPicPr>
+        <p:blipFill>
+          <a:blip r:embed="rId6"/>
+          <a:stretch>
+            <a:fillRect/>
+          </a:stretch>
+        </p:blipFill>
+        <p:spPr>
+          <a:xfrm>
+            <a:off x="5640084" y="3784620"/>
+            <a:ext cx="2865680" cy="2499924"/>
+          </a:xfrm>
+          <a:prstGeom prst="rect">
+            <a:avLst/>
+          </a:prstGeom>
+          <a:ln>
+            <a:solidFill>
+              <a:schemeClr val="accent1"/>
+            </a:solidFill>
+          </a:ln>
+        </p:spPr>
+      </p:pic>
+      <p:sp>
+        <p:nvSpPr>
+          <p:cNvPr id="25" name="TextBox 24">
+            <a:extLst>
+              <a:ext uri="{FF2B5EF4-FFF2-40B4-BE49-F238E27FC236}">
+                <a16:creationId xmlns:a16="http://schemas.microsoft.com/office/drawing/2014/main" id="{A3632361-AAD2-4432-F398-8046E1061711}"/>
+              </a:ext>
+            </a:extLst>
+          </p:cNvPr>
+          <p:cNvSpPr txBox="1"/>
+          <p:nvPr/>
+        </p:nvSpPr>
+        <p:spPr>
+          <a:xfrm>
+            <a:off x="5071187" y="6316145"/>
+            <a:ext cx="3088433" cy="369332"/>
+          </a:xfrm>
+          <a:prstGeom prst="rect">
+            <a:avLst/>
+          </a:prstGeom>
+          <a:noFill/>
+        </p:spPr>
+        <p:txBody>
+          <a:bodyPr wrap="square" rtlCol="0">
+            <a:spAutoFit/>
+          </a:bodyPr>
+          <a:lstStyle/>
+          <a:p>
+            <a:r>
+              <a:rPr lang="en-US" dirty="0"/>
+              <a:t>BAM – Binary Encoding of SAM</a:t>
+            </a:r>
+          </a:p>
+        </p:txBody>
+      </p:sp>
+      <p:pic>
+        <p:nvPicPr>
+          <p:cNvPr id="27" name="Picture 26">
+            <a:extLst>
+              <a:ext uri="{FF2B5EF4-FFF2-40B4-BE49-F238E27FC236}">
+                <a16:creationId xmlns:a16="http://schemas.microsoft.com/office/drawing/2014/main" id="{B8564B7E-8AEC-029D-224E-0E2234D0AF96}"/>
+              </a:ext>
+            </a:extLst>
+          </p:cNvPr>
+          <p:cNvPicPr>
+            <a:picLocks noChangeAspect="1"/>
+          </p:cNvPicPr>
+          <p:nvPr/>
+        </p:nvPicPr>
+        <p:blipFill>
+          <a:blip r:embed="rId7"/>
+          <a:stretch>
+            <a:fillRect/>
+          </a:stretch>
+        </p:blipFill>
+        <p:spPr>
+          <a:xfrm>
+            <a:off x="111967" y="4008176"/>
+            <a:ext cx="2907165" cy="2108718"/>
+          </a:xfrm>
+          <a:prstGeom prst="rect">
+            <a:avLst/>
+          </a:prstGeom>
+          <a:ln>
+            <a:solidFill>
+              <a:schemeClr val="accent5"/>
+            </a:solidFill>
+          </a:ln>
+        </p:spPr>
+      </p:pic>
+      <p:cxnSp>
+        <p:nvCxnSpPr>
+          <p:cNvPr id="29" name="Straight Arrow Connector 28">
+            <a:extLst>
+              <a:ext uri="{FF2B5EF4-FFF2-40B4-BE49-F238E27FC236}">
+                <a16:creationId xmlns:a16="http://schemas.microsoft.com/office/drawing/2014/main" id="{F6E3FBB1-6622-0DB0-8558-332BF87EC049}"/>
+              </a:ext>
+            </a:extLst>
+          </p:cNvPr>
+          <p:cNvCxnSpPr>
+            <a:cxnSpLocks/>
+            <a:stCxn id="18" idx="1"/>
+            <a:endCxn id="27" idx="3"/>
+          </p:cNvCxnSpPr>
+          <p:nvPr/>
+        </p:nvCxnSpPr>
+        <p:spPr>
+          <a:xfrm flipH="1">
+            <a:off x="3019132" y="5034582"/>
+            <a:ext cx="2620952" cy="27953"/>
+          </a:xfrm>
+          <a:prstGeom prst="straightConnector1">
+            <a:avLst/>
+          </a:prstGeom>
+          <a:ln>
+            <a:tailEnd type="triangle"/>
+          </a:ln>
+        </p:spPr>
+        <p:style>
+          <a:lnRef idx="1">
+            <a:schemeClr val="accent5"/>
+          </a:lnRef>
+          <a:fillRef idx="0">
+            <a:schemeClr val="accent5"/>
+          </a:fillRef>
+          <a:effectRef idx="0">
+            <a:schemeClr val="accent5"/>
+          </a:effectRef>
+          <a:fontRef idx="minor">
+            <a:schemeClr val="tx1"/>
+          </a:fontRef>
+        </p:style>
+      </p:cxnSp>
+      <p:sp>
+        <p:nvSpPr>
+          <p:cNvPr id="30" name="Oval 29">
+            <a:extLst>
+              <a:ext uri="{FF2B5EF4-FFF2-40B4-BE49-F238E27FC236}">
+                <a16:creationId xmlns:a16="http://schemas.microsoft.com/office/drawing/2014/main" id="{AB2337EC-C9E7-F213-F1C2-837F11E94728}"/>
+              </a:ext>
+            </a:extLst>
+          </p:cNvPr>
+          <p:cNvSpPr/>
+          <p:nvPr/>
+        </p:nvSpPr>
+        <p:spPr>
+          <a:xfrm>
+            <a:off x="63410" y="648623"/>
+            <a:ext cx="5592147" cy="1472633"/>
+          </a:xfrm>
+          <a:prstGeom prst="ellipse">
+            <a:avLst/>
+          </a:prstGeom>
+        </p:spPr>
+        <p:style>
+          <a:lnRef idx="2">
+            <a:schemeClr val="accent1">
+              <a:shade val="50000"/>
+            </a:schemeClr>
+          </a:lnRef>
+          <a:fillRef idx="1">
+            <a:schemeClr val="accent1"/>
+          </a:fillRef>
+          <a:effectRef idx="0">
+            <a:schemeClr val="accent1"/>
+          </a:effectRef>
+          <a:fontRef idx="minor">
+            <a:schemeClr val="lt1"/>
+          </a:fontRef>
+        </p:style>
+        <p:txBody>
+          <a:bodyPr rtlCol="0" anchor="ctr"/>
+          <a:lstStyle/>
+          <a:p>
+            <a:pPr algn="ctr"/>
+            <a:r>
+              <a:rPr lang="en-US" dirty="0"/>
+              <a:t>Two Result Files necessary for display:</a:t>
+            </a:r>
+          </a:p>
+          <a:p>
+            <a:pPr marL="342900" indent="-342900" algn="ctr">
+              <a:buFont typeface="+mj-lt"/>
+              <a:buAutoNum type="arabicPeriod"/>
+            </a:pPr>
+            <a:r>
+              <a:rPr lang="en-US" dirty="0"/>
+              <a:t>Binary Alignment Map (.bam)</a:t>
+            </a:r>
+          </a:p>
+          <a:p>
+            <a:pPr marL="342900" indent="-342900" algn="ctr">
+              <a:buFont typeface="+mj-lt"/>
+              <a:buAutoNum type="arabicPeriod"/>
+            </a:pPr>
+            <a:r>
+              <a:rPr lang="en-US" dirty="0"/>
+              <a:t>Binary Alignment Index (.bai)</a:t>
+            </a:r>
+          </a:p>
+        </p:txBody>
+      </p:sp>
+      <p:sp>
+        <p:nvSpPr>
+          <p:cNvPr id="31" name="TextBox 30">
+            <a:extLst>
+              <a:ext uri="{FF2B5EF4-FFF2-40B4-BE49-F238E27FC236}">
+                <a16:creationId xmlns:a16="http://schemas.microsoft.com/office/drawing/2014/main" id="{558F246A-F54B-E6F4-9D49-B6B93C6E3DE7}"/>
+              </a:ext>
+            </a:extLst>
+          </p:cNvPr>
+          <p:cNvSpPr txBox="1"/>
+          <p:nvPr/>
+        </p:nvSpPr>
+        <p:spPr>
+          <a:xfrm>
+            <a:off x="109674" y="6093477"/>
+            <a:ext cx="3088433" cy="369332"/>
+          </a:xfrm>
+          <a:prstGeom prst="rect">
+            <a:avLst/>
+          </a:prstGeom>
+          <a:noFill/>
+        </p:spPr>
+        <p:txBody>
+          <a:bodyPr wrap="square" rtlCol="0">
+            <a:spAutoFit/>
+          </a:bodyPr>
+          <a:lstStyle/>
+          <a:p>
+            <a:r>
+              <a:rPr lang="en-US" dirty="0"/>
+              <a:t>BAI – Binary Alignment Index</a:t>
+            </a:r>
+          </a:p>
+        </p:txBody>
+      </p:sp>
+      <p:sp>
+        <p:nvSpPr>
+          <p:cNvPr id="32" name="TextBox 31">
+            <a:extLst>
+              <a:ext uri="{FF2B5EF4-FFF2-40B4-BE49-F238E27FC236}">
+                <a16:creationId xmlns:a16="http://schemas.microsoft.com/office/drawing/2014/main" id="{C99599C3-2FBC-DDA7-ACA9-066587FF7F0B}"/>
+              </a:ext>
+            </a:extLst>
+          </p:cNvPr>
+          <p:cNvSpPr txBox="1"/>
+          <p:nvPr/>
+        </p:nvSpPr>
+        <p:spPr>
+          <a:xfrm>
+            <a:off x="7044301" y="2853182"/>
+            <a:ext cx="3722705" cy="307777"/>
+          </a:xfrm>
+          <a:prstGeom prst="rect">
+            <a:avLst/>
+          </a:prstGeom>
+          <a:noFill/>
+        </p:spPr>
+        <p:txBody>
+          <a:bodyPr wrap="square" rtlCol="0">
+            <a:spAutoFit/>
+          </a:bodyPr>
+          <a:lstStyle/>
+          <a:p>
+            <a:r>
+              <a:rPr lang="en-US" sz="1400" dirty="0" err="1">
+                <a:solidFill>
+                  <a:schemeClr val="tx2"/>
+                </a:solidFill>
+                <a:latin typeface="Courier New" panose="02070309020205020404" pitchFamily="49" charset="0"/>
+                <a:cs typeface="Courier New" panose="02070309020205020404" pitchFamily="49" charset="0"/>
+              </a:rPr>
+              <a:t>samtools</a:t>
+            </a:r>
+            <a:r>
+              <a:rPr lang="en-US" sz="1400" dirty="0">
+                <a:solidFill>
+                  <a:schemeClr val="tx2"/>
+                </a:solidFill>
+                <a:latin typeface="Courier New" panose="02070309020205020404" pitchFamily="49" charset="0"/>
+                <a:cs typeface="Courier New" panose="02070309020205020404" pitchFamily="49" charset="0"/>
+              </a:rPr>
+              <a:t> view </a:t>
+            </a:r>
+            <a:r>
+              <a:rPr lang="en-US" sz="1400" dirty="0" err="1">
+                <a:solidFill>
+                  <a:schemeClr val="tx2"/>
+                </a:solidFill>
+                <a:latin typeface="Courier New" panose="02070309020205020404" pitchFamily="49" charset="0"/>
+                <a:cs typeface="Courier New" panose="02070309020205020404" pitchFamily="49" charset="0"/>
+              </a:rPr>
+              <a:t>file.sam</a:t>
+            </a:r>
+            <a:r>
+              <a:rPr lang="en-US" sz="1400" dirty="0">
+                <a:solidFill>
+                  <a:schemeClr val="tx2"/>
+                </a:solidFill>
+                <a:latin typeface="Courier New" panose="02070309020205020404" pitchFamily="49" charset="0"/>
+                <a:cs typeface="Courier New" panose="02070309020205020404" pitchFamily="49" charset="0"/>
+              </a:rPr>
+              <a:t> &gt; </a:t>
+            </a:r>
+            <a:r>
+              <a:rPr lang="en-US" sz="1400" dirty="0" err="1">
+                <a:solidFill>
+                  <a:schemeClr val="tx2"/>
+                </a:solidFill>
+                <a:latin typeface="Courier New" panose="02070309020205020404" pitchFamily="49" charset="0"/>
+                <a:cs typeface="Courier New" panose="02070309020205020404" pitchFamily="49" charset="0"/>
+              </a:rPr>
+              <a:t>file.bam</a:t>
+            </a:r>
+            <a:endParaRPr lang="en-US" sz="1400" dirty="0">
+              <a:solidFill>
+                <a:schemeClr val="tx2"/>
+              </a:solidFill>
+              <a:latin typeface="Courier New" panose="02070309020205020404" pitchFamily="49" charset="0"/>
+              <a:cs typeface="Courier New" panose="02070309020205020404" pitchFamily="49" charset="0"/>
+            </a:endParaRPr>
+          </a:p>
+        </p:txBody>
+      </p:sp>
+      <p:cxnSp>
+        <p:nvCxnSpPr>
+          <p:cNvPr id="42" name="Connector: Elbow 41">
+            <a:extLst>
+              <a:ext uri="{FF2B5EF4-FFF2-40B4-BE49-F238E27FC236}">
+                <a16:creationId xmlns:a16="http://schemas.microsoft.com/office/drawing/2014/main" id="{AED3A560-D116-876A-9CB8-C47BAA6CB0EC}"/>
+              </a:ext>
+            </a:extLst>
+          </p:cNvPr>
+          <p:cNvCxnSpPr>
+            <a:cxnSpLocks/>
+            <a:stCxn id="10" idx="2"/>
+            <a:endCxn id="18" idx="0"/>
+          </p:cNvCxnSpPr>
+          <p:nvPr/>
+        </p:nvCxnSpPr>
+        <p:spPr>
+          <a:xfrm rot="5400000">
+            <a:off x="7456175" y="2105182"/>
+            <a:ext cx="1296187" cy="2062688"/>
+          </a:xfrm>
+          <a:prstGeom prst="bentConnector3">
+            <a:avLst>
+              <a:gd name="adj1" fmla="val 32004"/>
+            </a:avLst>
+          </a:prstGeom>
+          <a:ln>
+            <a:tailEnd type="triangle"/>
+          </a:ln>
+        </p:spPr>
+        <p:style>
+          <a:lnRef idx="1">
+            <a:schemeClr val="accent1"/>
+          </a:lnRef>
+          <a:fillRef idx="0">
+            <a:schemeClr val="accent1"/>
+          </a:fillRef>
+          <a:effectRef idx="0">
+            <a:schemeClr val="accent1"/>
+          </a:effectRef>
+          <a:fontRef idx="minor">
+            <a:schemeClr val="tx1"/>
+          </a:fontRef>
+        </p:style>
+      </p:cxnSp>
+      <p:sp>
+        <p:nvSpPr>
+          <p:cNvPr id="49" name="TextBox 48">
+            <a:extLst>
+              <a:ext uri="{FF2B5EF4-FFF2-40B4-BE49-F238E27FC236}">
+                <a16:creationId xmlns:a16="http://schemas.microsoft.com/office/drawing/2014/main" id="{6B9B8B68-3377-51A9-9163-FF8EAF1D9E88}"/>
+              </a:ext>
+            </a:extLst>
+          </p:cNvPr>
+          <p:cNvSpPr txBox="1"/>
+          <p:nvPr/>
+        </p:nvSpPr>
+        <p:spPr>
+          <a:xfrm>
+            <a:off x="3019132" y="5094136"/>
+            <a:ext cx="3076868" cy="461665"/>
+          </a:xfrm>
+          <a:prstGeom prst="rect">
+            <a:avLst/>
+          </a:prstGeom>
+          <a:noFill/>
+        </p:spPr>
+        <p:txBody>
+          <a:bodyPr wrap="square" rtlCol="0">
+            <a:spAutoFit/>
+          </a:bodyPr>
+          <a:lstStyle/>
+          <a:p>
+            <a:r>
+              <a:rPr lang="en-US" sz="1200" dirty="0" err="1">
+                <a:solidFill>
+                  <a:schemeClr val="accent5"/>
+                </a:solidFill>
+                <a:latin typeface="Courier New" panose="02070309020205020404" pitchFamily="49" charset="0"/>
+                <a:cs typeface="Courier New" panose="02070309020205020404" pitchFamily="49" charset="0"/>
+              </a:rPr>
+              <a:t>samtools</a:t>
+            </a:r>
+            <a:r>
+              <a:rPr lang="en-US" sz="1200" dirty="0">
+                <a:solidFill>
+                  <a:schemeClr val="accent5"/>
+                </a:solidFill>
+                <a:latin typeface="Courier New" panose="02070309020205020404" pitchFamily="49" charset="0"/>
+                <a:cs typeface="Courier New" panose="02070309020205020404" pitchFamily="49" charset="0"/>
+              </a:rPr>
+              <a:t> sort </a:t>
+            </a:r>
+            <a:r>
+              <a:rPr lang="en-US" sz="1200" dirty="0" err="1">
+                <a:solidFill>
+                  <a:schemeClr val="accent5"/>
+                </a:solidFill>
+                <a:latin typeface="Courier New" panose="02070309020205020404" pitchFamily="49" charset="0"/>
+                <a:cs typeface="Courier New" panose="02070309020205020404" pitchFamily="49" charset="0"/>
+              </a:rPr>
+              <a:t>file.bam</a:t>
+            </a:r>
+            <a:r>
+              <a:rPr lang="en-US" sz="1200" dirty="0">
+                <a:solidFill>
+                  <a:schemeClr val="accent5"/>
+                </a:solidFill>
+                <a:latin typeface="Courier New" panose="02070309020205020404" pitchFamily="49" charset="0"/>
+                <a:cs typeface="Courier New" panose="02070309020205020404" pitchFamily="49" charset="0"/>
+              </a:rPr>
+              <a:t> file</a:t>
+            </a:r>
+          </a:p>
+          <a:p>
+            <a:r>
+              <a:rPr lang="en-US" sz="1200" dirty="0" err="1">
+                <a:solidFill>
+                  <a:schemeClr val="accent5"/>
+                </a:solidFill>
+                <a:latin typeface="Courier New" panose="02070309020205020404" pitchFamily="49" charset="0"/>
+                <a:cs typeface="Courier New" panose="02070309020205020404" pitchFamily="49" charset="0"/>
+              </a:rPr>
+              <a:t>samtools</a:t>
+            </a:r>
+            <a:r>
+              <a:rPr lang="en-US" sz="1200" dirty="0">
+                <a:solidFill>
+                  <a:schemeClr val="accent5"/>
+                </a:solidFill>
+                <a:latin typeface="Courier New" panose="02070309020205020404" pitchFamily="49" charset="0"/>
+                <a:cs typeface="Courier New" panose="02070309020205020404" pitchFamily="49" charset="0"/>
+              </a:rPr>
+              <a:t> index </a:t>
+            </a:r>
+            <a:r>
+              <a:rPr lang="en-US" sz="1200" dirty="0" err="1">
+                <a:solidFill>
+                  <a:schemeClr val="accent5"/>
+                </a:solidFill>
+                <a:latin typeface="Courier New" panose="02070309020205020404" pitchFamily="49" charset="0"/>
+                <a:cs typeface="Courier New" panose="02070309020205020404" pitchFamily="49" charset="0"/>
+              </a:rPr>
+              <a:t>file.bam</a:t>
+            </a:r>
+            <a:endParaRPr lang="en-US" sz="1200" dirty="0">
+              <a:solidFill>
+                <a:schemeClr val="accent5"/>
+              </a:solidFill>
+              <a:latin typeface="Courier New" panose="02070309020205020404" pitchFamily="49" charset="0"/>
+              <a:cs typeface="Courier New" panose="02070309020205020404" pitchFamily="49" charset="0"/>
             </a:endParaRPr>
           </a:p>
         </p:txBody>
@@ -5128,7 +7819,7 @@
     </p:spTree>
     <p:extLst>
       <p:ext uri="{BB962C8B-B14F-4D97-AF65-F5344CB8AC3E}">
-        <p14:creationId xmlns:p14="http://schemas.microsoft.com/office/powerpoint/2010/main" val="3930027404"/>
+        <p14:creationId xmlns:p14="http://schemas.microsoft.com/office/powerpoint/2010/main" val="337643538"/>
       </p:ext>
     </p:extLst>
   </p:cSld>
@@ -5157,10 +7848,54 @@
       </p:grpSpPr>
       <p:sp>
         <p:nvSpPr>
-          <p:cNvPr id="2" name="Title 1">
-            <a:extLst>
-              <a:ext uri="{FF2B5EF4-FFF2-40B4-BE49-F238E27FC236}">
-                <a16:creationId xmlns:a16="http://schemas.microsoft.com/office/drawing/2014/main" id="{636FB483-8A01-854E-9BBE-55E0C355A79B}"/>
+          <p:cNvPr id="3" name="TextBox 2">
+            <a:extLst>
+              <a:ext uri="{FF2B5EF4-FFF2-40B4-BE49-F238E27FC236}">
+                <a16:creationId xmlns:a16="http://schemas.microsoft.com/office/drawing/2014/main" id="{3386F982-B0AE-6B9F-FA0D-8BE9F974D22C}"/>
+              </a:ext>
+            </a:extLst>
+          </p:cNvPr>
+          <p:cNvSpPr txBox="1"/>
+          <p:nvPr/>
+        </p:nvSpPr>
+        <p:spPr>
+          <a:xfrm>
+            <a:off x="501521" y="5959542"/>
+            <a:ext cx="6097554" cy="646331"/>
+          </a:xfrm>
+          <a:prstGeom prst="rect">
+            <a:avLst/>
+          </a:prstGeom>
+          <a:noFill/>
+        </p:spPr>
+        <p:txBody>
+          <a:bodyPr wrap="square">
+            <a:spAutoFit/>
+          </a:bodyPr>
+          <a:lstStyle/>
+          <a:p>
+            <a:r>
+              <a:rPr lang="en-US" dirty="0">
+                <a:hlinkClick r:id="rId2"/>
+              </a:rPr>
+              <a:t>https://www.reneshbedre.com/blog/ncbi_sra_toolkit.html</a:t>
+            </a:r>
+            <a:endParaRPr lang="en-US" dirty="0"/>
+          </a:p>
+          <a:p>
+            <a:r>
+              <a:rPr lang="en-US" dirty="0"/>
+              <a:t>(SRA Toolkit Download Full Tutorial)</a:t>
+            </a:r>
+          </a:p>
+        </p:txBody>
+      </p:sp>
+      <p:sp>
+        <p:nvSpPr>
+          <p:cNvPr id="4" name="Title 1">
+            <a:extLst>
+              <a:ext uri="{FF2B5EF4-FFF2-40B4-BE49-F238E27FC236}">
+                <a16:creationId xmlns:a16="http://schemas.microsoft.com/office/drawing/2014/main" id="{55678BD6-A99B-0067-DC9C-6583A711982A}"/>
               </a:ext>
             </a:extLst>
           </p:cNvPr>
@@ -5171,8 +7906,8 @@
         </p:nvSpPr>
         <p:spPr>
           <a:xfrm>
-            <a:off x="1692481" y="2743200"/>
-            <a:ext cx="8487300" cy="1254266"/>
+            <a:off x="292557" y="29453"/>
+            <a:ext cx="11585311" cy="656493"/>
           </a:xfrm>
           <a:prstGeom prst="rect">
             <a:avLst/>
@@ -5200,57 +7935,791 @@
             </a:lvl1pPr>
           </a:lstStyle>
           <a:p>
-            <a:pPr algn="ctr"/>
-            <a:r>
-              <a:rPr lang="en-US" dirty="0" smtClean="0">
+            <a:r>
+              <a:rPr lang="en-US" u="sng" dirty="0">
                 <a:latin typeface="Times New Roman" panose="02020603050405020304" pitchFamily="18" charset="0"/>
                 <a:cs typeface="Times New Roman" panose="02020603050405020304" pitchFamily="18" charset="0"/>
               </a:rPr>
-              <a:t>Thank you for your attention &amp; Interest!</a:t>
-            </a:r>
-          </a:p>
-          <a:p>
-            <a:pPr algn="ctr"/>
-            <a:r>
-              <a:rPr lang="en-US" dirty="0" smtClean="0">
-                <a:latin typeface="Times New Roman" panose="02020603050405020304" pitchFamily="18" charset="0"/>
-                <a:cs typeface="Times New Roman" panose="02020603050405020304" pitchFamily="18" charset="0"/>
-              </a:rPr>
-              <a:t>Please </a:t>
-            </a:r>
-            <a:r>
-              <a:rPr lang="en-US" u="sng" dirty="0" smtClean="0">
-                <a:latin typeface="Times New Roman" panose="02020603050405020304" pitchFamily="18" charset="0"/>
-                <a:cs typeface="Times New Roman" panose="02020603050405020304" pitchFamily="18" charset="0"/>
-              </a:rPr>
-              <a:t>do not</a:t>
-            </a:r>
-            <a:r>
-              <a:rPr lang="en-US" dirty="0" smtClean="0">
-                <a:latin typeface="Times New Roman" panose="02020603050405020304" pitchFamily="18" charset="0"/>
-                <a:cs typeface="Times New Roman" panose="02020603050405020304" pitchFamily="18" charset="0"/>
-              </a:rPr>
-              <a:t> forget to complete the course survey! </a:t>
-            </a:r>
-            <a:r>
-              <a:rPr lang="en-US" dirty="0" smtClean="0">
-                <a:latin typeface="Times New Roman" panose="02020603050405020304" pitchFamily="18" charset="0"/>
-                <a:cs typeface="Times New Roman" panose="02020603050405020304" pitchFamily="18" charset="0"/>
-                <a:sym typeface="Wingdings" panose="05000000000000000000" pitchFamily="2" charset="2"/>
-              </a:rPr>
-              <a:t>.</a:t>
-            </a:r>
-            <a:endParaRPr lang="en-US" u="sng" dirty="0">
-              <a:latin typeface="Times New Roman" panose="02020603050405020304" pitchFamily="18" charset="0"/>
-              <a:cs typeface="Times New Roman" panose="02020603050405020304" pitchFamily="18" charset="0"/>
-            </a:endParaRPr>
+              <a:t>Finding and downloading Read Files for your analyses using SRA</a:t>
+            </a:r>
+          </a:p>
+        </p:txBody>
+      </p:sp>
+      <p:grpSp>
+        <p:nvGrpSpPr>
+          <p:cNvPr id="12" name="Group 11">
+            <a:extLst>
+              <a:ext uri="{FF2B5EF4-FFF2-40B4-BE49-F238E27FC236}">
+                <a16:creationId xmlns:a16="http://schemas.microsoft.com/office/drawing/2014/main" id="{E4082F29-E772-6B93-1E7E-449CF9DECA20}"/>
+              </a:ext>
+            </a:extLst>
+          </p:cNvPr>
+          <p:cNvGrpSpPr/>
+          <p:nvPr/>
+        </p:nvGrpSpPr>
+        <p:grpSpPr>
+          <a:xfrm>
+            <a:off x="1324947" y="993359"/>
+            <a:ext cx="8826759" cy="961053"/>
+            <a:chOff x="597159" y="867747"/>
+            <a:chExt cx="8826759" cy="961053"/>
+          </a:xfrm>
+        </p:grpSpPr>
+        <p:sp>
+          <p:nvSpPr>
+            <p:cNvPr id="8" name="Rectangle 3">
+              <a:extLst>
+                <a:ext uri="{FF2B5EF4-FFF2-40B4-BE49-F238E27FC236}">
+                  <a16:creationId xmlns:a16="http://schemas.microsoft.com/office/drawing/2014/main" id="{FAB75FBF-C44F-BD5C-55C1-A79DC11CC1A6}"/>
+                </a:ext>
+              </a:extLst>
+            </p:cNvPr>
+            <p:cNvSpPr>
+              <a:spLocks noChangeArrowheads="1"/>
+            </p:cNvSpPr>
+            <p:nvPr/>
+          </p:nvSpPr>
+          <p:spPr bwMode="auto">
+            <a:xfrm>
+              <a:off x="690465" y="957847"/>
+              <a:ext cx="8733453" cy="276999"/>
+            </a:xfrm>
+            <a:prstGeom prst="rect">
+              <a:avLst/>
+            </a:prstGeom>
+            <a:noFill/>
+            <a:ln>
+              <a:noFill/>
+            </a:ln>
+            <a:effectLst/>
+            <a:extLst>
+              <a:ext uri="{909E8E84-426E-40DD-AFC4-6F175D3DCCD1}">
+                <a14:hiddenFill xmlns:a14="http://schemas.microsoft.com/office/drawing/2010/main">
+                  <a:solidFill>
+                    <a:schemeClr val="accent1"/>
+                  </a:solidFill>
+                </a14:hiddenFill>
+              </a:ext>
+              <a:ext uri="{91240B29-F687-4F45-9708-019B960494DF}">
+                <a14:hiddenLine xmlns:a14="http://schemas.microsoft.com/office/drawing/2010/main" w="9525">
+                  <a:solidFill>
+                    <a:schemeClr val="tx1"/>
+                  </a:solidFill>
+                  <a:miter lim="800000"/>
+                  <a:headEnd/>
+                  <a:tailEnd/>
+                </a14:hiddenLine>
+              </a:ext>
+              <a:ext uri="{AF507438-7753-43E0-B8FC-AC1667EBCBE1}">
+                <a14:hiddenEffects xmlns:a14="http://schemas.microsoft.com/office/drawing/2010/main">
+                  <a:effectLst>
+                    <a:outerShdw dist="35921" dir="2700000" algn="ctr" rotWithShape="0">
+                      <a:schemeClr val="bg2"/>
+                    </a:outerShdw>
+                  </a:effectLst>
+                </a14:hiddenEffects>
+              </a:ext>
+            </a:extLst>
+          </p:spPr>
+          <p:txBody>
+            <a:bodyPr vert="horz" wrap="square" lIns="91440" tIns="45720" rIns="91440" bIns="45720" numCol="1" anchor="ctr" anchorCtr="0" compatLnSpc="1">
+              <a:prstTxWarp prst="textNoShape">
+                <a:avLst/>
+              </a:prstTxWarp>
+              <a:spAutoFit/>
+            </a:bodyPr>
+            <a:lstStyle/>
+            <a:p>
+              <a:pPr marL="0" marR="0" lvl="0" indent="0" algn="l" defTabSz="914400" rtl="0" eaLnBrk="0" fontAlgn="base" latinLnBrk="0" hangingPunct="0">
+                <a:lnSpc>
+                  <a:spcPct val="100000"/>
+                </a:lnSpc>
+                <a:spcBef>
+                  <a:spcPct val="0"/>
+                </a:spcBef>
+                <a:spcAft>
+                  <a:spcPct val="0"/>
+                </a:spcAft>
+                <a:buClrTx/>
+                <a:buSzTx/>
+                <a:buFontTx/>
+                <a:buNone/>
+                <a:tabLst/>
+              </a:pPr>
+              <a:r>
+                <a:rPr kumimoji="0" lang="en-US" altLang="en-US" sz="1200" b="1" i="0" u="none" strike="noStrike" cap="none" normalizeH="0" baseline="0">
+                  <a:ln>
+                    <a:noFill/>
+                  </a:ln>
+                  <a:solidFill>
+                    <a:srgbClr val="C20CB9"/>
+                  </a:solidFill>
+                  <a:effectLst/>
+                  <a:latin typeface="Courier New" panose="02070309020205020404" pitchFamily="49" charset="0"/>
+                </a:rPr>
+                <a:t>wget</a:t>
+              </a:r>
+              <a:r>
+                <a:rPr kumimoji="0" lang="en-US" altLang="en-US" sz="1200" b="0" i="0" u="none" strike="noStrike" cap="none" normalizeH="0" baseline="0">
+                  <a:ln>
+                    <a:noFill/>
+                  </a:ln>
+                  <a:solidFill>
+                    <a:schemeClr val="tx1"/>
+                  </a:solidFill>
+                  <a:effectLst/>
+                  <a:latin typeface="Courier New" panose="02070309020205020404" pitchFamily="49" charset="0"/>
+                </a:rPr>
+                <a:t> http:</a:t>
+              </a:r>
+              <a:r>
+                <a:rPr kumimoji="0" lang="en-US" altLang="en-US" sz="1200" b="1" i="0" u="none" strike="noStrike" cap="none" normalizeH="0" baseline="0">
+                  <a:ln>
+                    <a:noFill/>
+                  </a:ln>
+                  <a:solidFill>
+                    <a:srgbClr val="000000"/>
+                  </a:solidFill>
+                  <a:effectLst/>
+                  <a:latin typeface="Courier New" panose="02070309020205020404" pitchFamily="49" charset="0"/>
+                </a:rPr>
+                <a:t>//</a:t>
+              </a:r>
+              <a:r>
+                <a:rPr kumimoji="0" lang="en-US" altLang="en-US" sz="1200" b="0" i="0" u="none" strike="noStrike" cap="none" normalizeH="0" baseline="0">
+                  <a:ln>
+                    <a:noFill/>
+                  </a:ln>
+                  <a:solidFill>
+                    <a:schemeClr val="tx1"/>
+                  </a:solidFill>
+                  <a:effectLst/>
+                  <a:latin typeface="Courier New" panose="02070309020205020404" pitchFamily="49" charset="0"/>
+                </a:rPr>
+                <a:t>ftp-trace.ncbi.nlm.nih.gov</a:t>
+              </a:r>
+              <a:r>
+                <a:rPr kumimoji="0" lang="en-US" altLang="en-US" sz="1200" b="1" i="0" u="none" strike="noStrike" cap="none" normalizeH="0" baseline="0">
+                  <a:ln>
+                    <a:noFill/>
+                  </a:ln>
+                  <a:solidFill>
+                    <a:srgbClr val="000000"/>
+                  </a:solidFill>
+                  <a:effectLst/>
+                  <a:latin typeface="Courier New" panose="02070309020205020404" pitchFamily="49" charset="0"/>
+                </a:rPr>
+                <a:t>/</a:t>
+              </a:r>
+              <a:r>
+                <a:rPr kumimoji="0" lang="en-US" altLang="en-US" sz="1200" b="0" i="0" u="none" strike="noStrike" cap="none" normalizeH="0" baseline="0">
+                  <a:ln>
+                    <a:noFill/>
+                  </a:ln>
+                  <a:solidFill>
+                    <a:schemeClr val="tx1"/>
+                  </a:solidFill>
+                  <a:effectLst/>
+                  <a:latin typeface="Courier New" panose="02070309020205020404" pitchFamily="49" charset="0"/>
+                </a:rPr>
+                <a:t>sra</a:t>
+              </a:r>
+              <a:r>
+                <a:rPr kumimoji="0" lang="en-US" altLang="en-US" sz="1200" b="1" i="0" u="none" strike="noStrike" cap="none" normalizeH="0" baseline="0">
+                  <a:ln>
+                    <a:noFill/>
+                  </a:ln>
+                  <a:solidFill>
+                    <a:srgbClr val="000000"/>
+                  </a:solidFill>
+                  <a:effectLst/>
+                  <a:latin typeface="Courier New" panose="02070309020205020404" pitchFamily="49" charset="0"/>
+                </a:rPr>
+                <a:t>/</a:t>
+              </a:r>
+              <a:r>
+                <a:rPr kumimoji="0" lang="en-US" altLang="en-US" sz="1200" b="0" i="0" u="none" strike="noStrike" cap="none" normalizeH="0" baseline="0">
+                  <a:ln>
+                    <a:noFill/>
+                  </a:ln>
+                  <a:solidFill>
+                    <a:schemeClr val="tx1"/>
+                  </a:solidFill>
+                  <a:effectLst/>
+                  <a:latin typeface="Courier New" panose="02070309020205020404" pitchFamily="49" charset="0"/>
+                </a:rPr>
+                <a:t>sdk</a:t>
+              </a:r>
+              <a:r>
+                <a:rPr kumimoji="0" lang="en-US" altLang="en-US" sz="1200" b="1" i="0" u="none" strike="noStrike" cap="none" normalizeH="0" baseline="0">
+                  <a:ln>
+                    <a:noFill/>
+                  </a:ln>
+                  <a:solidFill>
+                    <a:srgbClr val="000000"/>
+                  </a:solidFill>
+                  <a:effectLst/>
+                  <a:latin typeface="Courier New" panose="02070309020205020404" pitchFamily="49" charset="0"/>
+                </a:rPr>
+                <a:t>/</a:t>
+              </a:r>
+              <a:r>
+                <a:rPr kumimoji="0" lang="en-US" altLang="en-US" sz="1200" b="0" i="0" u="none" strike="noStrike" cap="none" normalizeH="0" baseline="0">
+                  <a:ln>
+                    <a:noFill/>
+                  </a:ln>
+                  <a:solidFill>
+                    <a:schemeClr val="tx1"/>
+                  </a:solidFill>
+                  <a:effectLst/>
+                  <a:latin typeface="Courier New" panose="02070309020205020404" pitchFamily="49" charset="0"/>
+                </a:rPr>
+                <a:t>2.4.1</a:t>
+              </a:r>
+              <a:r>
+                <a:rPr kumimoji="0" lang="en-US" altLang="en-US" sz="1200" b="1" i="0" u="none" strike="noStrike" cap="none" normalizeH="0" baseline="0">
+                  <a:ln>
+                    <a:noFill/>
+                  </a:ln>
+                  <a:solidFill>
+                    <a:srgbClr val="000000"/>
+                  </a:solidFill>
+                  <a:effectLst/>
+                  <a:latin typeface="Courier New" panose="02070309020205020404" pitchFamily="49" charset="0"/>
+                </a:rPr>
+                <a:t>/</a:t>
+              </a:r>
+              <a:r>
+                <a:rPr kumimoji="0" lang="en-US" altLang="en-US" sz="1200" b="0" i="0" u="none" strike="noStrike" cap="none" normalizeH="0" baseline="0">
+                  <a:ln>
+                    <a:noFill/>
+                  </a:ln>
+                  <a:solidFill>
+                    <a:schemeClr val="tx1"/>
+                  </a:solidFill>
+                  <a:effectLst/>
+                  <a:latin typeface="Courier New" panose="02070309020205020404" pitchFamily="49" charset="0"/>
+                </a:rPr>
+                <a:t>sratoolkit.2.4.1-ubuntu64.tar.gz</a:t>
+              </a:r>
+              <a:r>
+                <a:rPr kumimoji="0" lang="en-US" altLang="en-US" sz="1050" b="0" i="0" u="none" strike="noStrike" cap="none" normalizeH="0" baseline="0">
+                  <a:ln>
+                    <a:noFill/>
+                  </a:ln>
+                  <a:solidFill>
+                    <a:schemeClr val="tx1"/>
+                  </a:solidFill>
+                  <a:effectLst/>
+                </a:rPr>
+                <a:t> </a:t>
+              </a:r>
+              <a:endParaRPr kumimoji="0" lang="en-US" altLang="en-US" sz="2800" b="0" i="0" u="none" strike="noStrike" cap="none" normalizeH="0" baseline="0">
+                <a:ln>
+                  <a:noFill/>
+                </a:ln>
+                <a:solidFill>
+                  <a:schemeClr val="tx1"/>
+                </a:solidFill>
+                <a:effectLst/>
+                <a:latin typeface="Arial" panose="020B0604020202020204" pitchFamily="34" charset="0"/>
+              </a:endParaRPr>
+            </a:p>
+          </p:txBody>
+        </p:sp>
+        <p:sp>
+          <p:nvSpPr>
+            <p:cNvPr id="9" name="Rectangle 4">
+              <a:extLst>
+                <a:ext uri="{FF2B5EF4-FFF2-40B4-BE49-F238E27FC236}">
+                  <a16:creationId xmlns:a16="http://schemas.microsoft.com/office/drawing/2014/main" id="{EB297369-892B-0256-C049-5F18B52B5DDE}"/>
+                </a:ext>
+              </a:extLst>
+            </p:cNvPr>
+            <p:cNvSpPr>
+              <a:spLocks noChangeArrowheads="1"/>
+            </p:cNvSpPr>
+            <p:nvPr/>
+          </p:nvSpPr>
+          <p:spPr bwMode="auto">
+            <a:xfrm>
+              <a:off x="690465" y="1474061"/>
+              <a:ext cx="5197257" cy="261610"/>
+            </a:xfrm>
+            <a:prstGeom prst="rect">
+              <a:avLst/>
+            </a:prstGeom>
+            <a:noFill/>
+            <a:ln>
+              <a:noFill/>
+            </a:ln>
+            <a:effectLst/>
+            <a:extLst>
+              <a:ext uri="{909E8E84-426E-40DD-AFC4-6F175D3DCCD1}">
+                <a14:hiddenFill xmlns:a14="http://schemas.microsoft.com/office/drawing/2010/main">
+                  <a:solidFill>
+                    <a:schemeClr val="accent1"/>
+                  </a:solidFill>
+                </a14:hiddenFill>
+              </a:ext>
+              <a:ext uri="{91240B29-F687-4F45-9708-019B960494DF}">
+                <a14:hiddenLine xmlns:a14="http://schemas.microsoft.com/office/drawing/2010/main" w="9525">
+                  <a:solidFill>
+                    <a:schemeClr val="tx1"/>
+                  </a:solidFill>
+                  <a:miter lim="800000"/>
+                  <a:headEnd/>
+                  <a:tailEnd/>
+                </a14:hiddenLine>
+              </a:ext>
+              <a:ext uri="{AF507438-7753-43E0-B8FC-AC1667EBCBE1}">
+                <a14:hiddenEffects xmlns:a14="http://schemas.microsoft.com/office/drawing/2010/main">
+                  <a:effectLst>
+                    <a:outerShdw dist="35921" dir="2700000" algn="ctr" rotWithShape="0">
+                      <a:schemeClr val="bg2"/>
+                    </a:outerShdw>
+                  </a:effectLst>
+                </a14:hiddenEffects>
+              </a:ext>
+            </a:extLst>
+          </p:spPr>
+          <p:txBody>
+            <a:bodyPr vert="horz" wrap="none" lIns="91440" tIns="45720" rIns="91440" bIns="45720" numCol="1" anchor="ctr" anchorCtr="0" compatLnSpc="1">
+              <a:prstTxWarp prst="textNoShape">
+                <a:avLst/>
+              </a:prstTxWarp>
+              <a:spAutoFit/>
+            </a:bodyPr>
+            <a:lstStyle/>
+            <a:p>
+              <a:pPr marL="0" marR="0" lvl="0" indent="0" algn="l" defTabSz="914400" rtl="0" eaLnBrk="0" fontAlgn="base" latinLnBrk="0" hangingPunct="0">
+                <a:lnSpc>
+                  <a:spcPct val="100000"/>
+                </a:lnSpc>
+                <a:spcBef>
+                  <a:spcPct val="0"/>
+                </a:spcBef>
+                <a:spcAft>
+                  <a:spcPct val="0"/>
+                </a:spcAft>
+                <a:buClrTx/>
+                <a:buSzTx/>
+                <a:buFontTx/>
+                <a:buNone/>
+                <a:tabLst/>
+              </a:pPr>
+              <a:r>
+                <a:rPr kumimoji="0" lang="en-US" altLang="en-US" sz="1100" b="1" i="0" u="none" strike="noStrike" cap="none" normalizeH="0" baseline="0">
+                  <a:ln>
+                    <a:noFill/>
+                  </a:ln>
+                  <a:solidFill>
+                    <a:srgbClr val="7A0874"/>
+                  </a:solidFill>
+                  <a:effectLst/>
+                  <a:latin typeface="Courier New" panose="02070309020205020404" pitchFamily="49" charset="0"/>
+                </a:rPr>
+                <a:t>export</a:t>
+              </a:r>
+              <a:r>
+                <a:rPr kumimoji="0" lang="en-US" altLang="en-US" sz="1100" b="0" i="0" u="none" strike="noStrike" cap="none" normalizeH="0" baseline="0">
+                  <a:ln>
+                    <a:noFill/>
+                  </a:ln>
+                  <a:solidFill>
+                    <a:schemeClr val="tx1"/>
+                  </a:solidFill>
+                  <a:effectLst/>
+                  <a:latin typeface="Courier New" panose="02070309020205020404" pitchFamily="49" charset="0"/>
+                </a:rPr>
+                <a:t> </a:t>
+              </a:r>
+              <a:r>
+                <a:rPr kumimoji="0" lang="en-US" altLang="en-US" sz="1100" b="0" i="0" u="none" strike="noStrike" cap="none" normalizeH="0" baseline="0">
+                  <a:ln>
+                    <a:noFill/>
+                  </a:ln>
+                  <a:solidFill>
+                    <a:srgbClr val="007800"/>
+                  </a:solidFill>
+                  <a:effectLst/>
+                  <a:latin typeface="Courier New" panose="02070309020205020404" pitchFamily="49" charset="0"/>
+                </a:rPr>
+                <a:t>PATH</a:t>
+              </a:r>
+              <a:r>
+                <a:rPr kumimoji="0" lang="en-US" altLang="en-US" sz="1100" b="0" i="0" u="none" strike="noStrike" cap="none" normalizeH="0" baseline="0">
+                  <a:ln>
+                    <a:noFill/>
+                  </a:ln>
+                  <a:solidFill>
+                    <a:schemeClr val="tx1"/>
+                  </a:solidFill>
+                  <a:effectLst/>
+                  <a:latin typeface="Courier New" panose="02070309020205020404" pitchFamily="49" charset="0"/>
+                </a:rPr>
+                <a:t>=</a:t>
+              </a:r>
+              <a:r>
+                <a:rPr kumimoji="0" lang="en-US" altLang="en-US" sz="1100" b="0" i="0" u="none" strike="noStrike" cap="none" normalizeH="0" baseline="0">
+                  <a:ln>
+                    <a:noFill/>
+                  </a:ln>
+                  <a:solidFill>
+                    <a:srgbClr val="007800"/>
+                  </a:solidFill>
+                  <a:effectLst/>
+                  <a:latin typeface="Courier New" panose="02070309020205020404" pitchFamily="49" charset="0"/>
+                </a:rPr>
+                <a:t>$PATH</a:t>
+              </a:r>
+              <a:r>
+                <a:rPr kumimoji="0" lang="en-US" altLang="en-US" sz="1100" b="0" i="0" u="none" strike="noStrike" cap="none" normalizeH="0" baseline="0">
+                  <a:ln>
+                    <a:noFill/>
+                  </a:ln>
+                  <a:solidFill>
+                    <a:schemeClr val="tx1"/>
+                  </a:solidFill>
+                  <a:effectLst/>
+                  <a:latin typeface="Courier New" panose="02070309020205020404" pitchFamily="49" charset="0"/>
+                </a:rPr>
+                <a:t>:</a:t>
+              </a:r>
+              <a:r>
+                <a:rPr kumimoji="0" lang="en-US" altLang="en-US" sz="1100" b="1" i="0" u="none" strike="noStrike" cap="none" normalizeH="0" baseline="0">
+                  <a:ln>
+                    <a:noFill/>
+                  </a:ln>
+                  <a:solidFill>
+                    <a:srgbClr val="000000"/>
+                  </a:solidFill>
+                  <a:effectLst/>
+                  <a:latin typeface="Courier New" panose="02070309020205020404" pitchFamily="49" charset="0"/>
+                </a:rPr>
+                <a:t>/</a:t>
+              </a:r>
+              <a:r>
+                <a:rPr kumimoji="0" lang="en-US" altLang="en-US" sz="1100" b="0" i="0" u="none" strike="noStrike" cap="none" normalizeH="0" baseline="0">
+                  <a:ln>
+                    <a:noFill/>
+                  </a:ln>
+                  <a:solidFill>
+                    <a:schemeClr val="tx1"/>
+                  </a:solidFill>
+                  <a:effectLst/>
+                  <a:latin typeface="Courier New" panose="02070309020205020404" pitchFamily="49" charset="0"/>
+                </a:rPr>
+                <a:t>directory</a:t>
+              </a:r>
+              <a:r>
+                <a:rPr kumimoji="0" lang="en-US" altLang="en-US" sz="1100" b="1" i="0" u="none" strike="noStrike" cap="none" normalizeH="0" baseline="0">
+                  <a:ln>
+                    <a:noFill/>
+                  </a:ln>
+                  <a:solidFill>
+                    <a:srgbClr val="000000"/>
+                  </a:solidFill>
+                  <a:effectLst/>
+                  <a:latin typeface="Courier New" panose="02070309020205020404" pitchFamily="49" charset="0"/>
+                </a:rPr>
+                <a:t>/</a:t>
+              </a:r>
+              <a:r>
+                <a:rPr kumimoji="0" lang="en-US" altLang="en-US" sz="1100" b="0" i="0" u="none" strike="noStrike" cap="none" normalizeH="0" baseline="0">
+                  <a:ln>
+                    <a:noFill/>
+                  </a:ln>
+                  <a:solidFill>
+                    <a:schemeClr val="tx1"/>
+                  </a:solidFill>
+                  <a:effectLst/>
+                  <a:latin typeface="Courier New" panose="02070309020205020404" pitchFamily="49" charset="0"/>
+                </a:rPr>
+                <a:t>sratoolkit.2.4.1-ubuntu64</a:t>
+              </a:r>
+              <a:r>
+                <a:rPr kumimoji="0" lang="en-US" altLang="en-US" sz="1100" b="1" i="0" u="none" strike="noStrike" cap="none" normalizeH="0" baseline="0">
+                  <a:ln>
+                    <a:noFill/>
+                  </a:ln>
+                  <a:solidFill>
+                    <a:srgbClr val="000000"/>
+                  </a:solidFill>
+                  <a:effectLst/>
+                  <a:latin typeface="Courier New" panose="02070309020205020404" pitchFamily="49" charset="0"/>
+                </a:rPr>
+                <a:t>/</a:t>
+              </a:r>
+              <a:r>
+                <a:rPr kumimoji="0" lang="en-US" altLang="en-US" sz="1100" b="0" i="0" u="none" strike="noStrike" cap="none" normalizeH="0" baseline="0">
+                  <a:ln>
+                    <a:noFill/>
+                  </a:ln>
+                  <a:solidFill>
+                    <a:schemeClr val="tx1"/>
+                  </a:solidFill>
+                  <a:effectLst/>
+                  <a:latin typeface="Courier New" panose="02070309020205020404" pitchFamily="49" charset="0"/>
+                </a:rPr>
+                <a:t>bin </a:t>
+              </a:r>
+              <a:endParaRPr kumimoji="0" lang="en-US" altLang="en-US" sz="2400" b="0" i="0" u="none" strike="noStrike" cap="none" normalizeH="0" baseline="0">
+                <a:ln>
+                  <a:noFill/>
+                </a:ln>
+                <a:solidFill>
+                  <a:schemeClr val="tx1"/>
+                </a:solidFill>
+                <a:effectLst/>
+                <a:latin typeface="Arial" panose="020B0604020202020204" pitchFamily="34" charset="0"/>
+              </a:endParaRPr>
+            </a:p>
+          </p:txBody>
+        </p:sp>
+        <p:sp>
+          <p:nvSpPr>
+            <p:cNvPr id="10" name="Rectangle 5">
+              <a:extLst>
+                <a:ext uri="{FF2B5EF4-FFF2-40B4-BE49-F238E27FC236}">
+                  <a16:creationId xmlns:a16="http://schemas.microsoft.com/office/drawing/2014/main" id="{6C62B23A-6962-C081-4DDB-10605A04BE75}"/>
+                </a:ext>
+              </a:extLst>
+            </p:cNvPr>
+            <p:cNvSpPr>
+              <a:spLocks noChangeArrowheads="1"/>
+            </p:cNvSpPr>
+            <p:nvPr/>
+          </p:nvSpPr>
+          <p:spPr bwMode="auto">
+            <a:xfrm>
+              <a:off x="690465" y="1212276"/>
+              <a:ext cx="3693640" cy="261610"/>
+            </a:xfrm>
+            <a:prstGeom prst="rect">
+              <a:avLst/>
+            </a:prstGeom>
+            <a:noFill/>
+            <a:ln>
+              <a:noFill/>
+            </a:ln>
+            <a:effectLst/>
+            <a:extLst>
+              <a:ext uri="{909E8E84-426E-40DD-AFC4-6F175D3DCCD1}">
+                <a14:hiddenFill xmlns:a14="http://schemas.microsoft.com/office/drawing/2010/main">
+                  <a:solidFill>
+                    <a:schemeClr val="accent1"/>
+                  </a:solidFill>
+                </a14:hiddenFill>
+              </a:ext>
+              <a:ext uri="{91240B29-F687-4F45-9708-019B960494DF}">
+                <a14:hiddenLine xmlns:a14="http://schemas.microsoft.com/office/drawing/2010/main" w="9525">
+                  <a:solidFill>
+                    <a:schemeClr val="tx1"/>
+                  </a:solidFill>
+                  <a:miter lim="800000"/>
+                  <a:headEnd/>
+                  <a:tailEnd/>
+                </a14:hiddenLine>
+              </a:ext>
+              <a:ext uri="{AF507438-7753-43E0-B8FC-AC1667EBCBE1}">
+                <a14:hiddenEffects xmlns:a14="http://schemas.microsoft.com/office/drawing/2010/main">
+                  <a:effectLst>
+                    <a:outerShdw dist="35921" dir="2700000" algn="ctr" rotWithShape="0">
+                      <a:schemeClr val="bg2"/>
+                    </a:outerShdw>
+                  </a:effectLst>
+                </a14:hiddenEffects>
+              </a:ext>
+            </a:extLst>
+          </p:spPr>
+          <p:txBody>
+            <a:bodyPr vert="horz" wrap="none" lIns="91440" tIns="45720" rIns="91440" bIns="45720" numCol="1" anchor="ctr" anchorCtr="0" compatLnSpc="1">
+              <a:prstTxWarp prst="textNoShape">
+                <a:avLst/>
+              </a:prstTxWarp>
+              <a:spAutoFit/>
+            </a:bodyPr>
+            <a:lstStyle/>
+            <a:p>
+              <a:pPr marL="0" marR="0" lvl="0" indent="0" algn="l" defTabSz="914400" rtl="0" eaLnBrk="0" fontAlgn="base" latinLnBrk="0" hangingPunct="0">
+                <a:lnSpc>
+                  <a:spcPct val="100000"/>
+                </a:lnSpc>
+                <a:spcBef>
+                  <a:spcPct val="0"/>
+                </a:spcBef>
+                <a:spcAft>
+                  <a:spcPct val="0"/>
+                </a:spcAft>
+                <a:buClrTx/>
+                <a:buSzTx/>
+                <a:buFontTx/>
+                <a:buNone/>
+                <a:tabLst/>
+              </a:pPr>
+              <a:r>
+                <a:rPr kumimoji="0" lang="en-US" altLang="en-US" sz="1100" b="1" i="0" u="none" strike="noStrike" cap="none" normalizeH="0" baseline="0">
+                  <a:ln>
+                    <a:noFill/>
+                  </a:ln>
+                  <a:solidFill>
+                    <a:srgbClr val="C20CB9"/>
+                  </a:solidFill>
+                  <a:effectLst/>
+                  <a:latin typeface="Courier New" panose="02070309020205020404" pitchFamily="49" charset="0"/>
+                </a:rPr>
+                <a:t>tar</a:t>
+              </a:r>
+              <a:r>
+                <a:rPr kumimoji="0" lang="en-US" altLang="en-US" sz="1100" b="0" i="0" u="none" strike="noStrike" cap="none" normalizeH="0" baseline="0">
+                  <a:ln>
+                    <a:noFill/>
+                  </a:ln>
+                  <a:solidFill>
+                    <a:schemeClr val="tx1"/>
+                  </a:solidFill>
+                  <a:effectLst/>
+                  <a:latin typeface="Courier New" panose="02070309020205020404" pitchFamily="49" charset="0"/>
+                </a:rPr>
+                <a:t> xzvf sratoolkit.2.4.1-ubuntu64.tar.gz</a:t>
+              </a:r>
+              <a:r>
+                <a:rPr kumimoji="0" lang="en-US" altLang="en-US" sz="1000" b="0" i="0" u="none" strike="noStrike" cap="none" normalizeH="0" baseline="0">
+                  <a:ln>
+                    <a:noFill/>
+                  </a:ln>
+                  <a:solidFill>
+                    <a:schemeClr val="tx1"/>
+                  </a:solidFill>
+                  <a:effectLst/>
+                </a:rPr>
+                <a:t> </a:t>
+              </a:r>
+              <a:endParaRPr kumimoji="0" lang="en-US" altLang="en-US" sz="2400" b="0" i="0" u="none" strike="noStrike" cap="none" normalizeH="0" baseline="0">
+                <a:ln>
+                  <a:noFill/>
+                </a:ln>
+                <a:solidFill>
+                  <a:schemeClr val="tx1"/>
+                </a:solidFill>
+                <a:effectLst/>
+                <a:latin typeface="Arial" panose="020B0604020202020204" pitchFamily="34" charset="0"/>
+              </a:endParaRPr>
+            </a:p>
+          </p:txBody>
+        </p:sp>
+        <p:sp>
+          <p:nvSpPr>
+            <p:cNvPr id="11" name="Rectangle 10">
+              <a:extLst>
+                <a:ext uri="{FF2B5EF4-FFF2-40B4-BE49-F238E27FC236}">
+                  <a16:creationId xmlns:a16="http://schemas.microsoft.com/office/drawing/2014/main" id="{8295CDF5-5EC7-28E1-B178-EA88F245E82C}"/>
+                </a:ext>
+              </a:extLst>
+            </p:cNvPr>
+            <p:cNvSpPr/>
+            <p:nvPr/>
+          </p:nvSpPr>
+          <p:spPr>
+            <a:xfrm>
+              <a:off x="597159" y="867747"/>
+              <a:ext cx="8826759" cy="961053"/>
+            </a:xfrm>
+            <a:prstGeom prst="rect">
+              <a:avLst/>
+            </a:prstGeom>
+            <a:noFill/>
+          </p:spPr>
+          <p:style>
+            <a:lnRef idx="2">
+              <a:schemeClr val="accent1">
+                <a:shade val="50000"/>
+              </a:schemeClr>
+            </a:lnRef>
+            <a:fillRef idx="1">
+              <a:schemeClr val="accent1"/>
+            </a:fillRef>
+            <a:effectRef idx="0">
+              <a:schemeClr val="accent1"/>
+            </a:effectRef>
+            <a:fontRef idx="minor">
+              <a:schemeClr val="lt1"/>
+            </a:fontRef>
+          </p:style>
+          <p:txBody>
+            <a:bodyPr rtlCol="0" anchor="ctr"/>
+            <a:lstStyle/>
+            <a:p>
+              <a:pPr algn="ctr"/>
+              <a:endParaRPr lang="en-US"/>
+            </a:p>
+          </p:txBody>
+        </p:sp>
+      </p:grpSp>
+      <p:sp>
+        <p:nvSpPr>
+          <p:cNvPr id="13" name="TextBox 12">
+            <a:extLst>
+              <a:ext uri="{FF2B5EF4-FFF2-40B4-BE49-F238E27FC236}">
+                <a16:creationId xmlns:a16="http://schemas.microsoft.com/office/drawing/2014/main" id="{F4B38F25-CCE6-D1A4-2E10-7DC990CA0B40}"/>
+              </a:ext>
+            </a:extLst>
+          </p:cNvPr>
+          <p:cNvSpPr txBox="1"/>
+          <p:nvPr/>
+        </p:nvSpPr>
+        <p:spPr>
+          <a:xfrm>
+            <a:off x="2379306" y="582185"/>
+            <a:ext cx="5868955" cy="369332"/>
+          </a:xfrm>
+          <a:prstGeom prst="rect">
+            <a:avLst/>
+          </a:prstGeom>
+          <a:noFill/>
+        </p:spPr>
+        <p:txBody>
+          <a:bodyPr wrap="square" rtlCol="0">
+            <a:spAutoFit/>
+          </a:bodyPr>
+          <a:lstStyle/>
+          <a:p>
+            <a:r>
+              <a:rPr lang="en-US" dirty="0"/>
+              <a:t>Get </a:t>
+            </a:r>
+            <a:r>
+              <a:rPr lang="en-US" dirty="0" err="1"/>
+              <a:t>sra</a:t>
+            </a:r>
+            <a:r>
+              <a:rPr lang="en-US" dirty="0"/>
+              <a:t>-toolkit for </a:t>
+            </a:r>
+            <a:r>
+              <a:rPr lang="en-US" dirty="0" err="1"/>
+              <a:t>linux</a:t>
+            </a:r>
+            <a:r>
+              <a:rPr lang="en-US" dirty="0"/>
+              <a:t>! (or windows subsystem for </a:t>
+            </a:r>
+            <a:r>
+              <a:rPr lang="en-US" dirty="0" err="1"/>
+              <a:t>linux</a:t>
+            </a:r>
+            <a:r>
+              <a:rPr lang="en-US" dirty="0"/>
+              <a:t>)</a:t>
+            </a:r>
           </a:p>
         </p:txBody>
       </p:sp>
     </p:spTree>
     <p:extLst>
       <p:ext uri="{BB962C8B-B14F-4D97-AF65-F5344CB8AC3E}">
-        <p14:creationId xmlns:p14="http://schemas.microsoft.com/office/powerpoint/2010/main" val="541936775"/>
+        <p14:creationId xmlns:p14="http://schemas.microsoft.com/office/powerpoint/2010/main" val="3947748971"/>
       </p:ext>
     </p:extLst>
   </p:cSld>
